--- a/prezi/hovatovabb.pptx
+++ b/prezi/hovatovabb.pptx
@@ -5,38 +5,40 @@
     <p:sldMasterId id="2147483659" r:id="rId1"/>
   </p:sldMasterIdLst>
   <p:notesMasterIdLst>
-    <p:notesMasterId r:id="rId14"/>
+    <p:notesMasterId r:id="rId16"/>
   </p:notesMasterIdLst>
   <p:sldIdLst>
     <p:sldId id="256" r:id="rId2"/>
     <p:sldId id="257" r:id="rId3"/>
-    <p:sldId id="258" r:id="rId4"/>
-    <p:sldId id="259" r:id="rId5"/>
-    <p:sldId id="260" r:id="rId6"/>
-    <p:sldId id="261" r:id="rId7"/>
-    <p:sldId id="262" r:id="rId8"/>
-    <p:sldId id="263" r:id="rId9"/>
-    <p:sldId id="264" r:id="rId10"/>
-    <p:sldId id="265" r:id="rId11"/>
-    <p:sldId id="266" r:id="rId12"/>
-    <p:sldId id="267" r:id="rId13"/>
+    <p:sldId id="269" r:id="rId4"/>
+    <p:sldId id="258" r:id="rId5"/>
+    <p:sldId id="259" r:id="rId6"/>
+    <p:sldId id="260" r:id="rId7"/>
+    <p:sldId id="264" r:id="rId8"/>
+    <p:sldId id="261" r:id="rId9"/>
+    <p:sldId id="262" r:id="rId10"/>
+    <p:sldId id="268" r:id="rId11"/>
+    <p:sldId id="265" r:id="rId12"/>
+    <p:sldId id="266" r:id="rId13"/>
+    <p:sldId id="263" r:id="rId14"/>
+    <p:sldId id="267" r:id="rId15"/>
   </p:sldIdLst>
   <p:sldSz cx="9144000" cy="5143500" type="screen16x9"/>
   <p:notesSz cx="6858000" cy="9144000"/>
   <p:embeddedFontLst>
     <p:embeddedFont>
       <p:font typeface="Lato" panose="020F0502020204030203" pitchFamily="34" charset="0"/>
-      <p:regular r:id="rId15"/>
-      <p:bold r:id="rId16"/>
-      <p:italic r:id="rId17"/>
-      <p:boldItalic r:id="rId18"/>
+      <p:regular r:id="rId17"/>
+      <p:bold r:id="rId18"/>
+      <p:italic r:id="rId19"/>
+      <p:boldItalic r:id="rId20"/>
     </p:embeddedFont>
     <p:embeddedFont>
       <p:font typeface="Montserrat" pitchFamily="2" charset="0"/>
-      <p:regular r:id="rId19"/>
-      <p:bold r:id="rId20"/>
-      <p:italic r:id="rId21"/>
-      <p:boldItalic r:id="rId22"/>
+      <p:regular r:id="rId21"/>
+      <p:bold r:id="rId22"/>
+      <p:italic r:id="rId23"/>
+      <p:boldItalic r:id="rId24"/>
     </p:embeddedFont>
   </p:embeddedFontLst>
   <p:defaultTextStyle>
@@ -359,6 +361,13 @@
             <a:tailEnd type="none" w="sm" len="sm"/>
           </a:ln>
         </p:spPr>
+        <p:txBody>
+          <a:bodyPr/>
+          <a:lstStyle/>
+          <a:p>
+            <a:endParaRPr lang="en-US"/>
+          </a:p>
+        </p:txBody>
       </p:sp>
       <p:sp>
         <p:nvSpPr>
@@ -785,6 +794,13 @@
             </a:pathLst>
           </a:custGeom>
         </p:spPr>
+        <p:txBody>
+          <a:bodyPr/>
+          <a:lstStyle/>
+          <a:p>
+            <a:endParaRPr lang="en-US"/>
+          </a:p>
+        </p:txBody>
       </p:sp>
       <p:sp>
         <p:nvSpPr>
@@ -820,7 +836,7 @@
               </a:spcAft>
               <a:buNone/>
             </a:pPr>
-            <a:endParaRPr/>
+            <a:endParaRPr dirty="0"/>
           </a:p>
         </p:txBody>
       </p:sp>
@@ -833,6 +849,144 @@
 </file>
 
 <file path=ppt/notesSlides/notesSlide10.xml><?xml version="1.0" encoding="utf-8"?>
+<p:notes xmlns:a="http://schemas.openxmlformats.org/drawingml/2006/main" xmlns:r="http://schemas.openxmlformats.org/officeDocument/2006/relationships" xmlns:p="http://schemas.openxmlformats.org/presentationml/2006/main" showMasterSp="0" showMasterPhAnim="0">
+  <p:cSld>
+    <p:spTree>
+      <p:nvGrpSpPr>
+        <p:cNvPr id="1" name="Shape 172">
+          <a:extLst>
+            <a:ext uri="{FF2B5EF4-FFF2-40B4-BE49-F238E27FC236}">
+              <a16:creationId xmlns:a16="http://schemas.microsoft.com/office/drawing/2014/main" id="{E591868E-067D-9535-9D4D-6E51CC165751}"/>
+            </a:ext>
+          </a:extLst>
+        </p:cNvPr>
+        <p:cNvGrpSpPr/>
+        <p:nvPr/>
+      </p:nvGrpSpPr>
+      <p:grpSpPr>
+        <a:xfrm>
+          <a:off x="0" y="0"/>
+          <a:ext cx="0" cy="0"/>
+          <a:chOff x="0" y="0"/>
+          <a:chExt cx="0" cy="0"/>
+        </a:xfrm>
+      </p:grpSpPr>
+      <p:sp>
+        <p:nvSpPr>
+          <p:cNvPr id="173" name="Google Shape;173;g3b97e70fc58_0_179:notes">
+            <a:extLst>
+              <a:ext uri="{FF2B5EF4-FFF2-40B4-BE49-F238E27FC236}">
+                <a16:creationId xmlns:a16="http://schemas.microsoft.com/office/drawing/2014/main" id="{DBCC41A6-6DA0-7355-3208-15334EB6D7C6}"/>
+              </a:ext>
+            </a:extLst>
+          </p:cNvPr>
+          <p:cNvSpPr>
+            <a:spLocks noGrp="1" noRot="1" noChangeAspect="1"/>
+          </p:cNvSpPr>
+          <p:nvPr>
+            <p:ph type="sldImg" idx="2"/>
+          </p:nvPr>
+        </p:nvSpPr>
+        <p:spPr>
+          <a:xfrm>
+            <a:off x="381000" y="685800"/>
+            <a:ext cx="6096000" cy="3429000"/>
+          </a:xfrm>
+          <a:custGeom>
+            <a:avLst/>
+            <a:gdLst/>
+            <a:ahLst/>
+            <a:cxnLst/>
+            <a:rect l="l" t="t" r="r" b="b"/>
+            <a:pathLst>
+              <a:path w="120000" h="120000" extrusionOk="0">
+                <a:moveTo>
+                  <a:pt x="0" y="0"/>
+                </a:moveTo>
+                <a:lnTo>
+                  <a:pt x="120000" y="0"/>
+                </a:lnTo>
+                <a:lnTo>
+                  <a:pt x="120000" y="120000"/>
+                </a:lnTo>
+                <a:lnTo>
+                  <a:pt x="0" y="120000"/>
+                </a:lnTo>
+                <a:close/>
+              </a:path>
+            </a:pathLst>
+          </a:custGeom>
+        </p:spPr>
+        <p:txBody>
+          <a:bodyPr/>
+          <a:lstStyle/>
+          <a:p>
+            <a:endParaRPr lang="en-US"/>
+          </a:p>
+        </p:txBody>
+      </p:sp>
+      <p:sp>
+        <p:nvSpPr>
+          <p:cNvPr id="174" name="Google Shape;174;g3b97e70fc58_0_179:notes">
+            <a:extLst>
+              <a:ext uri="{FF2B5EF4-FFF2-40B4-BE49-F238E27FC236}">
+                <a16:creationId xmlns:a16="http://schemas.microsoft.com/office/drawing/2014/main" id="{246E8232-6CDF-725C-539D-C913575C3874}"/>
+              </a:ext>
+            </a:extLst>
+          </p:cNvPr>
+          <p:cNvSpPr txBox="1">
+            <a:spLocks noGrp="1"/>
+          </p:cNvSpPr>
+          <p:nvPr>
+            <p:ph type="body" idx="1"/>
+          </p:nvPr>
+        </p:nvSpPr>
+        <p:spPr>
+          <a:xfrm>
+            <a:off x="685800" y="4343400"/>
+            <a:ext cx="5486400" cy="4114800"/>
+          </a:xfrm>
+          <a:prstGeom prst="rect">
+            <a:avLst/>
+          </a:prstGeom>
+        </p:spPr>
+        <p:txBody>
+          <a:bodyPr spcFirstLastPara="1" wrap="square" lIns="91425" tIns="91425" rIns="91425" bIns="91425" anchor="t" anchorCtr="0">
+            <a:noAutofit/>
+          </a:bodyPr>
+          <a:lstStyle/>
+          <a:p>
+            <a:pPr marL="0" lvl="0" indent="0" algn="l" rtl="0">
+              <a:spcBef>
+                <a:spcPts val="0"/>
+              </a:spcBef>
+              <a:spcAft>
+                <a:spcPts val="0"/>
+              </a:spcAft>
+              <a:buNone/>
+            </a:pPr>
+            <a:r>
+              <a:rPr lang="en-US" dirty="0"/>
+              <a:t>Benji</a:t>
+            </a:r>
+            <a:endParaRPr dirty="0"/>
+          </a:p>
+        </p:txBody>
+      </p:sp>
+    </p:spTree>
+    <p:extLst>
+      <p:ext uri="{BB962C8B-B14F-4D97-AF65-F5344CB8AC3E}">
+        <p14:creationId xmlns:p14="http://schemas.microsoft.com/office/powerpoint/2010/main" val="514712428"/>
+      </p:ext>
+    </p:extLst>
+  </p:cSld>
+  <p:clrMapOvr>
+    <a:masterClrMapping/>
+  </p:clrMapOvr>
+</p:notes>
+</file>
+
+<file path=ppt/notesSlides/notesSlide11.xml><?xml version="1.0" encoding="utf-8"?>
 <p:notes xmlns:a="http://schemas.openxmlformats.org/drawingml/2006/main" xmlns:r="http://schemas.openxmlformats.org/officeDocument/2006/relationships" xmlns:p="http://schemas.openxmlformats.org/presentationml/2006/main" showMasterSp="0" showMasterPhAnim="0">
   <p:cSld>
     <p:spTree>
@@ -889,6 +1043,13 @@
             </a:pathLst>
           </a:custGeom>
         </p:spPr>
+        <p:txBody>
+          <a:bodyPr/>
+          <a:lstStyle/>
+          <a:p>
+            <a:endParaRPr lang="en-US"/>
+          </a:p>
+        </p:txBody>
       </p:sp>
       <p:sp>
         <p:nvSpPr>
@@ -924,7 +1085,11 @@
               </a:spcAft>
               <a:buNone/>
             </a:pPr>
-            <a:endParaRPr/>
+            <a:r>
+              <a:rPr lang="en-US" dirty="0"/>
+              <a:t>Levi</a:t>
+            </a:r>
+            <a:endParaRPr dirty="0"/>
           </a:p>
         </p:txBody>
       </p:sp>
@@ -936,7 +1101,7 @@
 </p:notes>
 </file>
 
-<file path=ppt/notesSlides/notesSlide11.xml><?xml version="1.0" encoding="utf-8"?>
+<file path=ppt/notesSlides/notesSlide12.xml><?xml version="1.0" encoding="utf-8"?>
 <p:notes xmlns:a="http://schemas.openxmlformats.org/drawingml/2006/main" xmlns:r="http://schemas.openxmlformats.org/officeDocument/2006/relationships" xmlns:p="http://schemas.openxmlformats.org/presentationml/2006/main" showMasterSp="0" showMasterPhAnim="0">
   <p:cSld>
     <p:spTree>
@@ -993,6 +1158,13 @@
             </a:pathLst>
           </a:custGeom>
         </p:spPr>
+        <p:txBody>
+          <a:bodyPr/>
+          <a:lstStyle/>
+          <a:p>
+            <a:endParaRPr lang="en-US"/>
+          </a:p>
+        </p:txBody>
       </p:sp>
       <p:sp>
         <p:nvSpPr>
@@ -1040,7 +1212,122 @@
 </p:notes>
 </file>
 
-<file path=ppt/notesSlides/notesSlide12.xml><?xml version="1.0" encoding="utf-8"?>
+<file path=ppt/notesSlides/notesSlide13.xml><?xml version="1.0" encoding="utf-8"?>
+<p:notes xmlns:a="http://schemas.openxmlformats.org/drawingml/2006/main" xmlns:r="http://schemas.openxmlformats.org/officeDocument/2006/relationships" xmlns:p="http://schemas.openxmlformats.org/presentationml/2006/main" showMasterSp="0" showMasterPhAnim="0">
+  <p:cSld>
+    <p:spTree>
+      <p:nvGrpSpPr>
+        <p:cNvPr id="1" name="Shape 183"/>
+        <p:cNvGrpSpPr/>
+        <p:nvPr/>
+      </p:nvGrpSpPr>
+      <p:grpSpPr>
+        <a:xfrm>
+          <a:off x="0" y="0"/>
+          <a:ext cx="0" cy="0"/>
+          <a:chOff x="0" y="0"/>
+          <a:chExt cx="0" cy="0"/>
+        </a:xfrm>
+      </p:grpSpPr>
+      <p:sp>
+        <p:nvSpPr>
+          <p:cNvPr id="184" name="Google Shape;184;g3b97e70fc58_0_190:notes"/>
+          <p:cNvSpPr>
+            <a:spLocks noGrp="1" noRot="1" noChangeAspect="1"/>
+          </p:cNvSpPr>
+          <p:nvPr>
+            <p:ph type="sldImg" idx="2"/>
+          </p:nvPr>
+        </p:nvSpPr>
+        <p:spPr>
+          <a:xfrm>
+            <a:off x="381000" y="685800"/>
+            <a:ext cx="6096000" cy="3429000"/>
+          </a:xfrm>
+          <a:custGeom>
+            <a:avLst/>
+            <a:gdLst/>
+            <a:ahLst/>
+            <a:cxnLst/>
+            <a:rect l="l" t="t" r="r" b="b"/>
+            <a:pathLst>
+              <a:path w="120000" h="120000" extrusionOk="0">
+                <a:moveTo>
+                  <a:pt x="0" y="0"/>
+                </a:moveTo>
+                <a:lnTo>
+                  <a:pt x="120000" y="0"/>
+                </a:lnTo>
+                <a:lnTo>
+                  <a:pt x="120000" y="120000"/>
+                </a:lnTo>
+                <a:lnTo>
+                  <a:pt x="0" y="120000"/>
+                </a:lnTo>
+                <a:close/>
+              </a:path>
+            </a:pathLst>
+          </a:custGeom>
+        </p:spPr>
+        <p:txBody>
+          <a:bodyPr/>
+          <a:lstStyle/>
+          <a:p>
+            <a:endParaRPr lang="en-US"/>
+          </a:p>
+        </p:txBody>
+      </p:sp>
+      <p:sp>
+        <p:nvSpPr>
+          <p:cNvPr id="185" name="Google Shape;185;g3b97e70fc58_0_190:notes"/>
+          <p:cNvSpPr txBox="1">
+            <a:spLocks noGrp="1"/>
+          </p:cNvSpPr>
+          <p:nvPr>
+            <p:ph type="body" idx="1"/>
+          </p:nvPr>
+        </p:nvSpPr>
+        <p:spPr>
+          <a:xfrm>
+            <a:off x="685800" y="4343400"/>
+            <a:ext cx="5486400" cy="4114800"/>
+          </a:xfrm>
+          <a:prstGeom prst="rect">
+            <a:avLst/>
+          </a:prstGeom>
+        </p:spPr>
+        <p:txBody>
+          <a:bodyPr spcFirstLastPara="1" wrap="square" lIns="91425" tIns="91425" rIns="91425" bIns="91425" anchor="t" anchorCtr="0">
+            <a:noAutofit/>
+          </a:bodyPr>
+          <a:lstStyle/>
+          <a:p>
+            <a:pPr marL="0" lvl="0" indent="0" algn="l" rtl="0">
+              <a:spcBef>
+                <a:spcPts val="0"/>
+              </a:spcBef>
+              <a:spcAft>
+                <a:spcPts val="0"/>
+              </a:spcAft>
+              <a:buNone/>
+            </a:pPr>
+            <a:r>
+              <a:rPr lang="en-US" dirty="0"/>
+              <a:t>Benji</a:t>
+            </a:r>
+            <a:endParaRPr dirty="0"/>
+          </a:p>
+        </p:txBody>
+      </p:sp>
+    </p:spTree>
+  </p:cSld>
+  <p:clrMapOvr>
+    <a:masterClrMapping/>
+  </p:clrMapOvr>
+</p:notes>
+</file>
+
+<file path=ppt/notesSlides/notesSlide14.xml><?xml version="1.0" encoding="utf-8"?>
 <p:notes xmlns:a="http://schemas.openxmlformats.org/drawingml/2006/main" xmlns:r="http://schemas.openxmlformats.org/officeDocument/2006/relationships" xmlns:p="http://schemas.openxmlformats.org/presentationml/2006/main" showMasterSp="0" showMasterPhAnim="0">
   <p:cSld>
     <p:spTree>
@@ -1097,6 +1384,13 @@
             </a:pathLst>
           </a:custGeom>
         </p:spPr>
+        <p:txBody>
+          <a:bodyPr/>
+          <a:lstStyle/>
+          <a:p>
+            <a:endParaRPr lang="en-US"/>
+          </a:p>
+        </p:txBody>
       </p:sp>
       <p:sp>
         <p:nvSpPr>
@@ -1132,7 +1426,7 @@
               </a:spcAft>
               <a:buNone/>
             </a:pPr>
-            <a:endParaRPr/>
+            <a:endParaRPr dirty="0"/>
           </a:p>
         </p:txBody>
       </p:sp>
@@ -1201,6 +1495,13 @@
             </a:pathLst>
           </a:custGeom>
         </p:spPr>
+        <p:txBody>
+          <a:bodyPr/>
+          <a:lstStyle/>
+          <a:p>
+            <a:endParaRPr lang="en-US"/>
+          </a:p>
+        </p:txBody>
       </p:sp>
       <p:sp>
         <p:nvSpPr>
@@ -1236,7 +1537,11 @@
               </a:spcAft>
               <a:buNone/>
             </a:pPr>
-            <a:endParaRPr/>
+            <a:r>
+              <a:rPr lang="en-US" dirty="0"/>
+              <a:t>Benji</a:t>
+            </a:r>
+            <a:endParaRPr dirty="0"/>
           </a:p>
         </p:txBody>
       </p:sp>
@@ -1249,6 +1554,144 @@
 </file>
 
 <file path=ppt/notesSlides/notesSlide3.xml><?xml version="1.0" encoding="utf-8"?>
+<p:notes xmlns:a="http://schemas.openxmlformats.org/drawingml/2006/main" xmlns:r="http://schemas.openxmlformats.org/officeDocument/2006/relationships" xmlns:p="http://schemas.openxmlformats.org/presentationml/2006/main" showMasterSp="0" showMasterPhAnim="0">
+  <p:cSld>
+    <p:spTree>
+      <p:nvGrpSpPr>
+        <p:cNvPr id="1" name="Shape 138">
+          <a:extLst>
+            <a:ext uri="{FF2B5EF4-FFF2-40B4-BE49-F238E27FC236}">
+              <a16:creationId xmlns:a16="http://schemas.microsoft.com/office/drawing/2014/main" id="{61FBEC3A-425B-7BB5-F2F6-6672BEAB35AB}"/>
+            </a:ext>
+          </a:extLst>
+        </p:cNvPr>
+        <p:cNvGrpSpPr/>
+        <p:nvPr/>
+      </p:nvGrpSpPr>
+      <p:grpSpPr>
+        <a:xfrm>
+          <a:off x="0" y="0"/>
+          <a:ext cx="0" cy="0"/>
+          <a:chOff x="0" y="0"/>
+          <a:chExt cx="0" cy="0"/>
+        </a:xfrm>
+      </p:grpSpPr>
+      <p:sp>
+        <p:nvSpPr>
+          <p:cNvPr id="139" name="Google Shape;139;g3b97e70fc58_0_127:notes">
+            <a:extLst>
+              <a:ext uri="{FF2B5EF4-FFF2-40B4-BE49-F238E27FC236}">
+                <a16:creationId xmlns:a16="http://schemas.microsoft.com/office/drawing/2014/main" id="{F70C6EC3-787C-CAB6-2359-B449088DDF47}"/>
+              </a:ext>
+            </a:extLst>
+          </p:cNvPr>
+          <p:cNvSpPr>
+            <a:spLocks noGrp="1" noRot="1" noChangeAspect="1"/>
+          </p:cNvSpPr>
+          <p:nvPr>
+            <p:ph type="sldImg" idx="2"/>
+          </p:nvPr>
+        </p:nvSpPr>
+        <p:spPr>
+          <a:xfrm>
+            <a:off x="381000" y="685800"/>
+            <a:ext cx="6096000" cy="3429000"/>
+          </a:xfrm>
+          <a:custGeom>
+            <a:avLst/>
+            <a:gdLst/>
+            <a:ahLst/>
+            <a:cxnLst/>
+            <a:rect l="l" t="t" r="r" b="b"/>
+            <a:pathLst>
+              <a:path w="120000" h="120000" extrusionOk="0">
+                <a:moveTo>
+                  <a:pt x="0" y="0"/>
+                </a:moveTo>
+                <a:lnTo>
+                  <a:pt x="120000" y="0"/>
+                </a:lnTo>
+                <a:lnTo>
+                  <a:pt x="120000" y="120000"/>
+                </a:lnTo>
+                <a:lnTo>
+                  <a:pt x="0" y="120000"/>
+                </a:lnTo>
+                <a:close/>
+              </a:path>
+            </a:pathLst>
+          </a:custGeom>
+        </p:spPr>
+        <p:txBody>
+          <a:bodyPr/>
+          <a:lstStyle/>
+          <a:p>
+            <a:endParaRPr lang="en-US"/>
+          </a:p>
+        </p:txBody>
+      </p:sp>
+      <p:sp>
+        <p:nvSpPr>
+          <p:cNvPr id="140" name="Google Shape;140;g3b97e70fc58_0_127:notes">
+            <a:extLst>
+              <a:ext uri="{FF2B5EF4-FFF2-40B4-BE49-F238E27FC236}">
+                <a16:creationId xmlns:a16="http://schemas.microsoft.com/office/drawing/2014/main" id="{BF7C2DEA-8379-DC07-AC64-C933E5BA2D57}"/>
+              </a:ext>
+            </a:extLst>
+          </p:cNvPr>
+          <p:cNvSpPr txBox="1">
+            <a:spLocks noGrp="1"/>
+          </p:cNvSpPr>
+          <p:nvPr>
+            <p:ph type="body" idx="1"/>
+          </p:nvPr>
+        </p:nvSpPr>
+        <p:spPr>
+          <a:xfrm>
+            <a:off x="685800" y="4343400"/>
+            <a:ext cx="5486400" cy="4114800"/>
+          </a:xfrm>
+          <a:prstGeom prst="rect">
+            <a:avLst/>
+          </a:prstGeom>
+        </p:spPr>
+        <p:txBody>
+          <a:bodyPr spcFirstLastPara="1" wrap="square" lIns="91425" tIns="91425" rIns="91425" bIns="91425" anchor="t" anchorCtr="0">
+            <a:noAutofit/>
+          </a:bodyPr>
+          <a:lstStyle/>
+          <a:p>
+            <a:pPr marL="0" lvl="0" indent="0" algn="l" rtl="0">
+              <a:spcBef>
+                <a:spcPts val="0"/>
+              </a:spcBef>
+              <a:spcAft>
+                <a:spcPts val="0"/>
+              </a:spcAft>
+              <a:buNone/>
+            </a:pPr>
+            <a:r>
+              <a:rPr lang="en-US" dirty="0"/>
+              <a:t>Benji</a:t>
+            </a:r>
+            <a:endParaRPr dirty="0"/>
+          </a:p>
+        </p:txBody>
+      </p:sp>
+    </p:spTree>
+    <p:extLst>
+      <p:ext uri="{BB962C8B-B14F-4D97-AF65-F5344CB8AC3E}">
+        <p14:creationId xmlns:p14="http://schemas.microsoft.com/office/powerpoint/2010/main" val="1090814125"/>
+      </p:ext>
+    </p:extLst>
+  </p:cSld>
+  <p:clrMapOvr>
+    <a:masterClrMapping/>
+  </p:clrMapOvr>
+</p:notes>
+</file>
+
+<file path=ppt/notesSlides/notesSlide4.xml><?xml version="1.0" encoding="utf-8"?>
 <p:notes xmlns:a="http://schemas.openxmlformats.org/drawingml/2006/main" xmlns:r="http://schemas.openxmlformats.org/officeDocument/2006/relationships" xmlns:p="http://schemas.openxmlformats.org/presentationml/2006/main" showMasterSp="0" showMasterPhAnim="0">
   <p:cSld>
     <p:spTree>
@@ -1305,6 +1748,13 @@
             </a:pathLst>
           </a:custGeom>
         </p:spPr>
+        <p:txBody>
+          <a:bodyPr/>
+          <a:lstStyle/>
+          <a:p>
+            <a:endParaRPr lang="en-US"/>
+          </a:p>
+        </p:txBody>
       </p:sp>
       <p:sp>
         <p:nvSpPr>
@@ -1340,7 +1790,11 @@
               </a:spcAft>
               <a:buNone/>
             </a:pPr>
-            <a:endParaRPr/>
+            <a:r>
+              <a:rPr lang="en-US" dirty="0"/>
+              <a:t>Benji</a:t>
+            </a:r>
+            <a:endParaRPr dirty="0"/>
           </a:p>
         </p:txBody>
       </p:sp>
@@ -1352,7 +1806,7 @@
 </p:notes>
 </file>
 
-<file path=ppt/notesSlides/notesSlide4.xml><?xml version="1.0" encoding="utf-8"?>
+<file path=ppt/notesSlides/notesSlide5.xml><?xml version="1.0" encoding="utf-8"?>
 <p:notes xmlns:a="http://schemas.openxmlformats.org/drawingml/2006/main" xmlns:r="http://schemas.openxmlformats.org/officeDocument/2006/relationships" xmlns:p="http://schemas.openxmlformats.org/presentationml/2006/main" showMasterSp="0" showMasterPhAnim="0">
   <p:cSld>
     <p:spTree>
@@ -1381,7 +1835,7 @@
         </p:nvSpPr>
         <p:spPr>
           <a:xfrm>
-            <a:off x="381300" y="685800"/>
+            <a:off x="381000" y="685800"/>
             <a:ext cx="6096000" cy="3429000"/>
           </a:xfrm>
           <a:custGeom>
@@ -1409,6 +1863,13 @@
             </a:pathLst>
           </a:custGeom>
         </p:spPr>
+        <p:txBody>
+          <a:bodyPr/>
+          <a:lstStyle/>
+          <a:p>
+            <a:endParaRPr lang="en-US"/>
+          </a:p>
+        </p:txBody>
       </p:sp>
       <p:sp>
         <p:nvSpPr>
@@ -1444,7 +1905,11 @@
               </a:spcAft>
               <a:buNone/>
             </a:pPr>
-            <a:endParaRPr/>
+            <a:r>
+              <a:rPr lang="en-US" dirty="0"/>
+              <a:t>Levi</a:t>
+            </a:r>
+            <a:endParaRPr dirty="0"/>
           </a:p>
         </p:txBody>
       </p:sp>
@@ -1456,7 +1921,7 @@
 </p:notes>
 </file>
 
-<file path=ppt/notesSlides/notesSlide5.xml><?xml version="1.0" encoding="utf-8"?>
+<file path=ppt/notesSlides/notesSlide6.xml><?xml version="1.0" encoding="utf-8"?>
 <p:notes xmlns:a="http://schemas.openxmlformats.org/drawingml/2006/main" xmlns:r="http://schemas.openxmlformats.org/officeDocument/2006/relationships" xmlns:p="http://schemas.openxmlformats.org/presentationml/2006/main" showMasterSp="0" showMasterPhAnim="0">
   <p:cSld>
     <p:spTree>
@@ -1513,6 +1978,13 @@
             </a:pathLst>
           </a:custGeom>
         </p:spPr>
+        <p:txBody>
+          <a:bodyPr/>
+          <a:lstStyle/>
+          <a:p>
+            <a:endParaRPr lang="en-US"/>
+          </a:p>
+        </p:txBody>
       </p:sp>
       <p:sp>
         <p:nvSpPr>
@@ -1548,7 +2020,39 @@
               </a:spcAft>
               <a:buNone/>
             </a:pPr>
-            <a:endParaRPr/>
+            <a:r>
+              <a:rPr lang="en-US" dirty="0"/>
+              <a:t>Levi: </a:t>
+            </a:r>
+            <a:r>
+              <a:rPr lang="en-US" dirty="0" err="1"/>
+              <a:t>alapf</a:t>
+            </a:r>
+            <a:endParaRPr lang="en-US" dirty="0"/>
+          </a:p>
+          <a:p>
+            <a:pPr marL="0" lvl="0" indent="0" algn="l" rtl="0">
+              <a:spcBef>
+                <a:spcPts val="0"/>
+              </a:spcBef>
+              <a:spcAft>
+                <a:spcPts val="0"/>
+              </a:spcAft>
+              <a:buNone/>
+            </a:pPr>
+            <a:r>
+              <a:rPr lang="en-US" dirty="0"/>
+              <a:t>Benji: </a:t>
+            </a:r>
+            <a:r>
+              <a:rPr lang="en-US" dirty="0" err="1"/>
+              <a:t>egyedi</a:t>
+            </a:r>
+            <a:r>
+              <a:rPr lang="en-US" dirty="0"/>
+              <a:t> f</a:t>
+            </a:r>
+            <a:endParaRPr dirty="0"/>
           </a:p>
         </p:txBody>
       </p:sp>
@@ -1560,7 +2064,122 @@
 </p:notes>
 </file>
 
-<file path=ppt/notesSlides/notesSlide6.xml><?xml version="1.0" encoding="utf-8"?>
+<file path=ppt/notesSlides/notesSlide7.xml><?xml version="1.0" encoding="utf-8"?>
+<p:notes xmlns:a="http://schemas.openxmlformats.org/drawingml/2006/main" xmlns:r="http://schemas.openxmlformats.org/officeDocument/2006/relationships" xmlns:p="http://schemas.openxmlformats.org/presentationml/2006/main" showMasterSp="0" showMasterPhAnim="0">
+  <p:cSld>
+    <p:spTree>
+      <p:nvGrpSpPr>
+        <p:cNvPr id="1" name="Shape 189"/>
+        <p:cNvGrpSpPr/>
+        <p:nvPr/>
+      </p:nvGrpSpPr>
+      <p:grpSpPr>
+        <a:xfrm>
+          <a:off x="0" y="0"/>
+          <a:ext cx="0" cy="0"/>
+          <a:chOff x="0" y="0"/>
+          <a:chExt cx="0" cy="0"/>
+        </a:xfrm>
+      </p:grpSpPr>
+      <p:sp>
+        <p:nvSpPr>
+          <p:cNvPr id="190" name="Google Shape;190;g3b9838a5c16_0_0:notes"/>
+          <p:cNvSpPr>
+            <a:spLocks noGrp="1" noRot="1" noChangeAspect="1"/>
+          </p:cNvSpPr>
+          <p:nvPr>
+            <p:ph type="sldImg" idx="2"/>
+          </p:nvPr>
+        </p:nvSpPr>
+        <p:spPr>
+          <a:xfrm>
+            <a:off x="381000" y="685800"/>
+            <a:ext cx="6096000" cy="3429000"/>
+          </a:xfrm>
+          <a:custGeom>
+            <a:avLst/>
+            <a:gdLst/>
+            <a:ahLst/>
+            <a:cxnLst/>
+            <a:rect l="l" t="t" r="r" b="b"/>
+            <a:pathLst>
+              <a:path w="120000" h="120000" extrusionOk="0">
+                <a:moveTo>
+                  <a:pt x="0" y="0"/>
+                </a:moveTo>
+                <a:lnTo>
+                  <a:pt x="120000" y="0"/>
+                </a:lnTo>
+                <a:lnTo>
+                  <a:pt x="120000" y="120000"/>
+                </a:lnTo>
+                <a:lnTo>
+                  <a:pt x="0" y="120000"/>
+                </a:lnTo>
+                <a:close/>
+              </a:path>
+            </a:pathLst>
+          </a:custGeom>
+        </p:spPr>
+        <p:txBody>
+          <a:bodyPr/>
+          <a:lstStyle/>
+          <a:p>
+            <a:endParaRPr lang="en-US"/>
+          </a:p>
+        </p:txBody>
+      </p:sp>
+      <p:sp>
+        <p:nvSpPr>
+          <p:cNvPr id="191" name="Google Shape;191;g3b9838a5c16_0_0:notes"/>
+          <p:cNvSpPr txBox="1">
+            <a:spLocks noGrp="1"/>
+          </p:cNvSpPr>
+          <p:nvPr>
+            <p:ph type="body" idx="1"/>
+          </p:nvPr>
+        </p:nvSpPr>
+        <p:spPr>
+          <a:xfrm>
+            <a:off x="685800" y="4343400"/>
+            <a:ext cx="5486400" cy="4114800"/>
+          </a:xfrm>
+          <a:prstGeom prst="rect">
+            <a:avLst/>
+          </a:prstGeom>
+        </p:spPr>
+        <p:txBody>
+          <a:bodyPr spcFirstLastPara="1" wrap="square" lIns="91425" tIns="91425" rIns="91425" bIns="91425" anchor="t" anchorCtr="0">
+            <a:noAutofit/>
+          </a:bodyPr>
+          <a:lstStyle/>
+          <a:p>
+            <a:pPr marL="0" lvl="0" indent="0" algn="l" rtl="0">
+              <a:spcBef>
+                <a:spcPts val="0"/>
+              </a:spcBef>
+              <a:spcAft>
+                <a:spcPts val="0"/>
+              </a:spcAft>
+              <a:buNone/>
+            </a:pPr>
+            <a:r>
+              <a:rPr lang="en-US" dirty="0"/>
+              <a:t>Levi</a:t>
+            </a:r>
+            <a:endParaRPr dirty="0"/>
+          </a:p>
+        </p:txBody>
+      </p:sp>
+    </p:spTree>
+  </p:cSld>
+  <p:clrMapOvr>
+    <a:masterClrMapping/>
+  </p:clrMapOvr>
+</p:notes>
+</file>
+
+<file path=ppt/notesSlides/notesSlide8.xml><?xml version="1.0" encoding="utf-8"?>
 <p:notes xmlns:a="http://schemas.openxmlformats.org/drawingml/2006/main" xmlns:r="http://schemas.openxmlformats.org/officeDocument/2006/relationships" xmlns:p="http://schemas.openxmlformats.org/presentationml/2006/main" showMasterSp="0" showMasterPhAnim="0">
   <p:cSld>
     <p:spTree>
@@ -1617,6 +2236,13 @@
             </a:pathLst>
           </a:custGeom>
         </p:spPr>
+        <p:txBody>
+          <a:bodyPr/>
+          <a:lstStyle/>
+          <a:p>
+            <a:endParaRPr lang="en-US"/>
+          </a:p>
+        </p:txBody>
       </p:sp>
       <p:sp>
         <p:nvSpPr>
@@ -1652,7 +2278,11 @@
               </a:spcAft>
               <a:buNone/>
             </a:pPr>
-            <a:endParaRPr/>
+            <a:r>
+              <a:rPr lang="en-US" dirty="0"/>
+              <a:t>Benji</a:t>
+            </a:r>
+            <a:endParaRPr dirty="0"/>
           </a:p>
         </p:txBody>
       </p:sp>
@@ -1664,7 +2294,7 @@
 </p:notes>
 </file>
 
-<file path=ppt/notesSlides/notesSlide7.xml><?xml version="1.0" encoding="utf-8"?>
+<file path=ppt/notesSlides/notesSlide9.xml><?xml version="1.0" encoding="utf-8"?>
 <p:notes xmlns:a="http://schemas.openxmlformats.org/drawingml/2006/main" xmlns:r="http://schemas.openxmlformats.org/officeDocument/2006/relationships" xmlns:p="http://schemas.openxmlformats.org/presentationml/2006/main" showMasterSp="0" showMasterPhAnim="0">
   <p:cSld>
     <p:spTree>
@@ -1721,6 +2351,13 @@
             </a:pathLst>
           </a:custGeom>
         </p:spPr>
+        <p:txBody>
+          <a:bodyPr/>
+          <a:lstStyle/>
+          <a:p>
+            <a:endParaRPr lang="en-US"/>
+          </a:p>
+        </p:txBody>
       </p:sp>
       <p:sp>
         <p:nvSpPr>
@@ -1756,215 +2393,18 @@
               </a:spcAft>
               <a:buNone/>
             </a:pPr>
-            <a:endParaRPr/>
-          </a:p>
-        </p:txBody>
-      </p:sp>
-    </p:spTree>
-  </p:cSld>
-  <p:clrMapOvr>
-    <a:masterClrMapping/>
-  </p:clrMapOvr>
-</p:notes>
-</file>
-
-<file path=ppt/notesSlides/notesSlide8.xml><?xml version="1.0" encoding="utf-8"?>
-<p:notes xmlns:a="http://schemas.openxmlformats.org/drawingml/2006/main" xmlns:r="http://schemas.openxmlformats.org/officeDocument/2006/relationships" xmlns:p="http://schemas.openxmlformats.org/presentationml/2006/main" showMasterSp="0" showMasterPhAnim="0">
-  <p:cSld>
-    <p:spTree>
-      <p:nvGrpSpPr>
-        <p:cNvPr id="1" name="Shape 183"/>
-        <p:cNvGrpSpPr/>
-        <p:nvPr/>
-      </p:nvGrpSpPr>
-      <p:grpSpPr>
-        <a:xfrm>
-          <a:off x="0" y="0"/>
-          <a:ext cx="0" cy="0"/>
-          <a:chOff x="0" y="0"/>
-          <a:chExt cx="0" cy="0"/>
-        </a:xfrm>
-      </p:grpSpPr>
-      <p:sp>
-        <p:nvSpPr>
-          <p:cNvPr id="184" name="Google Shape;184;g3b97e70fc58_0_190:notes"/>
-          <p:cNvSpPr>
-            <a:spLocks noGrp="1" noRot="1" noChangeAspect="1"/>
-          </p:cNvSpPr>
-          <p:nvPr>
-            <p:ph type="sldImg" idx="2"/>
-          </p:nvPr>
-        </p:nvSpPr>
-        <p:spPr>
-          <a:xfrm>
-            <a:off x="381000" y="685800"/>
-            <a:ext cx="6096000" cy="3429000"/>
-          </a:xfrm>
-          <a:custGeom>
-            <a:avLst/>
-            <a:gdLst/>
-            <a:ahLst/>
-            <a:cxnLst/>
-            <a:rect l="l" t="t" r="r" b="b"/>
-            <a:pathLst>
-              <a:path w="120000" h="120000" extrusionOk="0">
-                <a:moveTo>
-                  <a:pt x="0" y="0"/>
-                </a:moveTo>
-                <a:lnTo>
-                  <a:pt x="120000" y="0"/>
-                </a:lnTo>
-                <a:lnTo>
-                  <a:pt x="120000" y="120000"/>
-                </a:lnTo>
-                <a:lnTo>
-                  <a:pt x="0" y="120000"/>
-                </a:lnTo>
-                <a:close/>
-              </a:path>
-            </a:pathLst>
-          </a:custGeom>
-        </p:spPr>
-      </p:sp>
-      <p:sp>
-        <p:nvSpPr>
-          <p:cNvPr id="185" name="Google Shape;185;g3b97e70fc58_0_190:notes"/>
-          <p:cNvSpPr txBox="1">
-            <a:spLocks noGrp="1"/>
-          </p:cNvSpPr>
-          <p:nvPr>
-            <p:ph type="body" idx="1"/>
-          </p:nvPr>
-        </p:nvSpPr>
-        <p:spPr>
-          <a:xfrm>
-            <a:off x="685800" y="4343400"/>
-            <a:ext cx="5486400" cy="4114800"/>
-          </a:xfrm>
-          <a:prstGeom prst="rect">
-            <a:avLst/>
-          </a:prstGeom>
-        </p:spPr>
-        <p:txBody>
-          <a:bodyPr spcFirstLastPara="1" wrap="square" lIns="91425" tIns="91425" rIns="91425" bIns="91425" anchor="t" anchorCtr="0">
-            <a:noAutofit/>
-          </a:bodyPr>
-          <a:lstStyle/>
-          <a:p>
-            <a:pPr marL="0" lvl="0" indent="0" algn="l" rtl="0">
-              <a:spcBef>
-                <a:spcPts val="0"/>
-              </a:spcBef>
-              <a:spcAft>
-                <a:spcPts val="0"/>
-              </a:spcAft>
-              <a:buNone/>
-            </a:pPr>
-            <a:endParaRPr/>
-          </a:p>
-        </p:txBody>
-      </p:sp>
-    </p:spTree>
-  </p:cSld>
-  <p:clrMapOvr>
-    <a:masterClrMapping/>
-  </p:clrMapOvr>
-</p:notes>
-</file>
-
-<file path=ppt/notesSlides/notesSlide9.xml><?xml version="1.0" encoding="utf-8"?>
-<p:notes xmlns:a="http://schemas.openxmlformats.org/drawingml/2006/main" xmlns:r="http://schemas.openxmlformats.org/officeDocument/2006/relationships" xmlns:p="http://schemas.openxmlformats.org/presentationml/2006/main" showMasterSp="0" showMasterPhAnim="0">
-  <p:cSld>
-    <p:spTree>
-      <p:nvGrpSpPr>
-        <p:cNvPr id="1" name="Shape 189"/>
-        <p:cNvGrpSpPr/>
-        <p:nvPr/>
-      </p:nvGrpSpPr>
-      <p:grpSpPr>
-        <a:xfrm>
-          <a:off x="0" y="0"/>
-          <a:ext cx="0" cy="0"/>
-          <a:chOff x="0" y="0"/>
-          <a:chExt cx="0" cy="0"/>
-        </a:xfrm>
-      </p:grpSpPr>
-      <p:sp>
-        <p:nvSpPr>
-          <p:cNvPr id="190" name="Google Shape;190;g3b9838a5c16_0_0:notes"/>
-          <p:cNvSpPr>
-            <a:spLocks noGrp="1" noRot="1" noChangeAspect="1"/>
-          </p:cNvSpPr>
-          <p:nvPr>
-            <p:ph type="sldImg" idx="2"/>
-          </p:nvPr>
-        </p:nvSpPr>
-        <p:spPr>
-          <a:xfrm>
-            <a:off x="381000" y="685800"/>
-            <a:ext cx="6096000" cy="3429000"/>
-          </a:xfrm>
-          <a:custGeom>
-            <a:avLst/>
-            <a:gdLst/>
-            <a:ahLst/>
-            <a:cxnLst/>
-            <a:rect l="l" t="t" r="r" b="b"/>
-            <a:pathLst>
-              <a:path w="120000" h="120000" extrusionOk="0">
-                <a:moveTo>
-                  <a:pt x="0" y="0"/>
-                </a:moveTo>
-                <a:lnTo>
-                  <a:pt x="120000" y="0"/>
-                </a:lnTo>
-                <a:lnTo>
-                  <a:pt x="120000" y="120000"/>
-                </a:lnTo>
-                <a:lnTo>
-                  <a:pt x="0" y="120000"/>
-                </a:lnTo>
-                <a:close/>
-              </a:path>
-            </a:pathLst>
-          </a:custGeom>
-        </p:spPr>
-      </p:sp>
-      <p:sp>
-        <p:nvSpPr>
-          <p:cNvPr id="191" name="Google Shape;191;g3b9838a5c16_0_0:notes"/>
-          <p:cNvSpPr txBox="1">
-            <a:spLocks noGrp="1"/>
-          </p:cNvSpPr>
-          <p:nvPr>
-            <p:ph type="body" idx="1"/>
-          </p:nvPr>
-        </p:nvSpPr>
-        <p:spPr>
-          <a:xfrm>
-            <a:off x="685800" y="4343400"/>
-            <a:ext cx="5486400" cy="4114800"/>
-          </a:xfrm>
-          <a:prstGeom prst="rect">
-            <a:avLst/>
-          </a:prstGeom>
-        </p:spPr>
-        <p:txBody>
-          <a:bodyPr spcFirstLastPara="1" wrap="square" lIns="91425" tIns="91425" rIns="91425" bIns="91425" anchor="t" anchorCtr="0">
-            <a:noAutofit/>
-          </a:bodyPr>
-          <a:lstStyle/>
-          <a:p>
-            <a:pPr marL="0" lvl="0" indent="0" algn="l" rtl="0">
-              <a:spcBef>
-                <a:spcPts val="0"/>
-              </a:spcBef>
-              <a:spcAft>
-                <a:spcPts val="0"/>
-              </a:spcAft>
-              <a:buNone/>
-            </a:pPr>
-            <a:endParaRPr/>
+            <a:r>
+              <a:rPr lang="en-US" dirty="0"/>
+              <a:t>Levi: Frontend</a:t>
+            </a:r>
+            <a:br>
+              <a:rPr lang="en-US" dirty="0"/>
+            </a:br>
+            <a:r>
+              <a:rPr lang="en-US" dirty="0"/>
+              <a:t>Benji: Backend</a:t>
+            </a:r>
+            <a:endParaRPr dirty="0"/>
           </a:p>
         </p:txBody>
       </p:sp>
@@ -10101,10 +10541,10 @@
               <a:buNone/>
             </a:pPr>
             <a:r>
-              <a:rPr lang="hu" dirty="0"/>
+              <a:rPr lang="hu-HU" noProof="0" dirty="0" err="1"/>
               <a:t>HovaTovább</a:t>
             </a:r>
-            <a:endParaRPr dirty="0"/>
+            <a:endParaRPr lang="hu-HU" noProof="0" dirty="0"/>
           </a:p>
         </p:txBody>
       </p:sp>
@@ -10143,10 +10583,9 @@
               <a:buNone/>
             </a:pPr>
             <a:r>
-              <a:rPr lang="hu" u="sng"/>
+              <a:rPr lang="hu-HU" u="sng" noProof="0" dirty="0"/>
               <a:t>Készítette: Deák Levente és Stonawski Benjamin</a:t>
             </a:r>
-            <a:endParaRPr u="sng"/>
           </a:p>
         </p:txBody>
       </p:sp>
@@ -10185,14 +10624,14 @@
               <a:buNone/>
             </a:pPr>
             <a:r>
-              <a:rPr lang="hu" sz="1200" i="1" dirty="0">
+              <a:rPr lang="hu-HU" sz="1200" i="1" noProof="0" dirty="0">
                 <a:solidFill>
                   <a:srgbClr val="F0F6FC"/>
                 </a:solidFill>
               </a:rPr>
               <a:t>Magyar tömegközlekedési menetrendtervező</a:t>
             </a:r>
-            <a:endParaRPr sz="1300" i="1" dirty="0">
+            <a:endParaRPr lang="hu-HU" sz="1300" i="1" noProof="0" dirty="0">
               <a:solidFill>
                 <a:schemeClr val="lt1"/>
               </a:solidFill>
@@ -10237,13 +10676,13 @@
   <p:clrMapOvr>
     <a:masterClrMapping/>
   </p:clrMapOvr>
-  <mc:AlternateContent xmlns:mc="http://schemas.openxmlformats.org/markup-compatibility/2006">
-    <mc:Choice xmlns:p159="http://schemas.microsoft.com/office/powerpoint/2015/09/main" Requires="p159">
+  <mc:AlternateContent xmlns:mc="http://schemas.openxmlformats.org/markup-compatibility/2006" xmlns:p159="http://schemas.microsoft.com/office/powerpoint/2015/09/main">
+    <mc:Choice Requires="p159">
       <p:transition xmlns:p14="http://schemas.microsoft.com/office/powerpoint/2010/main" spd="slow" p14:dur="2000">
         <p159:morph option="byObject"/>
       </p:transition>
     </mc:Choice>
-    <mc:Fallback>
+    <mc:Fallback xmlns="">
       <p:transition spd="slow">
         <p:fade/>
       </p:transition>
@@ -10253,6 +10692,538 @@
 </file>
 
 <file path=ppt/slides/slide10.xml><?xml version="1.0" encoding="utf-8"?>
+<p:sld xmlns:a="http://schemas.openxmlformats.org/drawingml/2006/main" xmlns:r="http://schemas.openxmlformats.org/officeDocument/2006/relationships" xmlns:p="http://schemas.openxmlformats.org/presentationml/2006/main">
+  <p:cSld>
+    <p:spTree>
+      <p:nvGrpSpPr>
+        <p:cNvPr id="1" name="Shape 175">
+          <a:extLst>
+            <a:ext uri="{FF2B5EF4-FFF2-40B4-BE49-F238E27FC236}">
+              <a16:creationId xmlns:a16="http://schemas.microsoft.com/office/drawing/2014/main" id="{EB2D2CE2-6149-7C16-BF77-D6D0CAF740FA}"/>
+            </a:ext>
+          </a:extLst>
+        </p:cNvPr>
+        <p:cNvGrpSpPr/>
+        <p:nvPr/>
+      </p:nvGrpSpPr>
+      <p:grpSpPr>
+        <a:xfrm>
+          <a:off x="0" y="0"/>
+          <a:ext cx="0" cy="0"/>
+          <a:chOff x="0" y="0"/>
+          <a:chExt cx="0" cy="0"/>
+        </a:xfrm>
+      </p:grpSpPr>
+      <p:sp>
+        <p:nvSpPr>
+          <p:cNvPr id="176" name="Google Shape;176;p19">
+            <a:extLst>
+              <a:ext uri="{FF2B5EF4-FFF2-40B4-BE49-F238E27FC236}">
+                <a16:creationId xmlns:a16="http://schemas.microsoft.com/office/drawing/2014/main" id="{052E7897-B56A-A6A5-2E50-783870DEC015}"/>
+              </a:ext>
+            </a:extLst>
+          </p:cNvPr>
+          <p:cNvSpPr txBox="1">
+            <a:spLocks noGrp="1"/>
+          </p:cNvSpPr>
+          <p:nvPr>
+            <p:ph type="body" idx="1"/>
+          </p:nvPr>
+        </p:nvSpPr>
+        <p:spPr>
+          <a:xfrm>
+            <a:off x="3373350" y="4729200"/>
+            <a:ext cx="2397300" cy="523800"/>
+          </a:xfrm>
+          <a:prstGeom prst="rect">
+            <a:avLst/>
+          </a:prstGeom>
+        </p:spPr>
+        <p:txBody>
+          <a:bodyPr spcFirstLastPara="1" wrap="square" lIns="91425" tIns="91425" rIns="91425" bIns="91425" anchor="ctr" anchorCtr="0">
+            <a:normAutofit/>
+          </a:bodyPr>
+          <a:lstStyle/>
+          <a:p>
+            <a:pPr marL="0" lvl="0" indent="0" algn="ctr" rtl="0">
+              <a:spcBef>
+                <a:spcPts val="0"/>
+              </a:spcBef>
+              <a:spcAft>
+                <a:spcPts val="0"/>
+              </a:spcAft>
+              <a:buNone/>
+            </a:pPr>
+            <a:r>
+              <a:rPr lang="en-US" i="1" u="sng" noProof="0" dirty="0" err="1"/>
+              <a:t>Adatbázis</a:t>
+            </a:r>
+            <a:endParaRPr lang="hu-HU" i="1" u="sng" noProof="0" dirty="0"/>
+          </a:p>
+        </p:txBody>
+      </p:sp>
+      <p:grpSp>
+        <p:nvGrpSpPr>
+          <p:cNvPr id="2" name="Csoportba foglalás 1">
+            <a:extLst>
+              <a:ext uri="{FF2B5EF4-FFF2-40B4-BE49-F238E27FC236}">
+                <a16:creationId xmlns:a16="http://schemas.microsoft.com/office/drawing/2014/main" id="{AFF79D6A-85B3-B4AE-927F-986E19F4762F}"/>
+              </a:ext>
+            </a:extLst>
+          </p:cNvPr>
+          <p:cNvGrpSpPr/>
+          <p:nvPr/>
+        </p:nvGrpSpPr>
+        <p:grpSpPr>
+          <a:xfrm>
+            <a:off x="528550" y="4152975"/>
+            <a:ext cx="3512400" cy="590800"/>
+            <a:chOff x="176150" y="4152963"/>
+            <a:chExt cx="3512400" cy="590800"/>
+          </a:xfrm>
+        </p:grpSpPr>
+        <p:sp>
+          <p:nvSpPr>
+            <p:cNvPr id="179" name="Google Shape;179;p19">
+              <a:extLst>
+                <a:ext uri="{FF2B5EF4-FFF2-40B4-BE49-F238E27FC236}">
+                  <a16:creationId xmlns:a16="http://schemas.microsoft.com/office/drawing/2014/main" id="{D698783B-423D-B6F1-DFAB-54DFABED88EF}"/>
+                </a:ext>
+              </a:extLst>
+            </p:cNvPr>
+            <p:cNvSpPr txBox="1"/>
+            <p:nvPr/>
+          </p:nvSpPr>
+          <p:spPr>
+            <a:xfrm>
+              <a:off x="1464999" y="4152963"/>
+              <a:ext cx="934701" cy="384690"/>
+            </a:xfrm>
+            <a:prstGeom prst="rect">
+              <a:avLst/>
+            </a:prstGeom>
+            <a:noFill/>
+            <a:ln>
+              <a:noFill/>
+            </a:ln>
+          </p:spPr>
+          <p:txBody>
+            <a:bodyPr spcFirstLastPara="1" wrap="square" lIns="91425" tIns="91425" rIns="91425" bIns="91425" anchor="t" anchorCtr="0">
+              <a:spAutoFit/>
+            </a:bodyPr>
+            <a:lstStyle/>
+            <a:p>
+              <a:pPr marL="0" lvl="0" indent="0" algn="l" rtl="0">
+                <a:spcBef>
+                  <a:spcPts val="0"/>
+                </a:spcBef>
+                <a:spcAft>
+                  <a:spcPts val="0"/>
+                </a:spcAft>
+                <a:buNone/>
+              </a:pPr>
+              <a:r>
+                <a:rPr lang="hu-HU" sz="1300" noProof="0" dirty="0">
+                  <a:solidFill>
+                    <a:schemeClr val="lt1"/>
+                  </a:solidFill>
+                  <a:latin typeface="Lato"/>
+                  <a:ea typeface="Lato"/>
+                  <a:cs typeface="Lato"/>
+                  <a:sym typeface="Lato"/>
+                </a:rPr>
+                <a:t>ER-modell</a:t>
+              </a:r>
+            </a:p>
+          </p:txBody>
+        </p:sp>
+        <p:sp>
+          <p:nvSpPr>
+            <p:cNvPr id="181" name="Google Shape;181;p19">
+              <a:extLst>
+                <a:ext uri="{FF2B5EF4-FFF2-40B4-BE49-F238E27FC236}">
+                  <a16:creationId xmlns:a16="http://schemas.microsoft.com/office/drawing/2014/main" id="{180485F7-6BFB-4998-F91A-06D66F168133}"/>
+                </a:ext>
+              </a:extLst>
+            </p:cNvPr>
+            <p:cNvSpPr txBox="1"/>
+            <p:nvPr/>
+          </p:nvSpPr>
+          <p:spPr>
+            <a:xfrm>
+              <a:off x="176150" y="4420663"/>
+              <a:ext cx="3512400" cy="323100"/>
+            </a:xfrm>
+            <a:prstGeom prst="rect">
+              <a:avLst/>
+            </a:prstGeom>
+            <a:noFill/>
+            <a:ln>
+              <a:noFill/>
+            </a:ln>
+          </p:spPr>
+          <p:txBody>
+            <a:bodyPr spcFirstLastPara="1" wrap="square" lIns="91425" tIns="91425" rIns="91425" bIns="91425" anchor="t" anchorCtr="0">
+              <a:spAutoFit/>
+            </a:bodyPr>
+            <a:lstStyle/>
+            <a:p>
+              <a:pPr marL="0" lvl="0" indent="0" algn="ctr" rtl="0">
+                <a:spcBef>
+                  <a:spcPts val="0"/>
+                </a:spcBef>
+                <a:spcAft>
+                  <a:spcPts val="0"/>
+                </a:spcAft>
+                <a:buNone/>
+              </a:pPr>
+              <a:r>
+                <a:rPr lang="hu-HU" sz="900" noProof="0" dirty="0">
+                  <a:solidFill>
+                    <a:schemeClr val="lt1"/>
+                  </a:solidFill>
+                  <a:latin typeface="Lato"/>
+                  <a:ea typeface="Lato"/>
+                  <a:cs typeface="Lato"/>
+                  <a:sym typeface="Lato"/>
+                </a:rPr>
+                <a:t>Az adatbázis kapcsolati felépítése</a:t>
+              </a:r>
+            </a:p>
+          </p:txBody>
+        </p:sp>
+      </p:grpSp>
+      <p:grpSp>
+        <p:nvGrpSpPr>
+          <p:cNvPr id="3" name="Csoportba foglalás 2">
+            <a:extLst>
+              <a:ext uri="{FF2B5EF4-FFF2-40B4-BE49-F238E27FC236}">
+                <a16:creationId xmlns:a16="http://schemas.microsoft.com/office/drawing/2014/main" id="{BB81F7D1-A5E8-9A12-8556-DAC57FDB46C4}"/>
+              </a:ext>
+            </a:extLst>
+          </p:cNvPr>
+          <p:cNvGrpSpPr/>
+          <p:nvPr/>
+        </p:nvGrpSpPr>
+        <p:grpSpPr>
+          <a:xfrm>
+            <a:off x="5318050" y="4152975"/>
+            <a:ext cx="3099000" cy="590800"/>
+            <a:chOff x="5318050" y="4152975"/>
+            <a:chExt cx="3099000" cy="590800"/>
+          </a:xfrm>
+        </p:grpSpPr>
+        <p:sp>
+          <p:nvSpPr>
+            <p:cNvPr id="180" name="Google Shape;180;p19">
+              <a:extLst>
+                <a:ext uri="{FF2B5EF4-FFF2-40B4-BE49-F238E27FC236}">
+                  <a16:creationId xmlns:a16="http://schemas.microsoft.com/office/drawing/2014/main" id="{3FA64296-C543-DDDB-3AC5-D54E8285788F}"/>
+                </a:ext>
+              </a:extLst>
+            </p:cNvPr>
+            <p:cNvSpPr txBox="1"/>
+            <p:nvPr/>
+          </p:nvSpPr>
+          <p:spPr>
+            <a:xfrm>
+              <a:off x="6319658" y="4152975"/>
+              <a:ext cx="1095781" cy="384690"/>
+            </a:xfrm>
+            <a:prstGeom prst="rect">
+              <a:avLst/>
+            </a:prstGeom>
+            <a:noFill/>
+            <a:ln>
+              <a:noFill/>
+            </a:ln>
+          </p:spPr>
+          <p:txBody>
+            <a:bodyPr spcFirstLastPara="1" wrap="square" lIns="91425" tIns="91425" rIns="91425" bIns="91425" anchor="t" anchorCtr="0">
+              <a:spAutoFit/>
+            </a:bodyPr>
+            <a:lstStyle/>
+            <a:p>
+              <a:pPr marL="0" lvl="0" indent="0" algn="l" rtl="0">
+                <a:spcBef>
+                  <a:spcPts val="0"/>
+                </a:spcBef>
+                <a:spcAft>
+                  <a:spcPts val="0"/>
+                </a:spcAft>
+                <a:buNone/>
+              </a:pPr>
+              <a:r>
+                <a:rPr lang="hu-HU" sz="1300" noProof="0" dirty="0">
+                  <a:solidFill>
+                    <a:schemeClr val="lt1"/>
+                  </a:solidFill>
+                  <a:latin typeface="Lato"/>
+                  <a:ea typeface="Lato"/>
+                  <a:cs typeface="Lato"/>
+                  <a:sym typeface="Lato"/>
+                </a:rPr>
+                <a:t>UML-modell</a:t>
+              </a:r>
+            </a:p>
+          </p:txBody>
+        </p:sp>
+        <p:sp>
+          <p:nvSpPr>
+            <p:cNvPr id="182" name="Google Shape;182;p19">
+              <a:extLst>
+                <a:ext uri="{FF2B5EF4-FFF2-40B4-BE49-F238E27FC236}">
+                  <a16:creationId xmlns:a16="http://schemas.microsoft.com/office/drawing/2014/main" id="{6EB7DEA0-F0AF-5BF2-BAEE-741ABBEF7216}"/>
+                </a:ext>
+              </a:extLst>
+            </p:cNvPr>
+            <p:cNvSpPr txBox="1"/>
+            <p:nvPr/>
+          </p:nvSpPr>
+          <p:spPr>
+            <a:xfrm>
+              <a:off x="5318050" y="4420675"/>
+              <a:ext cx="3099000" cy="323100"/>
+            </a:xfrm>
+            <a:prstGeom prst="rect">
+              <a:avLst/>
+            </a:prstGeom>
+            <a:noFill/>
+            <a:ln>
+              <a:noFill/>
+            </a:ln>
+          </p:spPr>
+          <p:txBody>
+            <a:bodyPr spcFirstLastPara="1" wrap="square" lIns="91425" tIns="91425" rIns="91425" bIns="91425" anchor="t" anchorCtr="0">
+              <a:spAutoFit/>
+            </a:bodyPr>
+            <a:lstStyle/>
+            <a:p>
+              <a:pPr marL="0" lvl="0" indent="0" algn="ctr" rtl="0">
+                <a:spcBef>
+                  <a:spcPts val="0"/>
+                </a:spcBef>
+                <a:spcAft>
+                  <a:spcPts val="0"/>
+                </a:spcAft>
+                <a:buNone/>
+              </a:pPr>
+              <a:r>
+                <a:rPr lang="en-US" sz="900" noProof="0" dirty="0">
+                  <a:solidFill>
+                    <a:schemeClr val="lt1"/>
+                  </a:solidFill>
+                  <a:latin typeface="Lato"/>
+                  <a:ea typeface="Lato"/>
+                  <a:cs typeface="Lato"/>
+                  <a:sym typeface="Lato"/>
+                </a:rPr>
+                <a:t>Az </a:t>
+              </a:r>
+              <a:r>
+                <a:rPr lang="en-US" sz="900" noProof="0" dirty="0" err="1">
+                  <a:solidFill>
+                    <a:schemeClr val="lt1"/>
+                  </a:solidFill>
+                  <a:latin typeface="Lato"/>
+                  <a:ea typeface="Lato"/>
+                  <a:cs typeface="Lato"/>
+                  <a:sym typeface="Lato"/>
+                </a:rPr>
+                <a:t>adatbázis</a:t>
+              </a:r>
+              <a:r>
+                <a:rPr lang="en-US" sz="900" noProof="0" dirty="0">
+                  <a:solidFill>
+                    <a:schemeClr val="lt1"/>
+                  </a:solidFill>
+                  <a:latin typeface="Lato"/>
+                  <a:ea typeface="Lato"/>
+                  <a:cs typeface="Lato"/>
+                  <a:sym typeface="Lato"/>
+                </a:rPr>
+                <a:t> </a:t>
+              </a:r>
+              <a:r>
+                <a:rPr lang="en-US" sz="900" noProof="0" dirty="0" err="1">
+                  <a:solidFill>
+                    <a:schemeClr val="lt1"/>
+                  </a:solidFill>
+                  <a:latin typeface="Lato"/>
+                  <a:ea typeface="Lato"/>
+                  <a:cs typeface="Lato"/>
+                  <a:sym typeface="Lato"/>
+                </a:rPr>
+                <a:t>teljes</a:t>
+              </a:r>
+              <a:r>
+                <a:rPr lang="en-US" sz="900" noProof="0" dirty="0">
+                  <a:solidFill>
+                    <a:schemeClr val="lt1"/>
+                  </a:solidFill>
+                  <a:latin typeface="Lato"/>
+                  <a:ea typeface="Lato"/>
+                  <a:cs typeface="Lato"/>
+                  <a:sym typeface="Lato"/>
+                </a:rPr>
+                <a:t> </a:t>
+              </a:r>
+              <a:r>
+                <a:rPr lang="en-US" sz="900" noProof="0" dirty="0" err="1">
+                  <a:solidFill>
+                    <a:schemeClr val="lt1"/>
+                  </a:solidFill>
+                  <a:latin typeface="Lato"/>
+                  <a:ea typeface="Lato"/>
+                  <a:cs typeface="Lato"/>
+                  <a:sym typeface="Lato"/>
+                </a:rPr>
+                <a:t>felépítése</a:t>
+              </a:r>
+              <a:endParaRPr lang="hu-HU" sz="900" noProof="0" dirty="0">
+                <a:solidFill>
+                  <a:schemeClr val="lt1"/>
+                </a:solidFill>
+                <a:latin typeface="Lato"/>
+                <a:ea typeface="Lato"/>
+                <a:cs typeface="Lato"/>
+                <a:sym typeface="Lato"/>
+              </a:endParaRPr>
+            </a:p>
+          </p:txBody>
+        </p:sp>
+      </p:grpSp>
+      <p:pic>
+        <p:nvPicPr>
+          <p:cNvPr id="2050" name="Picture 2">
+            <a:extLst>
+              <a:ext uri="{FF2B5EF4-FFF2-40B4-BE49-F238E27FC236}">
+                <a16:creationId xmlns:a16="http://schemas.microsoft.com/office/drawing/2014/main" id="{6D1B78FA-18A7-0534-E1CE-8D4B9943EA8B}"/>
+              </a:ext>
+            </a:extLst>
+          </p:cNvPr>
+          <p:cNvPicPr>
+            <a:picLocks noChangeAspect="1" noChangeArrowheads="1"/>
+          </p:cNvPicPr>
+          <p:nvPr/>
+        </p:nvPicPr>
+        <p:blipFill>
+          <a:blip r:embed="rId3">
+            <a:extLst>
+              <a:ext uri="{28A0092B-C50C-407E-A947-70E740481C1C}">
+                <a14:useLocalDpi xmlns:a14="http://schemas.microsoft.com/office/drawing/2010/main" val="0"/>
+              </a:ext>
+            </a:extLst>
+          </a:blip>
+          <a:srcRect/>
+          <a:stretch>
+            <a:fillRect/>
+          </a:stretch>
+        </p:blipFill>
+        <p:spPr bwMode="auto">
+          <a:xfrm>
+            <a:off x="127097" y="1619369"/>
+            <a:ext cx="4315303" cy="2093234"/>
+          </a:xfrm>
+          <a:prstGeom prst="rect">
+            <a:avLst/>
+          </a:prstGeom>
+          <a:ln w="127000" cap="sq">
+            <a:noFill/>
+            <a:miter lim="800000"/>
+          </a:ln>
+          <a:effectLst>
+            <a:outerShdw blurRad="57150" dist="50800" dir="2700000" algn="tl" rotWithShape="0">
+              <a:srgbClr val="000000">
+                <a:alpha val="40000"/>
+              </a:srgbClr>
+            </a:outerShdw>
+          </a:effectLst>
+          <a:extLst>
+            <a:ext uri="{909E8E84-426E-40DD-AFC4-6F175D3DCCD1}">
+              <a14:hiddenFill xmlns:a14="http://schemas.microsoft.com/office/drawing/2010/main">
+                <a:solidFill>
+                  <a:srgbClr val="FFFFFF"/>
+                </a:solidFill>
+              </a14:hiddenFill>
+            </a:ext>
+          </a:extLst>
+        </p:spPr>
+      </p:pic>
+      <p:pic>
+        <p:nvPicPr>
+          <p:cNvPr id="2052" name="Picture 4">
+            <a:extLst>
+              <a:ext uri="{FF2B5EF4-FFF2-40B4-BE49-F238E27FC236}">
+                <a16:creationId xmlns:a16="http://schemas.microsoft.com/office/drawing/2014/main" id="{C3EB0FD6-B737-E2E8-2191-7C90E3D31CCB}"/>
+              </a:ext>
+            </a:extLst>
+          </p:cNvPr>
+          <p:cNvPicPr>
+            <a:picLocks noChangeAspect="1" noChangeArrowheads="1"/>
+          </p:cNvPicPr>
+          <p:nvPr/>
+        </p:nvPicPr>
+        <p:blipFill rotWithShape="1">
+          <a:blip r:embed="rId4">
+            <a:extLst>
+              <a:ext uri="{28A0092B-C50C-407E-A947-70E740481C1C}">
+                <a14:useLocalDpi xmlns:a14="http://schemas.microsoft.com/office/drawing/2010/main" val="0"/>
+              </a:ext>
+            </a:extLst>
+          </a:blip>
+          <a:srcRect r="967"/>
+          <a:stretch>
+            <a:fillRect/>
+          </a:stretch>
+        </p:blipFill>
+        <p:spPr bwMode="auto">
+          <a:xfrm>
+            <a:off x="4546210" y="1619369"/>
+            <a:ext cx="4597790" cy="2093234"/>
+          </a:xfrm>
+          <a:prstGeom prst="rect">
+            <a:avLst/>
+          </a:prstGeom>
+          <a:ln w="127000" cap="sq">
+            <a:noFill/>
+            <a:miter lim="800000"/>
+          </a:ln>
+          <a:effectLst>
+            <a:outerShdw blurRad="57150" dist="50800" dir="2700000" algn="tl" rotWithShape="0">
+              <a:srgbClr val="000000">
+                <a:alpha val="40000"/>
+              </a:srgbClr>
+            </a:outerShdw>
+          </a:effectLst>
+          <a:extLst>
+            <a:ext uri="{909E8E84-426E-40DD-AFC4-6F175D3DCCD1}">
+              <a14:hiddenFill xmlns:a14="http://schemas.microsoft.com/office/drawing/2010/main">
+                <a:solidFill>
+                  <a:srgbClr val="FFFFFF"/>
+                </a:solidFill>
+              </a14:hiddenFill>
+            </a:ext>
+          </a:extLst>
+        </p:spPr>
+      </p:pic>
+    </p:spTree>
+    <p:extLst>
+      <p:ext uri="{BB962C8B-B14F-4D97-AF65-F5344CB8AC3E}">
+        <p14:creationId xmlns:p14="http://schemas.microsoft.com/office/powerpoint/2010/main" val="289490073"/>
+      </p:ext>
+    </p:extLst>
+  </p:cSld>
+  <p:clrMapOvr>
+    <a:masterClrMapping/>
+  </p:clrMapOvr>
+  <p:transition spd="slow">
+    <p:push dir="u"/>
+  </p:transition>
+</p:sld>
+</file>
+
+<file path=ppt/slides/slide11.xml><?xml version="1.0" encoding="utf-8"?>
 <p:sld xmlns:a="http://schemas.openxmlformats.org/drawingml/2006/main" xmlns:r="http://schemas.openxmlformats.org/officeDocument/2006/relationships" xmlns:p="http://schemas.openxmlformats.org/presentationml/2006/main">
   <p:cSld>
     <p:spTree>
@@ -10304,10 +11275,9 @@
               <a:buNone/>
             </a:pPr>
             <a:r>
-              <a:rPr lang="hu" b="1" dirty="0"/>
+              <a:rPr lang="hu-HU" b="1" noProof="0" dirty="0"/>
               <a:t>Felhasználói folyamat</a:t>
             </a:r>
-            <a:endParaRPr b="1" dirty="0"/>
           </a:p>
         </p:txBody>
       </p:sp>
@@ -10350,13 +11320,13 @@
               <a:buAutoNum type="arabicPeriod"/>
             </a:pPr>
             <a:r>
-              <a:rPr lang="hu" dirty="0"/>
+              <a:rPr lang="hu-HU" noProof="0" dirty="0"/>
               <a:t>Weboldal megnyitása</a:t>
             </a:r>
             <a:br>
-              <a:rPr lang="hu" dirty="0"/>
+              <a:rPr lang="hu-HU" noProof="0" dirty="0"/>
             </a:br>
-            <a:endParaRPr dirty="0"/>
+            <a:endParaRPr lang="hu-HU" noProof="0" dirty="0"/>
           </a:p>
           <a:p>
             <a:pPr marL="457200" lvl="0" indent="-311150" algn="l" rtl="0">
@@ -10373,13 +11343,13 @@
               <a:buAutoNum type="arabicPeriod"/>
             </a:pPr>
             <a:r>
-              <a:rPr lang="hu" dirty="0"/>
+              <a:rPr lang="hu-HU" noProof="0" dirty="0"/>
               <a:t>Indulási hely megadása</a:t>
             </a:r>
             <a:br>
-              <a:rPr lang="hu" dirty="0"/>
+              <a:rPr lang="hu-HU" noProof="0" dirty="0"/>
             </a:br>
-            <a:endParaRPr dirty="0"/>
+            <a:endParaRPr lang="hu-HU" noProof="0" dirty="0"/>
           </a:p>
           <a:p>
             <a:pPr marL="457200" lvl="0" indent="-311150" algn="l" rtl="0">
@@ -10396,13 +11366,13 @@
               <a:buAutoNum type="arabicPeriod"/>
             </a:pPr>
             <a:r>
-              <a:rPr lang="hu" dirty="0"/>
+              <a:rPr lang="hu-HU" noProof="0" dirty="0"/>
               <a:t>Érkezési hely megadása</a:t>
             </a:r>
             <a:br>
-              <a:rPr lang="hu" dirty="0"/>
+              <a:rPr lang="hu-HU" noProof="0" dirty="0"/>
             </a:br>
-            <a:endParaRPr dirty="0"/>
+            <a:endParaRPr lang="hu-HU" noProof="0" dirty="0"/>
           </a:p>
           <a:p>
             <a:pPr marL="457200" lvl="0" indent="-311150" algn="l" rtl="0">
@@ -10419,13 +11389,13 @@
               <a:buAutoNum type="arabicPeriod"/>
             </a:pPr>
             <a:r>
-              <a:rPr lang="hu" dirty="0"/>
+              <a:rPr lang="hu-HU" noProof="0" dirty="0"/>
               <a:t>Útvonal keresése</a:t>
             </a:r>
             <a:br>
-              <a:rPr lang="hu" dirty="0"/>
+              <a:rPr lang="hu-HU" noProof="0" dirty="0"/>
             </a:br>
-            <a:endParaRPr dirty="0"/>
+            <a:endParaRPr lang="hu-HU" noProof="0" dirty="0"/>
           </a:p>
           <a:p>
             <a:pPr marL="457200" lvl="0" indent="-311150" algn="l" rtl="0">
@@ -10442,13 +11412,13 @@
               <a:buAutoNum type="arabicPeriod"/>
             </a:pPr>
             <a:r>
-              <a:rPr lang="hu" dirty="0"/>
+              <a:rPr lang="hu-HU" noProof="0" dirty="0"/>
               <a:t>Javasolt útvonalok megtekintése</a:t>
             </a:r>
             <a:br>
-              <a:rPr lang="hu" dirty="0"/>
+              <a:rPr lang="hu-HU" noProof="0" dirty="0"/>
             </a:br>
-            <a:endParaRPr dirty="0"/>
+            <a:endParaRPr lang="hu-HU" noProof="0" dirty="0"/>
           </a:p>
           <a:p>
             <a:pPr marL="457200" lvl="0" indent="-311150" algn="l" rtl="0">
@@ -10465,10 +11435,9 @@
               <a:buAutoNum type="arabicPeriod"/>
             </a:pPr>
             <a:r>
-              <a:rPr lang="hu" dirty="0"/>
+              <a:rPr lang="hu-HU" noProof="0" dirty="0"/>
               <a:t>Utazás megkezdése</a:t>
             </a:r>
-            <a:endParaRPr dirty="0"/>
           </a:p>
         </p:txBody>
       </p:sp>
@@ -10792,36 +11761,6 @@
           </a:fontRef>
         </p:style>
       </p:cxnSp>
-      <p:pic>
-        <p:nvPicPr>
-          <p:cNvPr id="57" name="Kép 56" descr="A képen rajz, clipart, festmény, kerék látható&#10;&#10;Előfordulhat, hogy az AI által létrehozott tartalom helytelen.">
-            <a:extLst>
-              <a:ext uri="{FF2B5EF4-FFF2-40B4-BE49-F238E27FC236}">
-                <a16:creationId xmlns:a16="http://schemas.microsoft.com/office/drawing/2014/main" id="{CCC1935D-AB78-89FC-DEA5-955A494DEADA}"/>
-              </a:ext>
-            </a:extLst>
-          </p:cNvPr>
-          <p:cNvPicPr>
-            <a:picLocks noChangeAspect="1"/>
-          </p:cNvPicPr>
-          <p:nvPr/>
-        </p:nvPicPr>
-        <p:blipFill>
-          <a:blip r:embed="rId8"/>
-          <a:stretch>
-            <a:fillRect/>
-          </a:stretch>
-        </p:blipFill>
-        <p:spPr>
-          <a:xfrm>
-            <a:off x="4571996" y="1429956"/>
-            <a:ext cx="4563682" cy="2570694"/>
-          </a:xfrm>
-          <a:prstGeom prst="rect">
-            <a:avLst/>
-          </a:prstGeom>
-        </p:spPr>
-      </p:pic>
       <p:cxnSp>
         <p:nvCxnSpPr>
           <p:cNvPr id="1054" name="Egyenes összekötő 1053">
@@ -10865,18 +11804,65 @@
           </a:fontRef>
         </p:style>
       </p:cxnSp>
+      <p:pic>
+        <p:nvPicPr>
+          <p:cNvPr id="1026" name="Picture 2" descr="Nagy kapacitás – kis fogyasztás; emeletes motorvonatok Magyarországon | MÁV -csoport">
+            <a:extLst>
+              <a:ext uri="{FF2B5EF4-FFF2-40B4-BE49-F238E27FC236}">
+                <a16:creationId xmlns:a16="http://schemas.microsoft.com/office/drawing/2014/main" id="{16CCB6D7-1918-8CA7-38CD-16A21123C6F8}"/>
+              </a:ext>
+            </a:extLst>
+          </p:cNvPr>
+          <p:cNvPicPr>
+            <a:picLocks noChangeAspect="1" noChangeArrowheads="1"/>
+          </p:cNvPicPr>
+          <p:nvPr/>
+        </p:nvPicPr>
+        <p:blipFill rotWithShape="1">
+          <a:blip r:embed="rId8">
+            <a:extLst>
+              <a:ext uri="{28A0092B-C50C-407E-A947-70E740481C1C}">
+                <a14:useLocalDpi xmlns:a14="http://schemas.microsoft.com/office/drawing/2010/main" val="0"/>
+              </a:ext>
+            </a:extLst>
+          </a:blip>
+          <a:srcRect l="1515" t="5422" b="11118"/>
+          <a:stretch>
+            <a:fillRect/>
+          </a:stretch>
+        </p:blipFill>
+        <p:spPr bwMode="auto">
+          <a:xfrm>
+            <a:off x="4580317" y="1429955"/>
+            <a:ext cx="4563681" cy="2578268"/>
+          </a:xfrm>
+          <a:prstGeom prst="rect">
+            <a:avLst/>
+          </a:prstGeom>
+          <a:noFill/>
+          <a:extLst>
+            <a:ext uri="{909E8E84-426E-40DD-AFC4-6F175D3DCCD1}">
+              <a14:hiddenFill xmlns:a14="http://schemas.microsoft.com/office/drawing/2010/main">
+                <a:solidFill>
+                  <a:srgbClr val="FFFFFF"/>
+                </a:solidFill>
+              </a14:hiddenFill>
+            </a:ext>
+          </a:extLst>
+        </p:spPr>
+      </p:pic>
     </p:spTree>
   </p:cSld>
   <p:clrMapOvr>
     <a:masterClrMapping/>
   </p:clrMapOvr>
-  <mc:AlternateContent xmlns:mc="http://schemas.openxmlformats.org/markup-compatibility/2006">
-    <mc:Choice xmlns:p159="http://schemas.microsoft.com/office/powerpoint/2015/09/main" Requires="p159">
+  <mc:AlternateContent xmlns:mc="http://schemas.openxmlformats.org/markup-compatibility/2006" xmlns:p159="http://schemas.microsoft.com/office/powerpoint/2015/09/main">
+    <mc:Choice Requires="p159">
       <p:transition xmlns:p14="http://schemas.microsoft.com/office/powerpoint/2010/main" spd="slow" p14:dur="2000">
         <p159:morph option="byObject"/>
       </p:transition>
     </mc:Choice>
-    <mc:Fallback>
+    <mc:Fallback xmlns="">
       <p:transition spd="slow">
         <p:fade/>
       </p:transition>
@@ -11742,7 +12728,7 @@
                                           </p:stCondLst>
                                         </p:cTn>
                                         <p:tgtEl>
-                                          <p:spTgt spid="57"/>
+                                          <p:spTgt spid="1026"/>
                                         </p:tgtEl>
                                         <p:attrNameLst>
                                           <p:attrName>style.visibility</p:attrName>
@@ -11756,7 +12742,7 @@
                                       <p:cBhvr additive="base">
                                         <p:cTn id="67" dur="500" fill="hold"/>
                                         <p:tgtEl>
-                                          <p:spTgt spid="57"/>
+                                          <p:spTgt spid="1026"/>
                                         </p:tgtEl>
                                         <p:attrNameLst>
                                           <p:attrName>ppt_x</p:attrName>
@@ -11779,7 +12765,7 @@
                                       <p:cBhvr additive="base">
                                         <p:cTn id="68" dur="500" fill="hold"/>
                                         <p:tgtEl>
-                                          <p:spTgt spid="57"/>
+                                          <p:spTgt spid="1026"/>
                                         </p:tgtEl>
                                         <p:attrNameLst>
                                           <p:attrName>ppt_y</p:attrName>
@@ -11935,7 +12921,7 @@
 </p:sld>
 </file>
 
-<file path=ppt/slides/slide11.xml><?xml version="1.0" encoding="utf-8"?>
+<file path=ppt/slides/slide12.xml><?xml version="1.0" encoding="utf-8"?>
 <p:sld xmlns:a="http://schemas.openxmlformats.org/drawingml/2006/main" xmlns:r="http://schemas.openxmlformats.org/officeDocument/2006/relationships" xmlns:p="http://schemas.openxmlformats.org/presentationml/2006/main">
   <p:cSld>
     <p:spTree>
@@ -11952,6 +12938,54 @@
           <a:chExt cx="0" cy="0"/>
         </a:xfrm>
       </p:grpSpPr>
+      <p:pic>
+        <p:nvPicPr>
+          <p:cNvPr id="4098" name="Picture 2" descr="Soviet Union Emblem, USSR Symbol, Icon Free PNG">
+            <a:extLst>
+              <a:ext uri="{FF2B5EF4-FFF2-40B4-BE49-F238E27FC236}">
+                <a16:creationId xmlns:a16="http://schemas.microsoft.com/office/drawing/2014/main" id="{ABBE42F7-1D42-A4FD-793E-D1BD4A229E75}"/>
+              </a:ext>
+            </a:extLst>
+          </p:cNvPr>
+          <p:cNvPicPr>
+            <a:picLocks noChangeAspect="1" noChangeArrowheads="1"/>
+          </p:cNvPicPr>
+          <p:nvPr/>
+        </p:nvPicPr>
+        <p:blipFill>
+          <a:blip r:embed="rId3">
+            <a:alphaModFix amt="5000"/>
+            <a:extLst>
+              <a:ext uri="{28A0092B-C50C-407E-A947-70E740481C1C}">
+                <a14:useLocalDpi xmlns:a14="http://schemas.microsoft.com/office/drawing/2010/main" val="0"/>
+              </a:ext>
+            </a:extLst>
+          </a:blip>
+          <a:srcRect/>
+          <a:stretch>
+            <a:fillRect/>
+          </a:stretch>
+        </p:blipFill>
+        <p:spPr bwMode="auto">
+          <a:xfrm>
+            <a:off x="2003808" y="224848"/>
+            <a:ext cx="4015810" cy="4693804"/>
+          </a:xfrm>
+          <a:prstGeom prst="rect">
+            <a:avLst/>
+          </a:prstGeom>
+          <a:noFill/>
+          <a:extLst>
+            <a:ext uri="{909E8E84-426E-40DD-AFC4-6F175D3DCCD1}">
+              <a14:hiddenFill xmlns:a14="http://schemas.microsoft.com/office/drawing/2010/main">
+                <a:solidFill>
+                  <a:srgbClr val="FFFFFF"/>
+                </a:solidFill>
+              </a14:hiddenFill>
+            </a:ext>
+          </a:extLst>
+        </p:spPr>
+      </p:pic>
       <p:sp>
         <p:nvSpPr>
           <p:cNvPr id="206" name="Google Shape;206;p23"/>
@@ -11964,8 +12998,8 @@
         </p:nvSpPr>
         <p:spPr>
           <a:xfrm>
-            <a:off x="1297500" y="1658325"/>
-            <a:ext cx="3036300" cy="1751700"/>
+            <a:off x="2810996" y="565170"/>
+            <a:ext cx="3522007" cy="747991"/>
           </a:xfrm>
           <a:prstGeom prst="rect">
             <a:avLst/>
@@ -11977,7 +13011,7 @@
           </a:bodyPr>
           <a:lstStyle/>
           <a:p>
-            <a:pPr marL="0" lvl="0" indent="0" algn="l" rtl="0">
+            <a:pPr marL="0" lvl="0" indent="0" algn="ctr" rtl="0">
               <a:spcBef>
                 <a:spcPts val="0"/>
               </a:spcBef>
@@ -11987,10 +13021,10 @@
               <a:buNone/>
             </a:pPr>
             <a:r>
-              <a:rPr lang="hu" sz="2800" b="1"/>
-              <a:t>Korlátok és nehézségek</a:t>
+              <a:rPr lang="en-US" sz="2800" b="1" noProof="0" dirty="0" err="1"/>
+              <a:t>Munkamegosztás</a:t>
             </a:r>
-            <a:endParaRPr sz="2800" b="1"/>
+            <a:endParaRPr lang="hu-HU" sz="2800" b="1" noProof="0" dirty="0"/>
           </a:p>
         </p:txBody>
       </p:sp>
@@ -12006,8 +13040,8 @@
         </p:nvSpPr>
         <p:spPr>
           <a:xfrm>
-            <a:off x="4648200" y="1696600"/>
-            <a:ext cx="3676800" cy="2347500"/>
+            <a:off x="2335113" y="2549983"/>
+            <a:ext cx="2051532" cy="1252856"/>
           </a:xfrm>
           <a:prstGeom prst="rect">
             <a:avLst/>
@@ -12019,147 +13053,992 @@
           </a:bodyPr>
           <a:lstStyle/>
           <a:p>
-            <a:pPr marL="457200" lvl="0" indent="-304958" rtl="0">
+            <a:pPr marL="742950" indent="-285750">
               <a:lnSpc>
                 <a:spcPct val="95000"/>
               </a:lnSpc>
               <a:spcBef>
-                <a:spcPts val="0"/>
-              </a:spcBef>
-              <a:spcAft>
-                <a:spcPts val="0"/>
-              </a:spcAft>
-              <a:buSzPts val="1203"/>
-              <a:buChar char="●"/>
+                <a:spcPts val="1200"/>
+              </a:spcBef>
+              <a:spcAft>
+                <a:spcPts val="1200"/>
+              </a:spcAft>
+              <a:buSzPts val="1018"/>
             </a:pPr>
             <a:r>
-              <a:rPr lang="hu" sz="1202" dirty="0"/>
-              <a:t>Internetkapcsolat nélkül nem használható</a:t>
+              <a:rPr lang="en-US" sz="1202" noProof="0" dirty="0"/>
+              <a:t>Backend</a:t>
             </a:r>
-            <a:br>
-              <a:rPr lang="hu" sz="1202" dirty="0"/>
-            </a:br>
-            <a:endParaRPr sz="1202" dirty="0"/>
           </a:p>
           <a:p>
-            <a:pPr marL="457200" lvl="0" indent="-304958" rtl="0">
+            <a:pPr marL="742950" indent="-285750">
               <a:lnSpc>
                 <a:spcPct val="95000"/>
               </a:lnSpc>
               <a:spcBef>
-                <a:spcPts val="0"/>
-              </a:spcBef>
-              <a:spcAft>
-                <a:spcPts val="0"/>
-              </a:spcAft>
-              <a:buSzPts val="1203"/>
-              <a:buChar char="●"/>
+                <a:spcPts val="1200"/>
+              </a:spcBef>
+              <a:spcAft>
+                <a:spcPts val="1200"/>
+              </a:spcAft>
+              <a:buSzPts val="1018"/>
             </a:pPr>
             <a:r>
-              <a:rPr lang="hu" sz="1202" dirty="0"/>
-              <a:t>JavaScript szükséges a működéshez</a:t>
+              <a:rPr lang="en-US" sz="1202" dirty="0" err="1"/>
+              <a:t>Adatbázis</a:t>
             </a:r>
-            <a:br>
-              <a:rPr lang="hu" sz="1202" dirty="0"/>
-            </a:br>
-            <a:endParaRPr sz="1202" dirty="0"/>
-          </a:p>
-          <a:p>
-            <a:pPr marL="457200" lvl="0" indent="-304958" rtl="0">
-              <a:lnSpc>
-                <a:spcPct val="95000"/>
-              </a:lnSpc>
-              <a:spcBef>
-                <a:spcPts val="0"/>
-              </a:spcBef>
-              <a:spcAft>
-                <a:spcPts val="0"/>
-              </a:spcAft>
-              <a:buSzPts val="1203"/>
-              <a:buChar char="●"/>
-            </a:pPr>
-            <a:r>
-              <a:rPr lang="hu" sz="1202" dirty="0"/>
-              <a:t>Nem helyettesíti a valós idejű forgalmi adatokat</a:t>
-            </a:r>
-            <a:br>
-              <a:rPr lang="hu" sz="1202" dirty="0"/>
-            </a:br>
-            <a:endParaRPr sz="1202" dirty="0"/>
-          </a:p>
-          <a:p>
-            <a:pPr marL="457200" lvl="0" indent="-304958" rtl="0">
-              <a:lnSpc>
-                <a:spcPct val="95000"/>
-              </a:lnSpc>
-              <a:spcBef>
-                <a:spcPts val="0"/>
-              </a:spcBef>
-              <a:spcAft>
-                <a:spcPts val="0"/>
-              </a:spcAft>
-              <a:buSzPts val="1203"/>
-              <a:buChar char="●"/>
-            </a:pPr>
-            <a:r>
-              <a:rPr lang="hu" sz="1202" dirty="0"/>
-              <a:t>Hibás menetrend esetén pontatlan lehet</a:t>
-            </a:r>
-            <a:br>
-              <a:rPr lang="hu" sz="1202" dirty="0"/>
-            </a:br>
-            <a:endParaRPr sz="1202" dirty="0"/>
-          </a:p>
-          <a:p>
-            <a:pPr marL="457200" lvl="0" indent="-304958" rtl="0">
-              <a:lnSpc>
-                <a:spcPct val="95000"/>
-              </a:lnSpc>
-              <a:spcBef>
-                <a:spcPts val="0"/>
-              </a:spcBef>
-              <a:spcAft>
-                <a:spcPts val="0"/>
-              </a:spcAft>
-              <a:buSzPts val="1203"/>
-              <a:buChar char="●"/>
-            </a:pPr>
-            <a:r>
-              <a:rPr lang="hu" sz="1202" dirty="0"/>
-              <a:t>Fejlesztés alatt álló funkciók előfordulhatnak</a:t>
-            </a:r>
-            <a:endParaRPr sz="1202" dirty="0"/>
-          </a:p>
-          <a:p>
-            <a:pPr marL="457200" lvl="0" indent="0" algn="just" rtl="0">
-              <a:lnSpc>
-                <a:spcPct val="95000"/>
-              </a:lnSpc>
-              <a:spcBef>
-                <a:spcPts val="1200"/>
-              </a:spcBef>
-              <a:spcAft>
-                <a:spcPts val="1200"/>
-              </a:spcAft>
-              <a:buSzPts val="1018"/>
-              <a:buNone/>
-            </a:pPr>
-            <a:endParaRPr sz="1202" dirty="0"/>
+            <a:endParaRPr lang="hu-HU" sz="1202" noProof="0" dirty="0"/>
           </a:p>
         </p:txBody>
       </p:sp>
+      <p:grpSp>
+        <p:nvGrpSpPr>
+          <p:cNvPr id="6" name="Csoportba foglalás 5">
+            <a:extLst>
+              <a:ext uri="{FF2B5EF4-FFF2-40B4-BE49-F238E27FC236}">
+                <a16:creationId xmlns:a16="http://schemas.microsoft.com/office/drawing/2014/main" id="{BCD0FDBD-B2FC-0651-2460-80880859FDA8}"/>
+              </a:ext>
+            </a:extLst>
+          </p:cNvPr>
+          <p:cNvGrpSpPr/>
+          <p:nvPr/>
+        </p:nvGrpSpPr>
+        <p:grpSpPr>
+          <a:xfrm>
+            <a:off x="2705821" y="1924174"/>
+            <a:ext cx="3732356" cy="1878665"/>
+            <a:chOff x="2971355" y="1827062"/>
+            <a:chExt cx="3732356" cy="1878665"/>
+          </a:xfrm>
+        </p:grpSpPr>
+        <p:sp>
+          <p:nvSpPr>
+            <p:cNvPr id="3" name="Google Shape;207;p23">
+              <a:extLst>
+                <a:ext uri="{FF2B5EF4-FFF2-40B4-BE49-F238E27FC236}">
+                  <a16:creationId xmlns:a16="http://schemas.microsoft.com/office/drawing/2014/main" id="{A893F2E7-79D9-65FD-5F74-FA9581F1A361}"/>
+                </a:ext>
+              </a:extLst>
+            </p:cNvPr>
+            <p:cNvSpPr txBox="1">
+              <a:spLocks/>
+            </p:cNvSpPr>
+            <p:nvPr/>
+          </p:nvSpPr>
+          <p:spPr>
+            <a:xfrm>
+              <a:off x="4652179" y="2452871"/>
+              <a:ext cx="2051532" cy="1252856"/>
+            </a:xfrm>
+            <a:prstGeom prst="rect">
+              <a:avLst/>
+            </a:prstGeom>
+            <a:noFill/>
+            <a:ln>
+              <a:noFill/>
+            </a:ln>
+          </p:spPr>
+          <p:txBody>
+            <a:bodyPr spcFirstLastPara="1" wrap="square" lIns="91425" tIns="91425" rIns="91425" bIns="91425" anchor="t" anchorCtr="0">
+              <a:noAutofit/>
+            </a:bodyPr>
+            <a:lstStyle>
+              <a:defPPr marR="0" lvl="0" algn="l" rtl="0">
+                <a:lnSpc>
+                  <a:spcPct val="100000"/>
+                </a:lnSpc>
+                <a:spcBef>
+                  <a:spcPts val="0"/>
+                </a:spcBef>
+                <a:spcAft>
+                  <a:spcPts val="0"/>
+                </a:spcAft>
+              </a:defPPr>
+              <a:lvl1pPr marL="457200" marR="0" lvl="0" indent="-311150" algn="l" rtl="0">
+                <a:lnSpc>
+                  <a:spcPct val="115000"/>
+                </a:lnSpc>
+                <a:spcBef>
+                  <a:spcPts val="0"/>
+                </a:spcBef>
+                <a:spcAft>
+                  <a:spcPts val="0"/>
+                </a:spcAft>
+                <a:buClr>
+                  <a:schemeClr val="lt1"/>
+                </a:buClr>
+                <a:buSzPts val="1300"/>
+                <a:buFont typeface="Lato"/>
+                <a:buChar char="●"/>
+                <a:defRPr sz="1300" b="0" i="0" u="none" strike="noStrike" cap="none">
+                  <a:solidFill>
+                    <a:schemeClr val="lt1"/>
+                  </a:solidFill>
+                  <a:latin typeface="Lato"/>
+                  <a:ea typeface="Lato"/>
+                  <a:cs typeface="Lato"/>
+                  <a:sym typeface="Lato"/>
+                </a:defRPr>
+              </a:lvl1pPr>
+              <a:lvl2pPr marL="914400" marR="0" lvl="1" indent="-298450" algn="l" rtl="0">
+                <a:lnSpc>
+                  <a:spcPct val="115000"/>
+                </a:lnSpc>
+                <a:spcBef>
+                  <a:spcPts val="0"/>
+                </a:spcBef>
+                <a:spcAft>
+                  <a:spcPts val="0"/>
+                </a:spcAft>
+                <a:buClr>
+                  <a:schemeClr val="lt1"/>
+                </a:buClr>
+                <a:buSzPts val="1100"/>
+                <a:buFont typeface="Lato"/>
+                <a:buChar char="○"/>
+                <a:defRPr sz="1100" b="0" i="0" u="none" strike="noStrike" cap="none">
+                  <a:solidFill>
+                    <a:schemeClr val="lt1"/>
+                  </a:solidFill>
+                  <a:latin typeface="Lato"/>
+                  <a:ea typeface="Lato"/>
+                  <a:cs typeface="Lato"/>
+                  <a:sym typeface="Lato"/>
+                </a:defRPr>
+              </a:lvl2pPr>
+              <a:lvl3pPr marL="1371600" marR="0" lvl="2" indent="-298450" algn="l" rtl="0">
+                <a:lnSpc>
+                  <a:spcPct val="115000"/>
+                </a:lnSpc>
+                <a:spcBef>
+                  <a:spcPts val="0"/>
+                </a:spcBef>
+                <a:spcAft>
+                  <a:spcPts val="0"/>
+                </a:spcAft>
+                <a:buClr>
+                  <a:schemeClr val="lt1"/>
+                </a:buClr>
+                <a:buSzPts val="1100"/>
+                <a:buFont typeface="Lato"/>
+                <a:buChar char="■"/>
+                <a:defRPr sz="1100" b="0" i="0" u="none" strike="noStrike" cap="none">
+                  <a:solidFill>
+                    <a:schemeClr val="lt1"/>
+                  </a:solidFill>
+                  <a:latin typeface="Lato"/>
+                  <a:ea typeface="Lato"/>
+                  <a:cs typeface="Lato"/>
+                  <a:sym typeface="Lato"/>
+                </a:defRPr>
+              </a:lvl3pPr>
+              <a:lvl4pPr marL="1828800" marR="0" lvl="3" indent="-298450" algn="l" rtl="0">
+                <a:lnSpc>
+                  <a:spcPct val="115000"/>
+                </a:lnSpc>
+                <a:spcBef>
+                  <a:spcPts val="0"/>
+                </a:spcBef>
+                <a:spcAft>
+                  <a:spcPts val="0"/>
+                </a:spcAft>
+                <a:buClr>
+                  <a:schemeClr val="lt1"/>
+                </a:buClr>
+                <a:buSzPts val="1100"/>
+                <a:buFont typeface="Lato"/>
+                <a:buChar char="●"/>
+                <a:defRPr sz="1100" b="0" i="0" u="none" strike="noStrike" cap="none">
+                  <a:solidFill>
+                    <a:schemeClr val="lt1"/>
+                  </a:solidFill>
+                  <a:latin typeface="Lato"/>
+                  <a:ea typeface="Lato"/>
+                  <a:cs typeface="Lato"/>
+                  <a:sym typeface="Lato"/>
+                </a:defRPr>
+              </a:lvl4pPr>
+              <a:lvl5pPr marL="2286000" marR="0" lvl="4" indent="-298450" algn="l" rtl="0">
+                <a:lnSpc>
+                  <a:spcPct val="115000"/>
+                </a:lnSpc>
+                <a:spcBef>
+                  <a:spcPts val="0"/>
+                </a:spcBef>
+                <a:spcAft>
+                  <a:spcPts val="0"/>
+                </a:spcAft>
+                <a:buClr>
+                  <a:schemeClr val="lt1"/>
+                </a:buClr>
+                <a:buSzPts val="1100"/>
+                <a:buFont typeface="Lato"/>
+                <a:buChar char="○"/>
+                <a:defRPr sz="1100" b="0" i="0" u="none" strike="noStrike" cap="none">
+                  <a:solidFill>
+                    <a:schemeClr val="lt1"/>
+                  </a:solidFill>
+                  <a:latin typeface="Lato"/>
+                  <a:ea typeface="Lato"/>
+                  <a:cs typeface="Lato"/>
+                  <a:sym typeface="Lato"/>
+                </a:defRPr>
+              </a:lvl5pPr>
+              <a:lvl6pPr marL="2743200" marR="0" lvl="5" indent="-298450" algn="l" rtl="0">
+                <a:lnSpc>
+                  <a:spcPct val="115000"/>
+                </a:lnSpc>
+                <a:spcBef>
+                  <a:spcPts val="0"/>
+                </a:spcBef>
+                <a:spcAft>
+                  <a:spcPts val="0"/>
+                </a:spcAft>
+                <a:buClr>
+                  <a:schemeClr val="lt1"/>
+                </a:buClr>
+                <a:buSzPts val="1100"/>
+                <a:buFont typeface="Lato"/>
+                <a:buChar char="■"/>
+                <a:defRPr sz="1100" b="0" i="0" u="none" strike="noStrike" cap="none">
+                  <a:solidFill>
+                    <a:schemeClr val="lt1"/>
+                  </a:solidFill>
+                  <a:latin typeface="Lato"/>
+                  <a:ea typeface="Lato"/>
+                  <a:cs typeface="Lato"/>
+                  <a:sym typeface="Lato"/>
+                </a:defRPr>
+              </a:lvl6pPr>
+              <a:lvl7pPr marL="3200400" marR="0" lvl="6" indent="-298450" algn="l" rtl="0">
+                <a:lnSpc>
+                  <a:spcPct val="115000"/>
+                </a:lnSpc>
+                <a:spcBef>
+                  <a:spcPts val="0"/>
+                </a:spcBef>
+                <a:spcAft>
+                  <a:spcPts val="0"/>
+                </a:spcAft>
+                <a:buClr>
+                  <a:schemeClr val="lt1"/>
+                </a:buClr>
+                <a:buSzPts val="1100"/>
+                <a:buFont typeface="Lato"/>
+                <a:buChar char="●"/>
+                <a:defRPr sz="1100" b="0" i="0" u="none" strike="noStrike" cap="none">
+                  <a:solidFill>
+                    <a:schemeClr val="lt1"/>
+                  </a:solidFill>
+                  <a:latin typeface="Lato"/>
+                  <a:ea typeface="Lato"/>
+                  <a:cs typeface="Lato"/>
+                  <a:sym typeface="Lato"/>
+                </a:defRPr>
+              </a:lvl7pPr>
+              <a:lvl8pPr marL="3657600" marR="0" lvl="7" indent="-298450" algn="l" rtl="0">
+                <a:lnSpc>
+                  <a:spcPct val="115000"/>
+                </a:lnSpc>
+                <a:spcBef>
+                  <a:spcPts val="0"/>
+                </a:spcBef>
+                <a:spcAft>
+                  <a:spcPts val="0"/>
+                </a:spcAft>
+                <a:buClr>
+                  <a:schemeClr val="lt1"/>
+                </a:buClr>
+                <a:buSzPts val="1100"/>
+                <a:buFont typeface="Lato"/>
+                <a:buChar char="○"/>
+                <a:defRPr sz="1100" b="0" i="0" u="none" strike="noStrike" cap="none">
+                  <a:solidFill>
+                    <a:schemeClr val="lt1"/>
+                  </a:solidFill>
+                  <a:latin typeface="Lato"/>
+                  <a:ea typeface="Lato"/>
+                  <a:cs typeface="Lato"/>
+                  <a:sym typeface="Lato"/>
+                </a:defRPr>
+              </a:lvl8pPr>
+              <a:lvl9pPr marL="4114800" marR="0" lvl="8" indent="-298450" algn="l" rtl="0">
+                <a:lnSpc>
+                  <a:spcPct val="115000"/>
+                </a:lnSpc>
+                <a:spcBef>
+                  <a:spcPts val="0"/>
+                </a:spcBef>
+                <a:spcAft>
+                  <a:spcPts val="0"/>
+                </a:spcAft>
+                <a:buClr>
+                  <a:schemeClr val="lt1"/>
+                </a:buClr>
+                <a:buSzPts val="1100"/>
+                <a:buFont typeface="Lato"/>
+                <a:buChar char="■"/>
+                <a:defRPr sz="1100" b="0" i="0" u="none" strike="noStrike" cap="none">
+                  <a:solidFill>
+                    <a:schemeClr val="lt1"/>
+                  </a:solidFill>
+                  <a:latin typeface="Lato"/>
+                  <a:ea typeface="Lato"/>
+                  <a:cs typeface="Lato"/>
+                  <a:sym typeface="Lato"/>
+                </a:defRPr>
+              </a:lvl9pPr>
+            </a:lstStyle>
+            <a:p>
+              <a:pPr marL="742950" indent="-285750">
+                <a:lnSpc>
+                  <a:spcPct val="95000"/>
+                </a:lnSpc>
+                <a:spcBef>
+                  <a:spcPts val="1200"/>
+                </a:spcBef>
+                <a:spcAft>
+                  <a:spcPts val="1200"/>
+                </a:spcAft>
+                <a:buSzPts val="1018"/>
+              </a:pPr>
+              <a:r>
+                <a:rPr lang="en-US" sz="1202" dirty="0" err="1"/>
+                <a:t>Megjelenés</a:t>
+              </a:r>
+              <a:endParaRPr lang="en-US" sz="1202" dirty="0"/>
+            </a:p>
+            <a:p>
+              <a:pPr marL="742950" indent="-285750">
+                <a:lnSpc>
+                  <a:spcPct val="95000"/>
+                </a:lnSpc>
+                <a:spcBef>
+                  <a:spcPts val="1200"/>
+                </a:spcBef>
+                <a:spcAft>
+                  <a:spcPts val="1200"/>
+                </a:spcAft>
+                <a:buSzPts val="1018"/>
+              </a:pPr>
+              <a:r>
+                <a:rPr lang="en-US" sz="1202" dirty="0"/>
+                <a:t>Frontend</a:t>
+              </a:r>
+              <a:endParaRPr lang="hu-HU" sz="1202" dirty="0"/>
+            </a:p>
+          </p:txBody>
+        </p:sp>
+        <p:grpSp>
+          <p:nvGrpSpPr>
+            <p:cNvPr id="5" name="Csoportba foglalás 4">
+              <a:extLst>
+                <a:ext uri="{FF2B5EF4-FFF2-40B4-BE49-F238E27FC236}">
+                  <a16:creationId xmlns:a16="http://schemas.microsoft.com/office/drawing/2014/main" id="{320A8772-3989-EB40-3BC4-2ADCF1519432}"/>
+                </a:ext>
+              </a:extLst>
+            </p:cNvPr>
+            <p:cNvGrpSpPr/>
+            <p:nvPr/>
+          </p:nvGrpSpPr>
+          <p:grpSpPr>
+            <a:xfrm>
+              <a:off x="2971355" y="1827062"/>
+              <a:ext cx="3361648" cy="550182"/>
+              <a:chOff x="2971355" y="1827062"/>
+              <a:chExt cx="3361648" cy="550182"/>
+            </a:xfrm>
+          </p:grpSpPr>
+          <p:sp>
+            <p:nvSpPr>
+              <p:cNvPr id="2" name="Google Shape;206;p23">
+                <a:extLst>
+                  <a:ext uri="{FF2B5EF4-FFF2-40B4-BE49-F238E27FC236}">
+                    <a16:creationId xmlns:a16="http://schemas.microsoft.com/office/drawing/2014/main" id="{B555FF13-8FB2-D212-7D30-DBCA78520077}"/>
+                  </a:ext>
+                </a:extLst>
+              </p:cNvPr>
+              <p:cNvSpPr txBox="1">
+                <a:spLocks/>
+              </p:cNvSpPr>
+              <p:nvPr/>
+            </p:nvSpPr>
+            <p:spPr>
+              <a:xfrm>
+                <a:off x="2971355" y="1827062"/>
+                <a:ext cx="1310116" cy="550182"/>
+              </a:xfrm>
+              <a:prstGeom prst="rect">
+                <a:avLst/>
+              </a:prstGeom>
+              <a:noFill/>
+              <a:ln>
+                <a:noFill/>
+              </a:ln>
+            </p:spPr>
+            <p:txBody>
+              <a:bodyPr spcFirstLastPara="1" wrap="square" lIns="91425" tIns="91425" rIns="91425" bIns="91425" anchor="t" anchorCtr="0">
+                <a:normAutofit/>
+              </a:bodyPr>
+              <a:lstStyle>
+                <a:defPPr marR="0" lvl="0" algn="l" rtl="0">
+                  <a:lnSpc>
+                    <a:spcPct val="100000"/>
+                  </a:lnSpc>
+                  <a:spcBef>
+                    <a:spcPts val="0"/>
+                  </a:spcBef>
+                  <a:spcAft>
+                    <a:spcPts val="0"/>
+                  </a:spcAft>
+                </a:defPPr>
+                <a:lvl1pPr marR="0" lvl="0" algn="l" rtl="0">
+                  <a:lnSpc>
+                    <a:spcPct val="100000"/>
+                  </a:lnSpc>
+                  <a:spcBef>
+                    <a:spcPts val="0"/>
+                  </a:spcBef>
+                  <a:spcAft>
+                    <a:spcPts val="0"/>
+                  </a:spcAft>
+                  <a:buClr>
+                    <a:schemeClr val="lt1"/>
+                  </a:buClr>
+                  <a:buSzPts val="2400"/>
+                  <a:buFont typeface="Montserrat"/>
+                  <a:buNone/>
+                  <a:defRPr sz="2400" b="0" i="0" u="none" strike="noStrike" cap="none">
+                    <a:solidFill>
+                      <a:schemeClr val="lt1"/>
+                    </a:solidFill>
+                    <a:latin typeface="Montserrat"/>
+                    <a:ea typeface="Montserrat"/>
+                    <a:cs typeface="Montserrat"/>
+                    <a:sym typeface="Montserrat"/>
+                  </a:defRPr>
+                </a:lvl1pPr>
+                <a:lvl2pPr marR="0" lvl="1" algn="l" rtl="0">
+                  <a:lnSpc>
+                    <a:spcPct val="100000"/>
+                  </a:lnSpc>
+                  <a:spcBef>
+                    <a:spcPts val="0"/>
+                  </a:spcBef>
+                  <a:spcAft>
+                    <a:spcPts val="0"/>
+                  </a:spcAft>
+                  <a:buClr>
+                    <a:schemeClr val="lt1"/>
+                  </a:buClr>
+                  <a:buSzPts val="2400"/>
+                  <a:buFont typeface="Montserrat"/>
+                  <a:buNone/>
+                  <a:defRPr sz="2400" b="0" i="0" u="none" strike="noStrike" cap="none">
+                    <a:solidFill>
+                      <a:schemeClr val="lt1"/>
+                    </a:solidFill>
+                    <a:latin typeface="Montserrat"/>
+                    <a:ea typeface="Montserrat"/>
+                    <a:cs typeface="Montserrat"/>
+                    <a:sym typeface="Montserrat"/>
+                  </a:defRPr>
+                </a:lvl2pPr>
+                <a:lvl3pPr marR="0" lvl="2" algn="l" rtl="0">
+                  <a:lnSpc>
+                    <a:spcPct val="100000"/>
+                  </a:lnSpc>
+                  <a:spcBef>
+                    <a:spcPts val="0"/>
+                  </a:spcBef>
+                  <a:spcAft>
+                    <a:spcPts val="0"/>
+                  </a:spcAft>
+                  <a:buClr>
+                    <a:schemeClr val="lt1"/>
+                  </a:buClr>
+                  <a:buSzPts val="2400"/>
+                  <a:buFont typeface="Montserrat"/>
+                  <a:buNone/>
+                  <a:defRPr sz="2400" b="0" i="0" u="none" strike="noStrike" cap="none">
+                    <a:solidFill>
+                      <a:schemeClr val="lt1"/>
+                    </a:solidFill>
+                    <a:latin typeface="Montserrat"/>
+                    <a:ea typeface="Montserrat"/>
+                    <a:cs typeface="Montserrat"/>
+                    <a:sym typeface="Montserrat"/>
+                  </a:defRPr>
+                </a:lvl3pPr>
+                <a:lvl4pPr marR="0" lvl="3" algn="l" rtl="0">
+                  <a:lnSpc>
+                    <a:spcPct val="100000"/>
+                  </a:lnSpc>
+                  <a:spcBef>
+                    <a:spcPts val="0"/>
+                  </a:spcBef>
+                  <a:spcAft>
+                    <a:spcPts val="0"/>
+                  </a:spcAft>
+                  <a:buClr>
+                    <a:schemeClr val="lt1"/>
+                  </a:buClr>
+                  <a:buSzPts val="2400"/>
+                  <a:buFont typeface="Montserrat"/>
+                  <a:buNone/>
+                  <a:defRPr sz="2400" b="0" i="0" u="none" strike="noStrike" cap="none">
+                    <a:solidFill>
+                      <a:schemeClr val="lt1"/>
+                    </a:solidFill>
+                    <a:latin typeface="Montserrat"/>
+                    <a:ea typeface="Montserrat"/>
+                    <a:cs typeface="Montserrat"/>
+                    <a:sym typeface="Montserrat"/>
+                  </a:defRPr>
+                </a:lvl4pPr>
+                <a:lvl5pPr marR="0" lvl="4" algn="l" rtl="0">
+                  <a:lnSpc>
+                    <a:spcPct val="100000"/>
+                  </a:lnSpc>
+                  <a:spcBef>
+                    <a:spcPts val="0"/>
+                  </a:spcBef>
+                  <a:spcAft>
+                    <a:spcPts val="0"/>
+                  </a:spcAft>
+                  <a:buClr>
+                    <a:schemeClr val="lt1"/>
+                  </a:buClr>
+                  <a:buSzPts val="2400"/>
+                  <a:buFont typeface="Montserrat"/>
+                  <a:buNone/>
+                  <a:defRPr sz="2400" b="0" i="0" u="none" strike="noStrike" cap="none">
+                    <a:solidFill>
+                      <a:schemeClr val="lt1"/>
+                    </a:solidFill>
+                    <a:latin typeface="Montserrat"/>
+                    <a:ea typeface="Montserrat"/>
+                    <a:cs typeface="Montserrat"/>
+                    <a:sym typeface="Montserrat"/>
+                  </a:defRPr>
+                </a:lvl5pPr>
+                <a:lvl6pPr marR="0" lvl="5" algn="l" rtl="0">
+                  <a:lnSpc>
+                    <a:spcPct val="100000"/>
+                  </a:lnSpc>
+                  <a:spcBef>
+                    <a:spcPts val="0"/>
+                  </a:spcBef>
+                  <a:spcAft>
+                    <a:spcPts val="0"/>
+                  </a:spcAft>
+                  <a:buClr>
+                    <a:schemeClr val="lt1"/>
+                  </a:buClr>
+                  <a:buSzPts val="2400"/>
+                  <a:buFont typeface="Montserrat"/>
+                  <a:buNone/>
+                  <a:defRPr sz="2400" b="0" i="0" u="none" strike="noStrike" cap="none">
+                    <a:solidFill>
+                      <a:schemeClr val="lt1"/>
+                    </a:solidFill>
+                    <a:latin typeface="Montserrat"/>
+                    <a:ea typeface="Montserrat"/>
+                    <a:cs typeface="Montserrat"/>
+                    <a:sym typeface="Montserrat"/>
+                  </a:defRPr>
+                </a:lvl6pPr>
+                <a:lvl7pPr marR="0" lvl="6" algn="l" rtl="0">
+                  <a:lnSpc>
+                    <a:spcPct val="100000"/>
+                  </a:lnSpc>
+                  <a:spcBef>
+                    <a:spcPts val="0"/>
+                  </a:spcBef>
+                  <a:spcAft>
+                    <a:spcPts val="0"/>
+                  </a:spcAft>
+                  <a:buClr>
+                    <a:schemeClr val="lt1"/>
+                  </a:buClr>
+                  <a:buSzPts val="2400"/>
+                  <a:buFont typeface="Montserrat"/>
+                  <a:buNone/>
+                  <a:defRPr sz="2400" b="0" i="0" u="none" strike="noStrike" cap="none">
+                    <a:solidFill>
+                      <a:schemeClr val="lt1"/>
+                    </a:solidFill>
+                    <a:latin typeface="Montserrat"/>
+                    <a:ea typeface="Montserrat"/>
+                    <a:cs typeface="Montserrat"/>
+                    <a:sym typeface="Montserrat"/>
+                  </a:defRPr>
+                </a:lvl7pPr>
+                <a:lvl8pPr marR="0" lvl="7" algn="l" rtl="0">
+                  <a:lnSpc>
+                    <a:spcPct val="100000"/>
+                  </a:lnSpc>
+                  <a:spcBef>
+                    <a:spcPts val="0"/>
+                  </a:spcBef>
+                  <a:spcAft>
+                    <a:spcPts val="0"/>
+                  </a:spcAft>
+                  <a:buClr>
+                    <a:schemeClr val="lt1"/>
+                  </a:buClr>
+                  <a:buSzPts val="2400"/>
+                  <a:buFont typeface="Montserrat"/>
+                  <a:buNone/>
+                  <a:defRPr sz="2400" b="0" i="0" u="none" strike="noStrike" cap="none">
+                    <a:solidFill>
+                      <a:schemeClr val="lt1"/>
+                    </a:solidFill>
+                    <a:latin typeface="Montserrat"/>
+                    <a:ea typeface="Montserrat"/>
+                    <a:cs typeface="Montserrat"/>
+                    <a:sym typeface="Montserrat"/>
+                  </a:defRPr>
+                </a:lvl8pPr>
+                <a:lvl9pPr marR="0" lvl="8" algn="l" rtl="0">
+                  <a:lnSpc>
+                    <a:spcPct val="100000"/>
+                  </a:lnSpc>
+                  <a:spcBef>
+                    <a:spcPts val="0"/>
+                  </a:spcBef>
+                  <a:spcAft>
+                    <a:spcPts val="0"/>
+                  </a:spcAft>
+                  <a:buClr>
+                    <a:schemeClr val="lt1"/>
+                  </a:buClr>
+                  <a:buSzPts val="2400"/>
+                  <a:buFont typeface="Montserrat"/>
+                  <a:buNone/>
+                  <a:defRPr sz="2400" b="0" i="0" u="none" strike="noStrike" cap="none">
+                    <a:solidFill>
+                      <a:schemeClr val="lt1"/>
+                    </a:solidFill>
+                    <a:latin typeface="Montserrat"/>
+                    <a:ea typeface="Montserrat"/>
+                    <a:cs typeface="Montserrat"/>
+                    <a:sym typeface="Montserrat"/>
+                  </a:defRPr>
+                </a:lvl9pPr>
+              </a:lstStyle>
+              <a:p>
+                <a:pPr algn="ctr"/>
+                <a:r>
+                  <a:rPr lang="en-US" b="1" dirty="0"/>
+                  <a:t>Benji</a:t>
+                </a:r>
+                <a:endParaRPr lang="hu-HU" sz="2800" b="1" dirty="0"/>
+              </a:p>
+            </p:txBody>
+          </p:sp>
+          <p:sp>
+            <p:nvSpPr>
+              <p:cNvPr id="4" name="Google Shape;206;p23">
+                <a:extLst>
+                  <a:ext uri="{FF2B5EF4-FFF2-40B4-BE49-F238E27FC236}">
+                    <a16:creationId xmlns:a16="http://schemas.microsoft.com/office/drawing/2014/main" id="{C0787328-4A8F-5A04-0617-6978BE47E4C0}"/>
+                  </a:ext>
+                </a:extLst>
+              </p:cNvPr>
+              <p:cNvSpPr txBox="1">
+                <a:spLocks/>
+              </p:cNvSpPr>
+              <p:nvPr/>
+            </p:nvSpPr>
+            <p:spPr>
+              <a:xfrm>
+                <a:off x="5022887" y="1827062"/>
+                <a:ext cx="1310116" cy="550182"/>
+              </a:xfrm>
+              <a:prstGeom prst="rect">
+                <a:avLst/>
+              </a:prstGeom>
+              <a:noFill/>
+              <a:ln>
+                <a:noFill/>
+              </a:ln>
+            </p:spPr>
+            <p:txBody>
+              <a:bodyPr spcFirstLastPara="1" wrap="square" lIns="91425" tIns="91425" rIns="91425" bIns="91425" anchor="t" anchorCtr="0">
+                <a:normAutofit/>
+              </a:bodyPr>
+              <a:lstStyle>
+                <a:defPPr marR="0" lvl="0" algn="l" rtl="0">
+                  <a:lnSpc>
+                    <a:spcPct val="100000"/>
+                  </a:lnSpc>
+                  <a:spcBef>
+                    <a:spcPts val="0"/>
+                  </a:spcBef>
+                  <a:spcAft>
+                    <a:spcPts val="0"/>
+                  </a:spcAft>
+                </a:defPPr>
+                <a:lvl1pPr marR="0" lvl="0" algn="l" rtl="0">
+                  <a:lnSpc>
+                    <a:spcPct val="100000"/>
+                  </a:lnSpc>
+                  <a:spcBef>
+                    <a:spcPts val="0"/>
+                  </a:spcBef>
+                  <a:spcAft>
+                    <a:spcPts val="0"/>
+                  </a:spcAft>
+                  <a:buClr>
+                    <a:schemeClr val="lt1"/>
+                  </a:buClr>
+                  <a:buSzPts val="2400"/>
+                  <a:buFont typeface="Montserrat"/>
+                  <a:buNone/>
+                  <a:defRPr sz="2400" b="0" i="0" u="none" strike="noStrike" cap="none">
+                    <a:solidFill>
+                      <a:schemeClr val="lt1"/>
+                    </a:solidFill>
+                    <a:latin typeface="Montserrat"/>
+                    <a:ea typeface="Montserrat"/>
+                    <a:cs typeface="Montserrat"/>
+                    <a:sym typeface="Montserrat"/>
+                  </a:defRPr>
+                </a:lvl1pPr>
+                <a:lvl2pPr marR="0" lvl="1" algn="l" rtl="0">
+                  <a:lnSpc>
+                    <a:spcPct val="100000"/>
+                  </a:lnSpc>
+                  <a:spcBef>
+                    <a:spcPts val="0"/>
+                  </a:spcBef>
+                  <a:spcAft>
+                    <a:spcPts val="0"/>
+                  </a:spcAft>
+                  <a:buClr>
+                    <a:schemeClr val="lt1"/>
+                  </a:buClr>
+                  <a:buSzPts val="2400"/>
+                  <a:buFont typeface="Montserrat"/>
+                  <a:buNone/>
+                  <a:defRPr sz="2400" b="0" i="0" u="none" strike="noStrike" cap="none">
+                    <a:solidFill>
+                      <a:schemeClr val="lt1"/>
+                    </a:solidFill>
+                    <a:latin typeface="Montserrat"/>
+                    <a:ea typeface="Montserrat"/>
+                    <a:cs typeface="Montserrat"/>
+                    <a:sym typeface="Montserrat"/>
+                  </a:defRPr>
+                </a:lvl2pPr>
+                <a:lvl3pPr marR="0" lvl="2" algn="l" rtl="0">
+                  <a:lnSpc>
+                    <a:spcPct val="100000"/>
+                  </a:lnSpc>
+                  <a:spcBef>
+                    <a:spcPts val="0"/>
+                  </a:spcBef>
+                  <a:spcAft>
+                    <a:spcPts val="0"/>
+                  </a:spcAft>
+                  <a:buClr>
+                    <a:schemeClr val="lt1"/>
+                  </a:buClr>
+                  <a:buSzPts val="2400"/>
+                  <a:buFont typeface="Montserrat"/>
+                  <a:buNone/>
+                  <a:defRPr sz="2400" b="0" i="0" u="none" strike="noStrike" cap="none">
+                    <a:solidFill>
+                      <a:schemeClr val="lt1"/>
+                    </a:solidFill>
+                    <a:latin typeface="Montserrat"/>
+                    <a:ea typeface="Montserrat"/>
+                    <a:cs typeface="Montserrat"/>
+                    <a:sym typeface="Montserrat"/>
+                  </a:defRPr>
+                </a:lvl3pPr>
+                <a:lvl4pPr marR="0" lvl="3" algn="l" rtl="0">
+                  <a:lnSpc>
+                    <a:spcPct val="100000"/>
+                  </a:lnSpc>
+                  <a:spcBef>
+                    <a:spcPts val="0"/>
+                  </a:spcBef>
+                  <a:spcAft>
+                    <a:spcPts val="0"/>
+                  </a:spcAft>
+                  <a:buClr>
+                    <a:schemeClr val="lt1"/>
+                  </a:buClr>
+                  <a:buSzPts val="2400"/>
+                  <a:buFont typeface="Montserrat"/>
+                  <a:buNone/>
+                  <a:defRPr sz="2400" b="0" i="0" u="none" strike="noStrike" cap="none">
+                    <a:solidFill>
+                      <a:schemeClr val="lt1"/>
+                    </a:solidFill>
+                    <a:latin typeface="Montserrat"/>
+                    <a:ea typeface="Montserrat"/>
+                    <a:cs typeface="Montserrat"/>
+                    <a:sym typeface="Montserrat"/>
+                  </a:defRPr>
+                </a:lvl4pPr>
+                <a:lvl5pPr marR="0" lvl="4" algn="l" rtl="0">
+                  <a:lnSpc>
+                    <a:spcPct val="100000"/>
+                  </a:lnSpc>
+                  <a:spcBef>
+                    <a:spcPts val="0"/>
+                  </a:spcBef>
+                  <a:spcAft>
+                    <a:spcPts val="0"/>
+                  </a:spcAft>
+                  <a:buClr>
+                    <a:schemeClr val="lt1"/>
+                  </a:buClr>
+                  <a:buSzPts val="2400"/>
+                  <a:buFont typeface="Montserrat"/>
+                  <a:buNone/>
+                  <a:defRPr sz="2400" b="0" i="0" u="none" strike="noStrike" cap="none">
+                    <a:solidFill>
+                      <a:schemeClr val="lt1"/>
+                    </a:solidFill>
+                    <a:latin typeface="Montserrat"/>
+                    <a:ea typeface="Montserrat"/>
+                    <a:cs typeface="Montserrat"/>
+                    <a:sym typeface="Montserrat"/>
+                  </a:defRPr>
+                </a:lvl5pPr>
+                <a:lvl6pPr marR="0" lvl="5" algn="l" rtl="0">
+                  <a:lnSpc>
+                    <a:spcPct val="100000"/>
+                  </a:lnSpc>
+                  <a:spcBef>
+                    <a:spcPts val="0"/>
+                  </a:spcBef>
+                  <a:spcAft>
+                    <a:spcPts val="0"/>
+                  </a:spcAft>
+                  <a:buClr>
+                    <a:schemeClr val="lt1"/>
+                  </a:buClr>
+                  <a:buSzPts val="2400"/>
+                  <a:buFont typeface="Montserrat"/>
+                  <a:buNone/>
+                  <a:defRPr sz="2400" b="0" i="0" u="none" strike="noStrike" cap="none">
+                    <a:solidFill>
+                      <a:schemeClr val="lt1"/>
+                    </a:solidFill>
+                    <a:latin typeface="Montserrat"/>
+                    <a:ea typeface="Montserrat"/>
+                    <a:cs typeface="Montserrat"/>
+                    <a:sym typeface="Montserrat"/>
+                  </a:defRPr>
+                </a:lvl6pPr>
+                <a:lvl7pPr marR="0" lvl="6" algn="l" rtl="0">
+                  <a:lnSpc>
+                    <a:spcPct val="100000"/>
+                  </a:lnSpc>
+                  <a:spcBef>
+                    <a:spcPts val="0"/>
+                  </a:spcBef>
+                  <a:spcAft>
+                    <a:spcPts val="0"/>
+                  </a:spcAft>
+                  <a:buClr>
+                    <a:schemeClr val="lt1"/>
+                  </a:buClr>
+                  <a:buSzPts val="2400"/>
+                  <a:buFont typeface="Montserrat"/>
+                  <a:buNone/>
+                  <a:defRPr sz="2400" b="0" i="0" u="none" strike="noStrike" cap="none">
+                    <a:solidFill>
+                      <a:schemeClr val="lt1"/>
+                    </a:solidFill>
+                    <a:latin typeface="Montserrat"/>
+                    <a:ea typeface="Montserrat"/>
+                    <a:cs typeface="Montserrat"/>
+                    <a:sym typeface="Montserrat"/>
+                  </a:defRPr>
+                </a:lvl7pPr>
+                <a:lvl8pPr marR="0" lvl="7" algn="l" rtl="0">
+                  <a:lnSpc>
+                    <a:spcPct val="100000"/>
+                  </a:lnSpc>
+                  <a:spcBef>
+                    <a:spcPts val="0"/>
+                  </a:spcBef>
+                  <a:spcAft>
+                    <a:spcPts val="0"/>
+                  </a:spcAft>
+                  <a:buClr>
+                    <a:schemeClr val="lt1"/>
+                  </a:buClr>
+                  <a:buSzPts val="2400"/>
+                  <a:buFont typeface="Montserrat"/>
+                  <a:buNone/>
+                  <a:defRPr sz="2400" b="0" i="0" u="none" strike="noStrike" cap="none">
+                    <a:solidFill>
+                      <a:schemeClr val="lt1"/>
+                    </a:solidFill>
+                    <a:latin typeface="Montserrat"/>
+                    <a:ea typeface="Montserrat"/>
+                    <a:cs typeface="Montserrat"/>
+                    <a:sym typeface="Montserrat"/>
+                  </a:defRPr>
+                </a:lvl8pPr>
+                <a:lvl9pPr marR="0" lvl="8" algn="l" rtl="0">
+                  <a:lnSpc>
+                    <a:spcPct val="100000"/>
+                  </a:lnSpc>
+                  <a:spcBef>
+                    <a:spcPts val="0"/>
+                  </a:spcBef>
+                  <a:spcAft>
+                    <a:spcPts val="0"/>
+                  </a:spcAft>
+                  <a:buClr>
+                    <a:schemeClr val="lt1"/>
+                  </a:buClr>
+                  <a:buSzPts val="2400"/>
+                  <a:buFont typeface="Montserrat"/>
+                  <a:buNone/>
+                  <a:defRPr sz="2400" b="0" i="0" u="none" strike="noStrike" cap="none">
+                    <a:solidFill>
+                      <a:schemeClr val="lt1"/>
+                    </a:solidFill>
+                    <a:latin typeface="Montserrat"/>
+                    <a:ea typeface="Montserrat"/>
+                    <a:cs typeface="Montserrat"/>
+                    <a:sym typeface="Montserrat"/>
+                  </a:defRPr>
+                </a:lvl9pPr>
+              </a:lstStyle>
+              <a:p>
+                <a:pPr algn="ctr"/>
+                <a:r>
+                  <a:rPr lang="en-US" b="1" dirty="0"/>
+                  <a:t>Levi</a:t>
+                </a:r>
+                <a:endParaRPr lang="hu-HU" sz="2800" b="1" dirty="0"/>
+              </a:p>
+            </p:txBody>
+          </p:sp>
+        </p:grpSp>
+      </p:grpSp>
     </p:spTree>
   </p:cSld>
   <p:clrMapOvr>
     <a:masterClrMapping/>
   </p:clrMapOvr>
-  <mc:AlternateContent xmlns:mc="http://schemas.openxmlformats.org/markup-compatibility/2006">
-    <mc:Choice xmlns:p159="http://schemas.microsoft.com/office/powerpoint/2015/09/main" Requires="p159">
+  <mc:AlternateContent xmlns:mc="http://schemas.openxmlformats.org/markup-compatibility/2006" xmlns:p159="http://schemas.microsoft.com/office/powerpoint/2015/09/main">
+    <mc:Choice Requires="p159">
       <p:transition xmlns:p14="http://schemas.microsoft.com/office/powerpoint/2010/main" spd="slow" p14:dur="2000">
         <p159:morph option="byObject"/>
       </p:transition>
     </mc:Choice>
-    <mc:Fallback>
+    <mc:Fallback xmlns="">
       <p:transition spd="slow">
         <p:fade/>
       </p:transition>
@@ -12168,7 +14047,442 @@
 </p:sld>
 </file>
 
-<file path=ppt/slides/slide12.xml><?xml version="1.0" encoding="utf-8"?>
+<file path=ppt/slides/slide13.xml><?xml version="1.0" encoding="utf-8"?>
+<p:sld xmlns:a="http://schemas.openxmlformats.org/drawingml/2006/main" xmlns:r="http://schemas.openxmlformats.org/officeDocument/2006/relationships" xmlns:p="http://schemas.openxmlformats.org/presentationml/2006/main">
+  <p:cSld>
+    <p:spTree>
+      <p:nvGrpSpPr>
+        <p:cNvPr id="1" name="Shape 186"/>
+        <p:cNvGrpSpPr/>
+        <p:nvPr/>
+      </p:nvGrpSpPr>
+      <p:grpSpPr>
+        <a:xfrm>
+          <a:off x="0" y="0"/>
+          <a:ext cx="0" cy="0"/>
+          <a:chOff x="0" y="0"/>
+          <a:chExt cx="0" cy="0"/>
+        </a:xfrm>
+      </p:grpSpPr>
+      <p:sp>
+        <p:nvSpPr>
+          <p:cNvPr id="187" name="Google Shape;187;p20"/>
+          <p:cNvSpPr txBox="1">
+            <a:spLocks noGrp="1"/>
+          </p:cNvSpPr>
+          <p:nvPr>
+            <p:ph type="title"/>
+          </p:nvPr>
+        </p:nvSpPr>
+        <p:spPr>
+          <a:xfrm>
+            <a:off x="1297500" y="393750"/>
+            <a:ext cx="7038900" cy="914100"/>
+          </a:xfrm>
+          <a:prstGeom prst="rect">
+            <a:avLst/>
+          </a:prstGeom>
+        </p:spPr>
+        <p:txBody>
+          <a:bodyPr spcFirstLastPara="1" wrap="square" lIns="91425" tIns="91425" rIns="91425" bIns="91425" anchor="t" anchorCtr="0">
+            <a:noAutofit/>
+          </a:bodyPr>
+          <a:lstStyle/>
+          <a:p>
+            <a:pPr marL="0" lvl="0" indent="0" algn="l" rtl="0">
+              <a:lnSpc>
+                <a:spcPct val="125000"/>
+              </a:lnSpc>
+              <a:spcBef>
+                <a:spcPts val="1800"/>
+              </a:spcBef>
+              <a:spcAft>
+                <a:spcPts val="0"/>
+              </a:spcAft>
+              <a:buNone/>
+            </a:pPr>
+            <a:r>
+              <a:rPr lang="hu-HU" b="1" noProof="0" dirty="0" err="1">
+                <a:solidFill>
+                  <a:srgbClr val="F0F6FC"/>
+                </a:solidFill>
+                <a:latin typeface="Arial"/>
+                <a:ea typeface="Arial"/>
+                <a:cs typeface="Arial"/>
+                <a:sym typeface="Arial"/>
+              </a:rPr>
+              <a:t>Továbbfejleszthetőség</a:t>
+            </a:r>
+            <a:endParaRPr lang="hu-HU" b="1" noProof="0" dirty="0">
+              <a:solidFill>
+                <a:srgbClr val="F0F6FC"/>
+              </a:solidFill>
+              <a:latin typeface="Arial"/>
+              <a:ea typeface="Arial"/>
+              <a:cs typeface="Arial"/>
+              <a:sym typeface="Arial"/>
+            </a:endParaRPr>
+          </a:p>
+          <a:p>
+            <a:pPr marL="0" lvl="0" indent="0" algn="l" rtl="0">
+              <a:spcBef>
+                <a:spcPts val="1200"/>
+              </a:spcBef>
+              <a:spcAft>
+                <a:spcPts val="0"/>
+              </a:spcAft>
+              <a:buNone/>
+            </a:pPr>
+            <a:endParaRPr lang="hu-HU" noProof="0" dirty="0"/>
+          </a:p>
+        </p:txBody>
+      </p:sp>
+      <p:sp>
+        <p:nvSpPr>
+          <p:cNvPr id="188" name="Google Shape;188;p20"/>
+          <p:cNvSpPr txBox="1">
+            <a:spLocks noGrp="1"/>
+          </p:cNvSpPr>
+          <p:nvPr>
+            <p:ph type="body" idx="1"/>
+          </p:nvPr>
+        </p:nvSpPr>
+        <p:spPr>
+          <a:xfrm>
+            <a:off x="1297500" y="1567550"/>
+            <a:ext cx="7038900" cy="2911200"/>
+          </a:xfrm>
+          <a:prstGeom prst="rect">
+            <a:avLst/>
+          </a:prstGeom>
+        </p:spPr>
+        <p:txBody>
+          <a:bodyPr spcFirstLastPara="1" wrap="square" lIns="91425" tIns="91425" rIns="91425" bIns="91425" anchor="t" anchorCtr="0">
+            <a:normAutofit/>
+          </a:bodyPr>
+          <a:lstStyle/>
+          <a:p>
+            <a:pPr marL="457200" lvl="0" indent="-298450" algn="l" rtl="0">
+              <a:spcBef>
+                <a:spcPts val="1200"/>
+              </a:spcBef>
+              <a:spcAft>
+                <a:spcPts val="0"/>
+              </a:spcAft>
+              <a:buClr>
+                <a:schemeClr val="lt1"/>
+              </a:buClr>
+              <a:buSzPts val="1100"/>
+              <a:buFont typeface="Arial"/>
+              <a:buChar char="●"/>
+            </a:pPr>
+            <a:r>
+              <a:rPr lang="hu-HU" sz="1100" b="1" noProof="0" dirty="0">
+                <a:latin typeface="Arial"/>
+                <a:ea typeface="Arial"/>
+                <a:cs typeface="Arial"/>
+                <a:sym typeface="Arial"/>
+              </a:rPr>
+              <a:t>Közösségi funkciók</a:t>
+            </a:r>
+            <a:r>
+              <a:rPr lang="hu-HU" sz="1100" noProof="0" dirty="0">
+                <a:latin typeface="Arial"/>
+                <a:ea typeface="Arial"/>
+                <a:cs typeface="Arial"/>
+                <a:sym typeface="Arial"/>
+              </a:rPr>
+              <a:t> – menetrendek megosztása</a:t>
+            </a:r>
+            <a:br>
+              <a:rPr lang="hu-HU" sz="1100" noProof="0" dirty="0">
+                <a:latin typeface="Arial"/>
+                <a:ea typeface="Arial"/>
+                <a:cs typeface="Arial"/>
+                <a:sym typeface="Arial"/>
+              </a:rPr>
+            </a:br>
+            <a:endParaRPr lang="hu-HU" sz="1100" noProof="0" dirty="0">
+              <a:latin typeface="Arial"/>
+              <a:ea typeface="Arial"/>
+              <a:cs typeface="Arial"/>
+              <a:sym typeface="Arial"/>
+            </a:endParaRPr>
+          </a:p>
+          <a:p>
+            <a:pPr marL="457200" lvl="0" indent="-298450" algn="l" rtl="0">
+              <a:spcBef>
+                <a:spcPts val="0"/>
+              </a:spcBef>
+              <a:spcAft>
+                <a:spcPts val="0"/>
+              </a:spcAft>
+              <a:buClr>
+                <a:schemeClr val="lt1"/>
+              </a:buClr>
+              <a:buSzPts val="1100"/>
+              <a:buFont typeface="Arial"/>
+              <a:buChar char="●"/>
+            </a:pPr>
+            <a:r>
+              <a:rPr lang="hu-HU" sz="1100" b="1" noProof="0" dirty="0">
+                <a:latin typeface="Arial"/>
+                <a:ea typeface="Arial"/>
+                <a:cs typeface="Arial"/>
+                <a:sym typeface="Arial"/>
+              </a:rPr>
+              <a:t>Személyre szabott értesítések</a:t>
+            </a:r>
+            <a:r>
+              <a:rPr lang="hu-HU" sz="1100" noProof="0" dirty="0">
+                <a:latin typeface="Arial"/>
+                <a:ea typeface="Arial"/>
+                <a:cs typeface="Arial"/>
+                <a:sym typeface="Arial"/>
+              </a:rPr>
+              <a:t> – késések, változások</a:t>
+            </a:r>
+            <a:br>
+              <a:rPr lang="hu-HU" sz="1100" noProof="0" dirty="0">
+                <a:latin typeface="Arial"/>
+                <a:ea typeface="Arial"/>
+                <a:cs typeface="Arial"/>
+                <a:sym typeface="Arial"/>
+              </a:rPr>
+            </a:br>
+            <a:endParaRPr lang="hu-HU" sz="1100" noProof="0" dirty="0">
+              <a:latin typeface="Arial"/>
+              <a:ea typeface="Arial"/>
+              <a:cs typeface="Arial"/>
+              <a:sym typeface="Arial"/>
+            </a:endParaRPr>
+          </a:p>
+          <a:p>
+            <a:pPr marL="457200" lvl="0" indent="-298450" algn="l" rtl="0">
+              <a:spcBef>
+                <a:spcPts val="0"/>
+              </a:spcBef>
+              <a:spcAft>
+                <a:spcPts val="0"/>
+              </a:spcAft>
+              <a:buClr>
+                <a:schemeClr val="lt1"/>
+              </a:buClr>
+              <a:buSzPts val="1100"/>
+              <a:buFont typeface="Arial"/>
+              <a:buChar char="●"/>
+            </a:pPr>
+            <a:r>
+              <a:rPr lang="hu-HU" sz="1100" b="1" noProof="0" dirty="0">
+                <a:latin typeface="Arial"/>
+                <a:ea typeface="Arial"/>
+                <a:cs typeface="Arial"/>
+                <a:sym typeface="Arial"/>
+              </a:rPr>
+              <a:t>Alternatív közlekedés</a:t>
+            </a:r>
+            <a:r>
+              <a:rPr lang="hu-HU" sz="1100" noProof="0" dirty="0">
+                <a:latin typeface="Arial"/>
+                <a:ea typeface="Arial"/>
+                <a:cs typeface="Arial"/>
+                <a:sym typeface="Arial"/>
+              </a:rPr>
+              <a:t> – bicikli, roller, gyalog</a:t>
+            </a:r>
+            <a:br>
+              <a:rPr lang="hu-HU" sz="1100" noProof="0" dirty="0">
+                <a:latin typeface="Arial"/>
+                <a:ea typeface="Arial"/>
+                <a:cs typeface="Arial"/>
+                <a:sym typeface="Arial"/>
+              </a:rPr>
+            </a:br>
+            <a:endParaRPr lang="hu-HU" sz="1100" noProof="0" dirty="0">
+              <a:latin typeface="Arial"/>
+              <a:ea typeface="Arial"/>
+              <a:cs typeface="Arial"/>
+              <a:sym typeface="Arial"/>
+            </a:endParaRPr>
+          </a:p>
+          <a:p>
+            <a:pPr marL="457200" lvl="0" indent="-298450" algn="l" rtl="0">
+              <a:spcBef>
+                <a:spcPts val="0"/>
+              </a:spcBef>
+              <a:spcAft>
+                <a:spcPts val="0"/>
+              </a:spcAft>
+              <a:buClr>
+                <a:schemeClr val="lt1"/>
+              </a:buClr>
+              <a:buSzPts val="1100"/>
+              <a:buFont typeface="Arial"/>
+              <a:buChar char="●"/>
+            </a:pPr>
+            <a:r>
+              <a:rPr lang="hu-HU" sz="1100" b="1" noProof="0" dirty="0">
+                <a:latin typeface="Arial"/>
+                <a:ea typeface="Arial"/>
+                <a:cs typeface="Arial"/>
+                <a:sym typeface="Arial"/>
+              </a:rPr>
+              <a:t>Okos útvonalajánlás</a:t>
+            </a:r>
+            <a:r>
+              <a:rPr lang="hu-HU" sz="1100" noProof="0" dirty="0">
+                <a:latin typeface="Arial"/>
+                <a:ea typeface="Arial"/>
+                <a:cs typeface="Arial"/>
+                <a:sym typeface="Arial"/>
+              </a:rPr>
+              <a:t> – felhasználói szokások alapján</a:t>
+            </a:r>
+            <a:br>
+              <a:rPr lang="hu-HU" sz="1100" noProof="0" dirty="0">
+                <a:latin typeface="Arial"/>
+                <a:ea typeface="Arial"/>
+                <a:cs typeface="Arial"/>
+                <a:sym typeface="Arial"/>
+              </a:rPr>
+            </a:br>
+            <a:endParaRPr lang="hu-HU" sz="1100" noProof="0" dirty="0">
+              <a:latin typeface="Arial"/>
+              <a:ea typeface="Arial"/>
+              <a:cs typeface="Arial"/>
+              <a:sym typeface="Arial"/>
+            </a:endParaRPr>
+          </a:p>
+          <a:p>
+            <a:pPr marL="457200" lvl="0" indent="-298450" algn="l" rtl="0">
+              <a:spcBef>
+                <a:spcPts val="0"/>
+              </a:spcBef>
+              <a:spcAft>
+                <a:spcPts val="0"/>
+              </a:spcAft>
+              <a:buClr>
+                <a:schemeClr val="lt1"/>
+              </a:buClr>
+              <a:buSzPts val="1100"/>
+              <a:buFont typeface="Arial"/>
+              <a:buChar char="●"/>
+            </a:pPr>
+            <a:r>
+              <a:rPr lang="hu-HU" sz="1100" b="1" noProof="0" dirty="0">
+                <a:latin typeface="Arial"/>
+                <a:ea typeface="Arial"/>
+                <a:cs typeface="Arial"/>
+                <a:sym typeface="Arial"/>
+              </a:rPr>
+              <a:t>Mobilalkalmazás</a:t>
+            </a:r>
+            <a:r>
+              <a:rPr lang="hu-HU" sz="1100" noProof="0" dirty="0">
+                <a:latin typeface="Arial"/>
+                <a:ea typeface="Arial"/>
+                <a:cs typeface="Arial"/>
+                <a:sym typeface="Arial"/>
+              </a:rPr>
+              <a:t> – Android és iOS verzió</a:t>
+            </a:r>
+            <a:br>
+              <a:rPr lang="hu-HU" sz="1100" noProof="0" dirty="0">
+                <a:latin typeface="Arial"/>
+                <a:ea typeface="Arial"/>
+                <a:cs typeface="Arial"/>
+                <a:sym typeface="Arial"/>
+              </a:rPr>
+            </a:br>
+            <a:endParaRPr lang="hu-HU" sz="1100" noProof="0" dirty="0">
+              <a:latin typeface="Arial"/>
+              <a:ea typeface="Arial"/>
+              <a:cs typeface="Arial"/>
+              <a:sym typeface="Arial"/>
+            </a:endParaRPr>
+          </a:p>
+          <a:p>
+            <a:pPr marL="0" lvl="0" indent="0" algn="l" rtl="0">
+              <a:spcBef>
+                <a:spcPts val="1200"/>
+              </a:spcBef>
+              <a:spcAft>
+                <a:spcPts val="1200"/>
+              </a:spcAft>
+              <a:buNone/>
+            </a:pPr>
+            <a:endParaRPr lang="hu-HU" noProof="0" dirty="0"/>
+          </a:p>
+        </p:txBody>
+      </p:sp>
+      <p:pic>
+        <p:nvPicPr>
+          <p:cNvPr id="5122" name="Picture 2" descr="Development - Free miscellaneous icons">
+            <a:extLst>
+              <a:ext uri="{FF2B5EF4-FFF2-40B4-BE49-F238E27FC236}">
+                <a16:creationId xmlns:a16="http://schemas.microsoft.com/office/drawing/2014/main" id="{954DA233-05C0-C6C1-24D7-38D6AA95D827}"/>
+              </a:ext>
+            </a:extLst>
+          </p:cNvPr>
+          <p:cNvPicPr>
+            <a:picLocks noChangeAspect="1" noChangeArrowheads="1"/>
+          </p:cNvPicPr>
+          <p:nvPr/>
+        </p:nvPicPr>
+        <p:blipFill>
+          <a:blip r:embed="rId3">
+            <a:extLst>
+              <a:ext uri="{28A0092B-C50C-407E-A947-70E740481C1C}">
+                <a14:useLocalDpi xmlns:a14="http://schemas.microsoft.com/office/drawing/2010/main" val="0"/>
+              </a:ext>
+            </a:extLst>
+          </a:blip>
+          <a:srcRect/>
+          <a:stretch>
+            <a:fillRect/>
+          </a:stretch>
+        </p:blipFill>
+        <p:spPr bwMode="auto">
+          <a:xfrm>
+            <a:off x="5570220" y="927735"/>
+            <a:ext cx="3288030" cy="3288030"/>
+          </a:xfrm>
+          <a:prstGeom prst="rect">
+            <a:avLst/>
+          </a:prstGeom>
+          <a:noFill/>
+          <a:extLst>
+            <a:ext uri="{909E8E84-426E-40DD-AFC4-6F175D3DCCD1}">
+              <a14:hiddenFill xmlns:a14="http://schemas.microsoft.com/office/drawing/2010/main">
+                <a:solidFill>
+                  <a:srgbClr val="FFFFFF"/>
+                </a:solidFill>
+              </a14:hiddenFill>
+            </a:ext>
+          </a:extLst>
+        </p:spPr>
+      </p:pic>
+    </p:spTree>
+  </p:cSld>
+  <p:clrMapOvr>
+    <a:masterClrMapping/>
+  </p:clrMapOvr>
+  <mc:AlternateContent xmlns:mc="http://schemas.openxmlformats.org/markup-compatibility/2006" xmlns:p159="http://schemas.microsoft.com/office/powerpoint/2015/09/main">
+    <mc:Choice Requires="p159">
+      <p:transition xmlns:p14="http://schemas.microsoft.com/office/powerpoint/2010/main" spd="slow" p14:dur="2000">
+        <p159:morph option="byObject"/>
+      </p:transition>
+    </mc:Choice>
+    <mc:Fallback xmlns="">
+      <p:transition spd="slow">
+        <p:fade/>
+      </p:transition>
+    </mc:Fallback>
+  </mc:AlternateContent>
+</p:sld>
+</file>
+
+<file path=ppt/slides/slide14.xml><?xml version="1.0" encoding="utf-8"?>
 <p:sld xmlns:a="http://schemas.openxmlformats.org/drawingml/2006/main" xmlns:r="http://schemas.openxmlformats.org/officeDocument/2006/relationships" xmlns:p="http://schemas.openxmlformats.org/presentationml/2006/main">
   <p:cSld>
     <p:spTree>
@@ -12220,7 +14534,7 @@
               <a:buNone/>
             </a:pPr>
             <a:r>
-              <a:rPr lang="hu" sz="3100" dirty="0">
+              <a:rPr lang="hu-HU" sz="3100" noProof="0" dirty="0">
                 <a:latin typeface="Lato"/>
                 <a:ea typeface="Lato"/>
                 <a:cs typeface="Lato"/>
@@ -12228,12 +14542,6 @@
               </a:rPr>
               <a:t>Köszönjük a figyelmet!</a:t>
             </a:r>
-            <a:endParaRPr sz="3100" dirty="0">
-              <a:latin typeface="Lato"/>
-              <a:ea typeface="Lato"/>
-              <a:cs typeface="Lato"/>
-              <a:sym typeface="Lato"/>
-            </a:endParaRPr>
           </a:p>
           <a:p>
             <a:pPr marL="0" lvl="0" indent="0" algn="l" rtl="0">
@@ -12245,7 +14553,7 @@
               </a:spcAft>
               <a:buNone/>
             </a:pPr>
-            <a:endParaRPr dirty="0"/>
+            <a:endParaRPr lang="hu-HU" noProof="0" dirty="0"/>
           </a:p>
         </p:txBody>
       </p:sp>
@@ -12288,13 +14596,13 @@
   <p:clrMapOvr>
     <a:masterClrMapping/>
   </p:clrMapOvr>
-  <mc:AlternateContent xmlns:mc="http://schemas.openxmlformats.org/markup-compatibility/2006">
-    <mc:Choice xmlns:p159="http://schemas.microsoft.com/office/powerpoint/2015/09/main" Requires="p159">
+  <mc:AlternateContent xmlns:mc="http://schemas.openxmlformats.org/markup-compatibility/2006" xmlns:p159="http://schemas.microsoft.com/office/powerpoint/2015/09/main">
+    <mc:Choice Requires="p159">
       <p:transition xmlns:p14="http://schemas.microsoft.com/office/powerpoint/2010/main" spd="slow" p14:dur="2000">
         <p159:morph option="byObject"/>
       </p:transition>
     </mc:Choice>
-    <mc:Fallback>
+    <mc:Fallback xmlns="">
       <p:transition spd="slow">
         <p:fade/>
       </p:transition>
@@ -12359,7 +14667,7 @@
               <a:buNone/>
             </a:pPr>
             <a:r>
-              <a:rPr lang="hu" sz="2430" b="1">
+              <a:rPr lang="hu-HU" sz="2430" b="1" noProof="0" dirty="0">
                 <a:solidFill>
                   <a:srgbClr val="F0F6FC"/>
                 </a:solidFill>
@@ -12370,15 +14678,6 @@
               </a:rPr>
               <a:t>Miről szól az alkalmazás?</a:t>
             </a:r>
-            <a:endParaRPr sz="2430" b="1">
-              <a:solidFill>
-                <a:srgbClr val="F0F6FC"/>
-              </a:solidFill>
-              <a:latin typeface="Arial"/>
-              <a:ea typeface="Arial"/>
-              <a:cs typeface="Arial"/>
-              <a:sym typeface="Arial"/>
-            </a:endParaRPr>
           </a:p>
           <a:p>
             <a:pPr marL="0" lvl="0" indent="0" algn="l" rtl="0">
@@ -12391,7 +14690,7 @@
               <a:buSzPts val="990"/>
               <a:buNone/>
             </a:pPr>
-            <a:endParaRPr sz="3060" b="1"/>
+            <a:endParaRPr lang="hu-HU" sz="3060" b="1" noProof="0" dirty="0"/>
           </a:p>
         </p:txBody>
       </p:sp>
@@ -12434,20 +14733,50 @@
               <a:buNone/>
             </a:pPr>
             <a:r>
-              <a:rPr lang="hu" sz="1200">
+              <a:rPr lang="hu-HU" sz="1200" noProof="0" dirty="0">
                 <a:latin typeface="Arial"/>
                 <a:ea typeface="Arial"/>
                 <a:cs typeface="Arial"/>
                 <a:sym typeface="Arial"/>
               </a:rPr>
-              <a:t>A HovaTovább egy modern menetrendtervező alkalmazás, amelynek célja, hogy a magyarországi tömegközlekedés használatát gyorsabbá, átláthatóbbá és felhasználóbarátabbá tegye. Az alkalmazás egy helyen teszi elérhetővé a különböző közlekedési eszközök menetrendjeit, így megkönnyíti a mindennapi utazások megtervezését.</a:t>
+              <a:t>A </a:t>
             </a:r>
-            <a:endParaRPr sz="1200">
-              <a:latin typeface="Arial"/>
-              <a:ea typeface="Arial"/>
-              <a:cs typeface="Arial"/>
-              <a:sym typeface="Arial"/>
-            </a:endParaRPr>
+            <a:r>
+              <a:rPr lang="hu-HU" sz="1200" noProof="0" dirty="0" err="1">
+                <a:latin typeface="Arial"/>
+                <a:ea typeface="Arial"/>
+                <a:cs typeface="Arial"/>
+                <a:sym typeface="Arial"/>
+              </a:rPr>
+              <a:t>HovaTovább</a:t>
+            </a:r>
+            <a:r>
+              <a:rPr lang="hu-HU" sz="1200" noProof="0" dirty="0">
+                <a:latin typeface="Arial"/>
+                <a:ea typeface="Arial"/>
+                <a:cs typeface="Arial"/>
+                <a:sym typeface="Arial"/>
+              </a:rPr>
+              <a:t> egy modern menetrendtervező alkalmazás, amelynek célja, hogy a magyarországi tömegközlekedés használatát gyorsabbá, átláthatóbbá és </a:t>
+            </a:r>
+            <a:r>
+              <a:rPr lang="hu-HU" sz="1200" noProof="0" dirty="0" err="1">
+                <a:latin typeface="Arial"/>
+                <a:ea typeface="Arial"/>
+                <a:cs typeface="Arial"/>
+                <a:sym typeface="Arial"/>
+              </a:rPr>
+              <a:t>felhasználóbarátabbá</a:t>
+            </a:r>
+            <a:r>
+              <a:rPr lang="hu-HU" sz="1200" noProof="0" dirty="0">
+                <a:latin typeface="Arial"/>
+                <a:ea typeface="Arial"/>
+                <a:cs typeface="Arial"/>
+                <a:sym typeface="Arial"/>
+              </a:rPr>
+              <a:t> tegye. Az alkalmazás egy helyen teszi elérhetővé a különböző közlekedési eszközök menetrendjeit, így megkönnyíti a mindennapi utazások megtervezését.</a:t>
+            </a:r>
           </a:p>
           <a:p>
             <a:pPr marL="0" lvl="0" indent="0" algn="just" rtl="0">
@@ -12460,7 +14789,7 @@
               <a:buNone/>
             </a:pPr>
             <a:r>
-              <a:rPr lang="hu" sz="1200">
+              <a:rPr lang="hu-HU" sz="1200" noProof="0" dirty="0">
                 <a:latin typeface="Arial"/>
                 <a:ea typeface="Arial"/>
                 <a:cs typeface="Arial"/>
@@ -12468,12 +14797,6 @@
               </a:rPr>
               <a:t>Az app automatikus útvonaltervezést kínál, amely figyelembe veszi az indulási és érkezési helyet, valamint a lehető legoptimálisabb útvonalakat. Emellett lehetőséget biztosít manuális menetrend-összeállításra is, így a felhasználók saját igényeik szerint alakíthatják az utazásukat.</a:t>
             </a:r>
-            <a:endParaRPr sz="1200">
-              <a:latin typeface="Arial"/>
-              <a:ea typeface="Arial"/>
-              <a:cs typeface="Arial"/>
-              <a:sym typeface="Arial"/>
-            </a:endParaRPr>
           </a:p>
           <a:p>
             <a:pPr marL="0" lvl="0" indent="0" algn="just" rtl="0">
@@ -12485,7 +14808,7 @@
               </a:spcAft>
               <a:buNone/>
             </a:pPr>
-            <a:endParaRPr sz="1400"/>
+            <a:endParaRPr lang="hu-HU" sz="1400" noProof="0" dirty="0"/>
           </a:p>
         </p:txBody>
       </p:sp>
@@ -12528,6 +14851,400 @@
   <p:clrMapOvr>
     <a:masterClrMapping/>
   </p:clrMapOvr>
+  <mc:AlternateContent xmlns:mc="http://schemas.openxmlformats.org/markup-compatibility/2006" xmlns:p159="http://schemas.microsoft.com/office/powerpoint/2015/09/main">
+    <mc:Choice Requires="p159">
+      <p:transition xmlns:p14="http://schemas.microsoft.com/office/powerpoint/2010/main" spd="slow" p14:dur="2000">
+        <p159:morph option="byObject"/>
+      </p:transition>
+    </mc:Choice>
+    <mc:Fallback xmlns="">
+      <p:transition spd="slow">
+        <p:fade/>
+      </p:transition>
+    </mc:Fallback>
+  </mc:AlternateContent>
+</p:sld>
+</file>
+
+<file path=ppt/slides/slide3.xml><?xml version="1.0" encoding="utf-8"?>
+<p:sld xmlns:a="http://schemas.openxmlformats.org/drawingml/2006/main" xmlns:r="http://schemas.openxmlformats.org/officeDocument/2006/relationships" xmlns:p="http://schemas.openxmlformats.org/presentationml/2006/main">
+  <p:cSld>
+    <p:spTree>
+      <p:nvGrpSpPr>
+        <p:cNvPr id="1" name="Shape 141">
+          <a:extLst>
+            <a:ext uri="{FF2B5EF4-FFF2-40B4-BE49-F238E27FC236}">
+              <a16:creationId xmlns:a16="http://schemas.microsoft.com/office/drawing/2014/main" id="{E44F4225-DE33-ED49-EE34-11CB607280C4}"/>
+            </a:ext>
+          </a:extLst>
+        </p:cNvPr>
+        <p:cNvGrpSpPr/>
+        <p:nvPr/>
+      </p:nvGrpSpPr>
+      <p:grpSpPr>
+        <a:xfrm>
+          <a:off x="0" y="0"/>
+          <a:ext cx="0" cy="0"/>
+          <a:chOff x="0" y="0"/>
+          <a:chExt cx="0" cy="0"/>
+        </a:xfrm>
+      </p:grpSpPr>
+      <p:sp>
+        <p:nvSpPr>
+          <p:cNvPr id="142" name="Google Shape;142;p14">
+            <a:extLst>
+              <a:ext uri="{FF2B5EF4-FFF2-40B4-BE49-F238E27FC236}">
+                <a16:creationId xmlns:a16="http://schemas.microsoft.com/office/drawing/2014/main" id="{6652CD01-6465-03ED-D32D-D1940910EB78}"/>
+              </a:ext>
+            </a:extLst>
+          </p:cNvPr>
+          <p:cNvSpPr txBox="1">
+            <a:spLocks noGrp="1"/>
+          </p:cNvSpPr>
+          <p:nvPr>
+            <p:ph type="title"/>
+          </p:nvPr>
+        </p:nvSpPr>
+        <p:spPr>
+          <a:xfrm>
+            <a:off x="1297500" y="393750"/>
+            <a:ext cx="7038900" cy="914100"/>
+          </a:xfrm>
+          <a:prstGeom prst="rect">
+            <a:avLst/>
+          </a:prstGeom>
+        </p:spPr>
+        <p:txBody>
+          <a:bodyPr spcFirstLastPara="1" wrap="square" lIns="91425" tIns="91425" rIns="91425" bIns="91425" anchor="t" anchorCtr="0">
+            <a:noAutofit/>
+          </a:bodyPr>
+          <a:lstStyle/>
+          <a:p>
+            <a:pPr marL="0" lvl="0" indent="0" algn="l" rtl="0">
+              <a:lnSpc>
+                <a:spcPct val="125000"/>
+              </a:lnSpc>
+              <a:spcBef>
+                <a:spcPts val="1800"/>
+              </a:spcBef>
+              <a:spcAft>
+                <a:spcPts val="0"/>
+              </a:spcAft>
+              <a:buSzPts val="990"/>
+              <a:buNone/>
+            </a:pPr>
+            <a:r>
+              <a:rPr lang="en-US" sz="2430" b="1" noProof="0" dirty="0" err="1">
+                <a:solidFill>
+                  <a:srgbClr val="F0F6FC"/>
+                </a:solidFill>
+                <a:latin typeface="Arial"/>
+                <a:ea typeface="Arial"/>
+                <a:cs typeface="Arial"/>
+                <a:sym typeface="Arial"/>
+              </a:rPr>
+              <a:t>Miért</a:t>
+            </a:r>
+            <a:r>
+              <a:rPr lang="en-US" sz="2430" b="1" noProof="0" dirty="0">
+                <a:solidFill>
+                  <a:srgbClr val="F0F6FC"/>
+                </a:solidFill>
+                <a:latin typeface="Arial"/>
+                <a:ea typeface="Arial"/>
+                <a:cs typeface="Arial"/>
+                <a:sym typeface="Arial"/>
+              </a:rPr>
+              <a:t> </a:t>
+            </a:r>
+            <a:r>
+              <a:rPr lang="en-US" sz="2430" b="1" noProof="0" dirty="0" err="1">
+                <a:solidFill>
+                  <a:srgbClr val="F0F6FC"/>
+                </a:solidFill>
+                <a:latin typeface="Arial"/>
+                <a:ea typeface="Arial"/>
+                <a:cs typeface="Arial"/>
+                <a:sym typeface="Arial"/>
+              </a:rPr>
+              <a:t>ezt</a:t>
+            </a:r>
+            <a:r>
+              <a:rPr lang="en-US" sz="2430" b="1" noProof="0" dirty="0">
+                <a:solidFill>
+                  <a:srgbClr val="F0F6FC"/>
+                </a:solidFill>
+                <a:latin typeface="Arial"/>
+                <a:ea typeface="Arial"/>
+                <a:cs typeface="Arial"/>
+                <a:sym typeface="Arial"/>
+              </a:rPr>
+              <a:t> a </a:t>
+            </a:r>
+            <a:r>
+              <a:rPr lang="en-US" sz="2430" b="1" noProof="0" dirty="0" err="1">
+                <a:solidFill>
+                  <a:srgbClr val="F0F6FC"/>
+                </a:solidFill>
+                <a:latin typeface="Arial"/>
+                <a:ea typeface="Arial"/>
+                <a:cs typeface="Arial"/>
+                <a:sym typeface="Arial"/>
+              </a:rPr>
+              <a:t>témakört</a:t>
+            </a:r>
+            <a:r>
+              <a:rPr lang="en-US" sz="2430" b="1" noProof="0" dirty="0">
+                <a:solidFill>
+                  <a:srgbClr val="F0F6FC"/>
+                </a:solidFill>
+                <a:latin typeface="Arial"/>
+                <a:ea typeface="Arial"/>
+                <a:cs typeface="Arial"/>
+                <a:sym typeface="Arial"/>
+              </a:rPr>
+              <a:t> </a:t>
+            </a:r>
+            <a:r>
+              <a:rPr lang="en-US" sz="2430" b="1" noProof="0" dirty="0" err="1">
+                <a:solidFill>
+                  <a:srgbClr val="F0F6FC"/>
+                </a:solidFill>
+                <a:latin typeface="Arial"/>
+                <a:ea typeface="Arial"/>
+                <a:cs typeface="Arial"/>
+                <a:sym typeface="Arial"/>
+              </a:rPr>
+              <a:t>választottuk</a:t>
+            </a:r>
+            <a:r>
+              <a:rPr lang="en-US" sz="2430" b="1" noProof="0" dirty="0">
+                <a:solidFill>
+                  <a:srgbClr val="F0F6FC"/>
+                </a:solidFill>
+                <a:latin typeface="Arial"/>
+                <a:ea typeface="Arial"/>
+                <a:cs typeface="Arial"/>
+                <a:sym typeface="Arial"/>
+              </a:rPr>
+              <a:t>?</a:t>
+            </a:r>
+            <a:endParaRPr lang="hu-HU" sz="3060" b="1" noProof="0" dirty="0"/>
+          </a:p>
+        </p:txBody>
+      </p:sp>
+      <p:sp>
+        <p:nvSpPr>
+          <p:cNvPr id="143" name="Google Shape;143;p14">
+            <a:extLst>
+              <a:ext uri="{FF2B5EF4-FFF2-40B4-BE49-F238E27FC236}">
+                <a16:creationId xmlns:a16="http://schemas.microsoft.com/office/drawing/2014/main" id="{0627BAA9-CBFC-0D63-2CA9-8A7334D2B2BC}"/>
+              </a:ext>
+            </a:extLst>
+          </p:cNvPr>
+          <p:cNvSpPr txBox="1">
+            <a:spLocks noGrp="1"/>
+          </p:cNvSpPr>
+          <p:nvPr>
+            <p:ph type="body" idx="1"/>
+          </p:nvPr>
+        </p:nvSpPr>
+        <p:spPr>
+          <a:xfrm>
+            <a:off x="1254000" y="1496750"/>
+            <a:ext cx="7038900" cy="2911200"/>
+          </a:xfrm>
+          <a:prstGeom prst="rect">
+            <a:avLst/>
+          </a:prstGeom>
+          <a:noFill/>
+          <a:ln>
+            <a:noFill/>
+          </a:ln>
+        </p:spPr>
+        <p:txBody>
+          <a:bodyPr spcFirstLastPara="1" wrap="square" lIns="91425" tIns="91425" rIns="91425" bIns="91425" anchor="t" anchorCtr="0">
+            <a:normAutofit/>
+          </a:bodyPr>
+          <a:lstStyle/>
+          <a:p>
+            <a:pPr marL="171450" indent="-171450" algn="just">
+              <a:spcBef>
+                <a:spcPts val="1200"/>
+              </a:spcBef>
+            </a:pPr>
+            <a:r>
+              <a:rPr lang="hu-HU" sz="1200" dirty="0">
+                <a:latin typeface="Arial"/>
+                <a:ea typeface="Arial"/>
+                <a:cs typeface="Arial"/>
+                <a:sym typeface="Arial"/>
+              </a:rPr>
+              <a:t>Egy korábbi </a:t>
+            </a:r>
+            <a:r>
+              <a:rPr lang="en-US" sz="1200" dirty="0" err="1">
+                <a:latin typeface="Arial"/>
+                <a:ea typeface="Arial"/>
+                <a:cs typeface="Arial"/>
+                <a:sym typeface="Arial"/>
+              </a:rPr>
+              <a:t>utazás</a:t>
+            </a:r>
+            <a:r>
+              <a:rPr lang="hu-HU" sz="1200" dirty="0">
+                <a:latin typeface="Arial"/>
+                <a:ea typeface="Arial"/>
+                <a:cs typeface="Arial"/>
+                <a:sym typeface="Arial"/>
+              </a:rPr>
+              <a:t> során egy távolabbi úti célra kellett eljutnom  </a:t>
+            </a:r>
+            <a:endParaRPr lang="en-US" sz="1200" dirty="0">
+              <a:latin typeface="Arial"/>
+              <a:ea typeface="Arial"/>
+              <a:cs typeface="Arial"/>
+              <a:sym typeface="Arial"/>
+            </a:endParaRPr>
+          </a:p>
+          <a:p>
+            <a:pPr marL="171450" indent="-171450" algn="just">
+              <a:spcBef>
+                <a:spcPts val="1200"/>
+              </a:spcBef>
+              <a:buFont typeface="Lato" panose="020F0502020204030203" pitchFamily="34" charset="0"/>
+              <a:buChar char="→"/>
+            </a:pPr>
+            <a:r>
+              <a:rPr lang="hu-HU" sz="1200" i="1" dirty="0">
+                <a:latin typeface="Arial"/>
+                <a:ea typeface="Arial"/>
+                <a:cs typeface="Arial"/>
+                <a:sym typeface="Arial"/>
+              </a:rPr>
+              <a:t>Az út több átszállást tartalmazott, különböző szolgáltatók járataival  </a:t>
+            </a:r>
+            <a:endParaRPr lang="en-US" sz="1200" i="1" dirty="0">
+              <a:latin typeface="Arial"/>
+              <a:ea typeface="Arial"/>
+              <a:cs typeface="Arial"/>
+              <a:sym typeface="Arial"/>
+            </a:endParaRPr>
+          </a:p>
+          <a:p>
+            <a:pPr marL="171450" indent="-171450" algn="just">
+              <a:spcBef>
+                <a:spcPts val="1200"/>
+              </a:spcBef>
+            </a:pPr>
+            <a:r>
+              <a:rPr lang="hu-HU" sz="1200" b="1" dirty="0">
+                <a:latin typeface="Arial"/>
+                <a:ea typeface="Arial"/>
+                <a:cs typeface="Arial"/>
+                <a:sym typeface="Arial"/>
+              </a:rPr>
+              <a:t>A meglévő menetrend-alkalmazások:</a:t>
+            </a:r>
+            <a:r>
+              <a:rPr lang="en-US" sz="1200" b="1" dirty="0">
+                <a:latin typeface="Arial"/>
+                <a:ea typeface="Arial"/>
+                <a:cs typeface="Arial"/>
+                <a:sym typeface="Arial"/>
+              </a:rPr>
+              <a:t> </a:t>
+            </a:r>
+            <a:r>
+              <a:rPr lang="hu-HU" sz="1200" dirty="0">
+                <a:latin typeface="Arial"/>
+                <a:ea typeface="Arial"/>
+                <a:cs typeface="Arial"/>
+                <a:sym typeface="Arial"/>
+              </a:rPr>
+              <a:t>nem tudtak időben optimális útvonalat ajánlani  nem vették figyelembe megfelelően az árakat és kedvezményeket  </a:t>
+            </a:r>
+            <a:endParaRPr lang="en-US" sz="1200" dirty="0">
+              <a:latin typeface="Arial"/>
+              <a:ea typeface="Arial"/>
+              <a:cs typeface="Arial"/>
+              <a:sym typeface="Arial"/>
+            </a:endParaRPr>
+          </a:p>
+          <a:p>
+            <a:pPr marL="171450" indent="-171450" algn="just">
+              <a:spcBef>
+                <a:spcPts val="1200"/>
+              </a:spcBef>
+              <a:buFont typeface="Lato" panose="020F0502020204030203" pitchFamily="34" charset="0"/>
+              <a:buChar char="→"/>
+            </a:pPr>
+            <a:r>
+              <a:rPr lang="hu-HU" sz="1200" i="1" dirty="0">
+                <a:latin typeface="Arial"/>
+                <a:ea typeface="Arial"/>
+                <a:cs typeface="Arial"/>
+                <a:sym typeface="Arial"/>
+              </a:rPr>
+              <a:t>Emiatt az utazást kézzel kellett </a:t>
+            </a:r>
+            <a:r>
+              <a:rPr lang="en-US" sz="1200" i="1" dirty="0" err="1">
+                <a:latin typeface="Arial"/>
+                <a:ea typeface="Arial"/>
+                <a:cs typeface="Arial"/>
+                <a:sym typeface="Arial"/>
+              </a:rPr>
+              <a:t>megtervezni</a:t>
+            </a:r>
+            <a:endParaRPr lang="hu-HU" sz="1400" i="1" noProof="0" dirty="0"/>
+          </a:p>
+        </p:txBody>
+      </p:sp>
+      <p:pic>
+        <p:nvPicPr>
+          <p:cNvPr id="2" name="Google Shape;137;p13">
+            <a:extLst>
+              <a:ext uri="{FF2B5EF4-FFF2-40B4-BE49-F238E27FC236}">
+                <a16:creationId xmlns:a16="http://schemas.microsoft.com/office/drawing/2014/main" id="{5DFBFEBD-33EA-4A17-D11A-C4636B77EADB}"/>
+              </a:ext>
+            </a:extLst>
+          </p:cNvPr>
+          <p:cNvPicPr preferRelativeResize="0"/>
+          <p:nvPr/>
+        </p:nvPicPr>
+        <p:blipFill>
+          <a:blip r:embed="rId3">
+            <a:alphaModFix/>
+          </a:blip>
+          <a:stretch>
+            <a:fillRect/>
+          </a:stretch>
+        </p:blipFill>
+        <p:spPr>
+          <a:xfrm>
+            <a:off x="4197762" y="4001275"/>
+            <a:ext cx="748475" cy="748475"/>
+          </a:xfrm>
+          <a:prstGeom prst="rect">
+            <a:avLst/>
+          </a:prstGeom>
+          <a:noFill/>
+          <a:ln>
+            <a:noFill/>
+          </a:ln>
+        </p:spPr>
+      </p:pic>
+    </p:spTree>
+    <p:extLst>
+      <p:ext uri="{BB962C8B-B14F-4D97-AF65-F5344CB8AC3E}">
+        <p14:creationId xmlns:p14="http://schemas.microsoft.com/office/powerpoint/2010/main" val="2552227366"/>
+      </p:ext>
+    </p:extLst>
+  </p:cSld>
+  <p:clrMapOvr>
+    <a:masterClrMapping/>
+  </p:clrMapOvr>
   <mc:AlternateContent xmlns:mc="http://schemas.openxmlformats.org/markup-compatibility/2006">
     <mc:Choice xmlns:p159="http://schemas.microsoft.com/office/powerpoint/2015/09/main" Requires="p159">
       <p:transition xmlns:p14="http://schemas.microsoft.com/office/powerpoint/2010/main" spd="slow" p14:dur="2000">
@@ -12543,7 +15260,7 @@
 </p:sld>
 </file>
 
-<file path=ppt/slides/slide3.xml><?xml version="1.0" encoding="utf-8"?>
+<file path=ppt/slides/slide4.xml><?xml version="1.0" encoding="utf-8"?>
 <p:sld xmlns:a="http://schemas.openxmlformats.org/drawingml/2006/main" xmlns:r="http://schemas.openxmlformats.org/officeDocument/2006/relationships" xmlns:p="http://schemas.openxmlformats.org/presentationml/2006/main">
   <p:cSld>
     <p:spTree>
@@ -12599,7 +15316,7 @@
               <a:buNone/>
             </a:pPr>
             <a:r>
-              <a:rPr lang="hu" sz="2430" b="1">
+              <a:rPr lang="hu-HU" sz="2430" b="1" noProof="0" dirty="0">
                 <a:solidFill>
                   <a:srgbClr val="F0F6FC"/>
                 </a:solidFill>
@@ -12610,15 +15327,6 @@
               </a:rPr>
               <a:t>Célunk az alkalmazással</a:t>
             </a:r>
-            <a:endParaRPr sz="2430" b="1">
-              <a:solidFill>
-                <a:srgbClr val="F0F6FC"/>
-              </a:solidFill>
-              <a:latin typeface="Arial"/>
-              <a:ea typeface="Arial"/>
-              <a:cs typeface="Arial"/>
-              <a:sym typeface="Arial"/>
-            </a:endParaRPr>
           </a:p>
           <a:p>
             <a:pPr marL="0" lvl="0" indent="0" algn="l" rtl="0">
@@ -12631,7 +15339,7 @@
               <a:buSzPts val="990"/>
               <a:buNone/>
             </a:pPr>
-            <a:endParaRPr sz="3060"/>
+            <a:endParaRPr lang="hu-HU" sz="3060" noProof="0" dirty="0"/>
           </a:p>
         </p:txBody>
       </p:sp>
@@ -12675,7 +15383,7 @@
               <a:buChar char="●"/>
             </a:pPr>
             <a:r>
-              <a:rPr lang="hu" sz="1200">
+              <a:rPr lang="hu-HU" sz="1200" noProof="0" dirty="0">
                 <a:solidFill>
                   <a:srgbClr val="F0F6FC"/>
                 </a:solidFill>
@@ -12686,15 +15394,6 @@
               </a:rPr>
               <a:t>A legjobb alternatívát nyújtani a jelenlegi menetrendkereső alkalmazásokhoz képest</a:t>
             </a:r>
-            <a:endParaRPr sz="1200">
-              <a:solidFill>
-                <a:srgbClr val="F0F6FC"/>
-              </a:solidFill>
-              <a:latin typeface="Arial"/>
-              <a:ea typeface="Arial"/>
-              <a:cs typeface="Arial"/>
-              <a:sym typeface="Arial"/>
-            </a:endParaRPr>
           </a:p>
           <a:p>
             <a:pPr marL="457200" lvl="0" indent="-304800" algn="l" rtl="0">
@@ -12712,7 +15411,7 @@
               <a:buChar char="●"/>
             </a:pPr>
             <a:r>
-              <a:rPr lang="hu" sz="1200">
+              <a:rPr lang="hu-HU" sz="1200" noProof="0" dirty="0">
                 <a:solidFill>
                   <a:srgbClr val="F0F6FC"/>
                 </a:solidFill>
@@ -12723,15 +15422,6 @@
               </a:rPr>
               <a:t>Valós idejű és pontos információ biztosítása</a:t>
             </a:r>
-            <a:endParaRPr sz="1200">
-              <a:solidFill>
-                <a:srgbClr val="F0F6FC"/>
-              </a:solidFill>
-              <a:latin typeface="Arial"/>
-              <a:ea typeface="Arial"/>
-              <a:cs typeface="Arial"/>
-              <a:sym typeface="Arial"/>
-            </a:endParaRPr>
           </a:p>
           <a:p>
             <a:pPr marL="457200" lvl="0" indent="-304800" algn="l" rtl="0">
@@ -12749,7 +15439,7 @@
               <a:buChar char="●"/>
             </a:pPr>
             <a:r>
-              <a:rPr lang="hu" sz="1200">
+              <a:rPr lang="hu-HU" sz="1200" noProof="0" dirty="0">
                 <a:solidFill>
                   <a:srgbClr val="F0F6FC"/>
                 </a:solidFill>
@@ -12760,15 +15450,6 @@
               </a:rPr>
               <a:t>Felhasználóbarát, modern és megbízható megoldás a mindennapi közlekedéshez</a:t>
             </a:r>
-            <a:endParaRPr sz="1200">
-              <a:solidFill>
-                <a:srgbClr val="F0F6FC"/>
-              </a:solidFill>
-              <a:latin typeface="Arial"/>
-              <a:ea typeface="Arial"/>
-              <a:cs typeface="Arial"/>
-              <a:sym typeface="Arial"/>
-            </a:endParaRPr>
           </a:p>
           <a:p>
             <a:pPr marL="457200" lvl="0" indent="-304800" algn="l" rtl="0">
@@ -12786,7 +15467,7 @@
               <a:buChar char="●"/>
             </a:pPr>
             <a:r>
-              <a:rPr lang="hu" sz="1200">
+              <a:rPr lang="hu-HU" sz="1200" noProof="0" dirty="0">
                 <a:solidFill>
                   <a:srgbClr val="F0F6FC"/>
                 </a:solidFill>
@@ -12797,15 +15478,6 @@
               </a:rPr>
               <a:t>Hosszú távon közösségi élménnyé tenni az útvonaltervezést manuális és személyre szabható funkciókkal</a:t>
             </a:r>
-            <a:endParaRPr sz="1200">
-              <a:solidFill>
-                <a:srgbClr val="F0F6FC"/>
-              </a:solidFill>
-              <a:latin typeface="Arial"/>
-              <a:ea typeface="Arial"/>
-              <a:cs typeface="Arial"/>
-              <a:sym typeface="Arial"/>
-            </a:endParaRPr>
           </a:p>
           <a:p>
             <a:pPr marL="0" lvl="0" indent="0" algn="l" rtl="0">
@@ -12817,7 +15489,7 @@
               </a:spcAft>
               <a:buNone/>
             </a:pPr>
-            <a:endParaRPr/>
+            <a:endParaRPr lang="hu-HU" noProof="0" dirty="0"/>
           </a:p>
         </p:txBody>
       </p:sp>
@@ -12873,13 +15545,13 @@
   <p:clrMapOvr>
     <a:masterClrMapping/>
   </p:clrMapOvr>
-  <mc:AlternateContent xmlns:mc="http://schemas.openxmlformats.org/markup-compatibility/2006">
-    <mc:Choice xmlns:p159="http://schemas.microsoft.com/office/powerpoint/2015/09/main" Requires="p159">
+  <mc:AlternateContent xmlns:mc="http://schemas.openxmlformats.org/markup-compatibility/2006" xmlns:p159="http://schemas.microsoft.com/office/powerpoint/2015/09/main">
+    <mc:Choice Requires="p159">
       <p:transition xmlns:p14="http://schemas.microsoft.com/office/powerpoint/2010/main" spd="slow" p14:dur="2000">
         <p159:morph option="byObject"/>
       </p:transition>
     </mc:Choice>
-    <mc:Fallback>
+    <mc:Fallback xmlns="">
       <p:transition spd="slow">
         <p:fade/>
       </p:transition>
@@ -12888,7 +15560,7 @@
 </p:sld>
 </file>
 
-<file path=ppt/slides/slide4.xml><?xml version="1.0" encoding="utf-8"?>
+<file path=ppt/slides/slide5.xml><?xml version="1.0" encoding="utf-8"?>
 <p:sld xmlns:a="http://schemas.openxmlformats.org/drawingml/2006/main" xmlns:r="http://schemas.openxmlformats.org/officeDocument/2006/relationships" xmlns:p="http://schemas.openxmlformats.org/presentationml/2006/main">
   <p:cSld>
     <p:spTree>
@@ -12940,10 +15612,9 @@
               <a:buNone/>
             </a:pPr>
             <a:r>
-              <a:rPr lang="hu" i="1" u="sng" dirty="0"/>
+              <a:rPr lang="hu-HU" i="1" u="sng" noProof="0" dirty="0"/>
               <a:t>Az alkalmazásunk főoldala</a:t>
             </a:r>
-            <a:endParaRPr i="1" u="sng" dirty="0"/>
           </a:p>
         </p:txBody>
       </p:sp>
@@ -12980,13 +15651,13 @@
   <p:clrMapOvr>
     <a:masterClrMapping/>
   </p:clrMapOvr>
-  <mc:AlternateContent xmlns:mc="http://schemas.openxmlformats.org/markup-compatibility/2006">
-    <mc:Choice xmlns:p159="http://schemas.microsoft.com/office/powerpoint/2015/09/main" Requires="p159">
+  <mc:AlternateContent xmlns:mc="http://schemas.openxmlformats.org/markup-compatibility/2006" xmlns:p159="http://schemas.microsoft.com/office/powerpoint/2015/09/main">
+    <mc:Choice Requires="p159">
       <p:transition xmlns:p14="http://schemas.microsoft.com/office/powerpoint/2010/main" spd="slow" p14:dur="2000">
         <p159:morph option="byObject"/>
       </p:transition>
     </mc:Choice>
-    <mc:Fallback>
+    <mc:Fallback xmlns="">
       <p:transition spd="slow">
         <p:fade/>
       </p:transition>
@@ -12995,7 +15666,7 @@
 </p:sld>
 </file>
 
-<file path=ppt/slides/slide5.xml><?xml version="1.0" encoding="utf-8"?>
+<file path=ppt/slides/slide6.xml><?xml version="1.0" encoding="utf-8"?>
 <p:sld xmlns:a="http://schemas.openxmlformats.org/drawingml/2006/main" xmlns:r="http://schemas.openxmlformats.org/officeDocument/2006/relationships" xmlns:p="http://schemas.openxmlformats.org/presentationml/2006/main">
   <p:cSld>
     <p:spTree>
@@ -13164,7 +15835,7 @@
               <a:buNone/>
             </a:pPr>
             <a:r>
-              <a:rPr lang="hu" b="1" dirty="0">
+              <a:rPr lang="hu-HU" b="1" noProof="0" dirty="0">
                 <a:solidFill>
                   <a:srgbClr val="F0F6FC"/>
                 </a:solidFill>
@@ -13175,15 +15846,6 @@
               </a:rPr>
               <a:t>Főbb funkciói az alkalmazásnak</a:t>
             </a:r>
-            <a:endParaRPr b="1" dirty="0">
-              <a:solidFill>
-                <a:srgbClr val="F0F6FC"/>
-              </a:solidFill>
-              <a:latin typeface="Arial"/>
-              <a:ea typeface="Arial"/>
-              <a:cs typeface="Arial"/>
-              <a:sym typeface="Arial"/>
-            </a:endParaRPr>
           </a:p>
           <a:p>
             <a:pPr marL="0" lvl="0" indent="0" algn="l" rtl="0">
@@ -13195,7 +15857,7 @@
               </a:spcAft>
               <a:buNone/>
             </a:pPr>
-            <a:endParaRPr dirty="0"/>
+            <a:endParaRPr lang="hu-HU" noProof="0" dirty="0"/>
           </a:p>
         </p:txBody>
       </p:sp>
@@ -13243,7 +15905,7 @@
               <a:buNone/>
             </a:pPr>
             <a:r>
-              <a:rPr lang="hu" sz="1750" b="1" dirty="0">
+              <a:rPr lang="hu-HU" sz="1750" b="1" noProof="0" dirty="0">
                 <a:solidFill>
                   <a:srgbClr val="F0F6FC"/>
                 </a:solidFill>
@@ -13254,15 +15916,6 @@
               </a:rPr>
               <a:t>Alapfunkciók</a:t>
             </a:r>
-            <a:endParaRPr sz="1750" b="1" dirty="0">
-              <a:solidFill>
-                <a:srgbClr val="F0F6FC"/>
-              </a:solidFill>
-              <a:latin typeface="Arial"/>
-              <a:ea typeface="Arial"/>
-              <a:cs typeface="Arial"/>
-              <a:sym typeface="Arial"/>
-            </a:endParaRPr>
           </a:p>
           <a:p>
             <a:pPr marL="457200" lvl="0" indent="-304800" rtl="0">
@@ -13280,7 +15933,7 @@
               <a:buChar char="●"/>
             </a:pPr>
             <a:r>
-              <a:rPr lang="hu" sz="1200" dirty="0">
+              <a:rPr lang="hu-HU" sz="1200" noProof="0" dirty="0">
                 <a:solidFill>
                   <a:srgbClr val="F0F6FC"/>
                 </a:solidFill>
@@ -13291,15 +15944,6 @@
               </a:rPr>
               <a:t>Automatikus útvonaltervezés a magyarországi menetrendek alapján</a:t>
             </a:r>
-            <a:endParaRPr sz="1200" dirty="0">
-              <a:solidFill>
-                <a:srgbClr val="F0F6FC"/>
-              </a:solidFill>
-              <a:latin typeface="Arial"/>
-              <a:ea typeface="Arial"/>
-              <a:cs typeface="Arial"/>
-              <a:sym typeface="Arial"/>
-            </a:endParaRPr>
           </a:p>
           <a:p>
             <a:pPr marL="457200" lvl="0" indent="-304800" rtl="0">
@@ -13317,7 +15961,7 @@
               <a:buChar char="●"/>
             </a:pPr>
             <a:r>
-              <a:rPr lang="hu" sz="1200" dirty="0">
+              <a:rPr lang="hu-HU" sz="1200" noProof="0" dirty="0">
                 <a:solidFill>
                   <a:srgbClr val="F0F6FC"/>
                 </a:solidFill>
@@ -13328,15 +15972,6 @@
               </a:rPr>
               <a:t>Valós idejű adatok megjelenítése (indulási és érkezési időpontok)</a:t>
             </a:r>
-            <a:endParaRPr sz="1200" dirty="0">
-              <a:solidFill>
-                <a:srgbClr val="F0F6FC"/>
-              </a:solidFill>
-              <a:latin typeface="Arial"/>
-              <a:ea typeface="Arial"/>
-              <a:cs typeface="Arial"/>
-              <a:sym typeface="Arial"/>
-            </a:endParaRPr>
           </a:p>
           <a:p>
             <a:pPr marL="457200" lvl="0" indent="-304800" rtl="0">
@@ -13354,7 +15989,7 @@
               <a:buChar char="●"/>
             </a:pPr>
             <a:r>
-              <a:rPr lang="hu" sz="1200" dirty="0">
+              <a:rPr lang="hu-HU" sz="1200" noProof="0" dirty="0">
                 <a:solidFill>
                   <a:srgbClr val="F0F6FC"/>
                 </a:solidFill>
@@ -13365,15 +16000,6 @@
               </a:rPr>
               <a:t>Könnyen áttekinthető, felhasználóbarát felület</a:t>
             </a:r>
-            <a:endParaRPr sz="1200" dirty="0">
-              <a:solidFill>
-                <a:srgbClr val="F0F6FC"/>
-              </a:solidFill>
-              <a:latin typeface="Arial"/>
-              <a:ea typeface="Arial"/>
-              <a:cs typeface="Arial"/>
-              <a:sym typeface="Arial"/>
-            </a:endParaRPr>
           </a:p>
           <a:p>
             <a:pPr marL="0" lvl="0" indent="0" algn="just" rtl="0">
@@ -13385,7 +16011,7 @@
               </a:spcAft>
               <a:buNone/>
             </a:pPr>
-            <a:endParaRPr dirty="0"/>
+            <a:endParaRPr lang="hu-HU" noProof="0" dirty="0"/>
           </a:p>
         </p:txBody>
       </p:sp>
@@ -13433,7 +16059,7 @@
               <a:buNone/>
             </a:pPr>
             <a:r>
-              <a:rPr lang="hu" sz="1750" b="1" dirty="0">
+              <a:rPr lang="hu-HU" sz="1750" b="1" noProof="0" dirty="0">
                 <a:solidFill>
                   <a:srgbClr val="F0F6FC"/>
                 </a:solidFill>
@@ -13444,15 +16070,6 @@
               </a:rPr>
               <a:t>Egyedi funkciók</a:t>
             </a:r>
-            <a:endParaRPr sz="1750" b="1" dirty="0">
-              <a:solidFill>
-                <a:srgbClr val="F0F6FC"/>
-              </a:solidFill>
-              <a:latin typeface="Arial"/>
-              <a:ea typeface="Arial"/>
-              <a:cs typeface="Arial"/>
-              <a:sym typeface="Arial"/>
-            </a:endParaRPr>
           </a:p>
           <a:p>
             <a:pPr marL="457200" lvl="0" indent="-304800" rtl="0">
@@ -13470,7 +16087,7 @@
               <a:buChar char="●"/>
             </a:pPr>
             <a:r>
-              <a:rPr lang="hu" sz="1200" b="1" i="1" dirty="0">
+              <a:rPr lang="hu-HU" sz="1200" b="1" i="1" noProof="0" dirty="0">
                 <a:solidFill>
                   <a:srgbClr val="F0F6FC"/>
                 </a:solidFill>
@@ -13482,7 +16099,7 @@
               <a:t>Késések kezelése:</a:t>
             </a:r>
             <a:br>
-              <a:rPr lang="hu" sz="1200" dirty="0">
+              <a:rPr lang="hu-HU" sz="1200" noProof="0" dirty="0">
                 <a:solidFill>
                   <a:srgbClr val="F0F6FC"/>
                 </a:solidFill>
@@ -13493,7 +16110,7 @@
               </a:rPr>
             </a:br>
             <a:r>
-              <a:rPr lang="hu" sz="1200" dirty="0">
+              <a:rPr lang="hu-HU" sz="1200" noProof="0" dirty="0">
                 <a:solidFill>
                   <a:srgbClr val="F0F6FC"/>
                 </a:solidFill>
@@ -13504,15 +16121,6 @@
               </a:rPr>
               <a:t>Az alkalmazás figyelembe veszi a járatok valós idejű késéseit, és ennek megfelelően frissíti a találatokat.</a:t>
             </a:r>
-            <a:endParaRPr sz="1200" dirty="0">
-              <a:solidFill>
-                <a:srgbClr val="F0F6FC"/>
-              </a:solidFill>
-              <a:latin typeface="Arial"/>
-              <a:ea typeface="Arial"/>
-              <a:cs typeface="Arial"/>
-              <a:sym typeface="Arial"/>
-            </a:endParaRPr>
           </a:p>
           <a:p>
             <a:pPr marL="457200" lvl="0" indent="-304800" rtl="0">
@@ -13530,7 +16138,7 @@
               <a:buChar char="●"/>
             </a:pPr>
             <a:r>
-              <a:rPr lang="hu" sz="1200" b="1" i="1" dirty="0">
+              <a:rPr lang="hu-HU" sz="1200" b="1" i="1" noProof="0" dirty="0">
                 <a:solidFill>
                   <a:srgbClr val="F0F6FC"/>
                 </a:solidFill>
@@ -13542,7 +16150,7 @@
               <a:t>Manuális menetrendtervezés:</a:t>
             </a:r>
             <a:br>
-              <a:rPr lang="hu" sz="1200" dirty="0">
+              <a:rPr lang="hu-HU" sz="1200" noProof="0" dirty="0">
                 <a:solidFill>
                   <a:srgbClr val="F0F6FC"/>
                 </a:solidFill>
@@ -13553,7 +16161,7 @@
               </a:rPr>
             </a:br>
             <a:r>
-              <a:rPr lang="hu" sz="1200" dirty="0">
+              <a:rPr lang="hu-HU" sz="1200" noProof="0" dirty="0">
                 <a:solidFill>
                   <a:srgbClr val="F0F6FC"/>
                 </a:solidFill>
@@ -13564,15 +16172,6 @@
               </a:rPr>
               <a:t>Bejelentkezett felhasználók saját menetrendet állíthatnak össze több járat kombinálásával.</a:t>
             </a:r>
-            <a:endParaRPr sz="1200" dirty="0">
-              <a:solidFill>
-                <a:srgbClr val="F0F6FC"/>
-              </a:solidFill>
-              <a:latin typeface="Arial"/>
-              <a:ea typeface="Arial"/>
-              <a:cs typeface="Arial"/>
-              <a:sym typeface="Arial"/>
-            </a:endParaRPr>
           </a:p>
           <a:p>
             <a:pPr marL="0" lvl="0" indent="0" algn="just" rtl="0">
@@ -13584,7 +16183,7 @@
               </a:spcAft>
               <a:buNone/>
             </a:pPr>
-            <a:endParaRPr dirty="0"/>
+            <a:endParaRPr lang="hu-HU" noProof="0" dirty="0"/>
           </a:p>
         </p:txBody>
       </p:sp>
@@ -13593,13 +16192,13 @@
   <p:clrMapOvr>
     <a:masterClrMapping/>
   </p:clrMapOvr>
-  <mc:AlternateContent xmlns:mc="http://schemas.openxmlformats.org/markup-compatibility/2006">
-    <mc:Choice xmlns:p159="http://schemas.microsoft.com/office/powerpoint/2015/09/main" Requires="p159">
+  <mc:AlternateContent xmlns:mc="http://schemas.openxmlformats.org/markup-compatibility/2006" xmlns:p159="http://schemas.microsoft.com/office/powerpoint/2015/09/main">
+    <mc:Choice Requires="p159">
       <p:transition xmlns:p14="http://schemas.microsoft.com/office/powerpoint/2010/main" spd="slow" p14:dur="2000">
         <p159:morph option="byObject"/>
       </p:transition>
     </mc:Choice>
-    <mc:Fallback>
+    <mc:Fallback xmlns="">
       <p:transition spd="slow">
         <p:fade/>
       </p:transition>
@@ -13608,7 +16207,421 @@
 </p:sld>
 </file>
 
-<file path=ppt/slides/slide6.xml><?xml version="1.0" encoding="utf-8"?>
+<file path=ppt/slides/slide7.xml><?xml version="1.0" encoding="utf-8"?>
+<p:sld xmlns:a="http://schemas.openxmlformats.org/drawingml/2006/main" xmlns:r="http://schemas.openxmlformats.org/officeDocument/2006/relationships" xmlns:p="http://schemas.openxmlformats.org/presentationml/2006/main">
+  <p:cSld>
+    <p:spTree>
+      <p:nvGrpSpPr>
+        <p:cNvPr id="1" name="Shape 192"/>
+        <p:cNvGrpSpPr/>
+        <p:nvPr/>
+      </p:nvGrpSpPr>
+      <p:grpSpPr>
+        <a:xfrm>
+          <a:off x="0" y="0"/>
+          <a:ext cx="0" cy="0"/>
+          <a:chOff x="0" y="0"/>
+          <a:chExt cx="0" cy="0"/>
+        </a:xfrm>
+      </p:grpSpPr>
+      <p:sp>
+        <p:nvSpPr>
+          <p:cNvPr id="193" name="Google Shape;193;p21"/>
+          <p:cNvSpPr txBox="1">
+            <a:spLocks noGrp="1"/>
+          </p:cNvSpPr>
+          <p:nvPr>
+            <p:ph type="title"/>
+          </p:nvPr>
+        </p:nvSpPr>
+        <p:spPr>
+          <a:xfrm>
+            <a:off x="1297500" y="393750"/>
+            <a:ext cx="7038900" cy="914100"/>
+          </a:xfrm>
+          <a:prstGeom prst="rect">
+            <a:avLst/>
+          </a:prstGeom>
+        </p:spPr>
+        <p:txBody>
+          <a:bodyPr spcFirstLastPara="1" wrap="square" lIns="91425" tIns="91425" rIns="91425" bIns="91425" anchor="t" anchorCtr="0">
+            <a:noAutofit/>
+          </a:bodyPr>
+          <a:lstStyle/>
+          <a:p>
+            <a:pPr marL="0" lvl="0" indent="0" algn="l" rtl="0">
+              <a:spcBef>
+                <a:spcPts val="0"/>
+              </a:spcBef>
+              <a:spcAft>
+                <a:spcPts val="0"/>
+              </a:spcAft>
+              <a:buSzPts val="990"/>
+              <a:buNone/>
+            </a:pPr>
+            <a:r>
+              <a:rPr lang="hu-HU" b="1" noProof="0" dirty="0"/>
+              <a:t>Felhasználói élmény / Hogyan használható a </a:t>
+            </a:r>
+            <a:r>
+              <a:rPr lang="hu-HU" b="1" noProof="0" dirty="0" err="1"/>
+              <a:t>HovaTovább</a:t>
+            </a:r>
+            <a:r>
+              <a:rPr lang="hu-HU" b="1" noProof="0" dirty="0"/>
+              <a:t>?</a:t>
+            </a:r>
+          </a:p>
+        </p:txBody>
+      </p:sp>
+      <p:sp>
+        <p:nvSpPr>
+          <p:cNvPr id="194" name="Google Shape;194;p21"/>
+          <p:cNvSpPr txBox="1">
+            <a:spLocks noGrp="1"/>
+          </p:cNvSpPr>
+          <p:nvPr>
+            <p:ph type="body" idx="1"/>
+          </p:nvPr>
+        </p:nvSpPr>
+        <p:spPr>
+          <a:xfrm>
+            <a:off x="1297500" y="1567550"/>
+            <a:ext cx="7038900" cy="2911200"/>
+          </a:xfrm>
+          <a:prstGeom prst="rect">
+            <a:avLst/>
+          </a:prstGeom>
+        </p:spPr>
+        <p:txBody>
+          <a:bodyPr spcFirstLastPara="1" wrap="square" lIns="91425" tIns="91425" rIns="91425" bIns="91425" anchor="t" anchorCtr="0">
+            <a:noAutofit/>
+          </a:bodyPr>
+          <a:lstStyle/>
+          <a:p>
+            <a:pPr marL="457200" lvl="0" indent="-289083" rtl="0">
+              <a:lnSpc>
+                <a:spcPct val="95000"/>
+              </a:lnSpc>
+              <a:spcBef>
+                <a:spcPts val="0"/>
+              </a:spcBef>
+              <a:spcAft>
+                <a:spcPts val="0"/>
+              </a:spcAft>
+              <a:buSzPts val="952"/>
+              <a:buFont typeface="Arial"/>
+              <a:buChar char="●"/>
+            </a:pPr>
+            <a:r>
+              <a:rPr lang="hu-HU" sz="952" b="1" noProof="0" dirty="0">
+                <a:latin typeface="Arial"/>
+                <a:ea typeface="Arial"/>
+                <a:cs typeface="Arial"/>
+                <a:sym typeface="Arial"/>
+              </a:rPr>
+              <a:t>Egyszerű, letisztult felület</a:t>
+            </a:r>
+            <a:br>
+              <a:rPr lang="hu-HU" sz="952" b="1" noProof="0" dirty="0">
+                <a:latin typeface="Arial"/>
+                <a:ea typeface="Arial"/>
+                <a:cs typeface="Arial"/>
+                <a:sym typeface="Arial"/>
+              </a:rPr>
+            </a:br>
+            <a:r>
+              <a:rPr lang="hu-HU" sz="952" noProof="0" dirty="0">
+                <a:latin typeface="Arial"/>
+                <a:ea typeface="Arial"/>
+                <a:cs typeface="Arial"/>
+                <a:sym typeface="Arial"/>
+              </a:rPr>
+              <a:t> A weboldal minimalista kialakítású, a felhasználó gyorsan megtalálja az útvonaltervezéshez szükséges mezőket.</a:t>
+            </a:r>
+            <a:br>
+              <a:rPr lang="hu-HU" sz="952" noProof="0" dirty="0">
+                <a:latin typeface="Arial"/>
+                <a:ea typeface="Arial"/>
+                <a:cs typeface="Arial"/>
+                <a:sym typeface="Arial"/>
+              </a:rPr>
+            </a:br>
+            <a:endParaRPr lang="hu-HU" sz="952" noProof="0" dirty="0">
+              <a:latin typeface="Arial"/>
+              <a:ea typeface="Arial"/>
+              <a:cs typeface="Arial"/>
+              <a:sym typeface="Arial"/>
+            </a:endParaRPr>
+          </a:p>
+          <a:p>
+            <a:pPr marL="457200" lvl="0" indent="-289083" rtl="0">
+              <a:lnSpc>
+                <a:spcPct val="95000"/>
+              </a:lnSpc>
+              <a:spcBef>
+                <a:spcPts val="0"/>
+              </a:spcBef>
+              <a:spcAft>
+                <a:spcPts val="0"/>
+              </a:spcAft>
+              <a:buSzPts val="952"/>
+              <a:buFont typeface="Arial"/>
+              <a:buChar char="●"/>
+            </a:pPr>
+            <a:r>
+              <a:rPr lang="hu-HU" sz="952" b="1" noProof="0" dirty="0">
+                <a:latin typeface="Arial"/>
+                <a:ea typeface="Arial"/>
+                <a:cs typeface="Arial"/>
+                <a:sym typeface="Arial"/>
+              </a:rPr>
+              <a:t>Gyors útvonaltervezés</a:t>
+            </a:r>
+            <a:br>
+              <a:rPr lang="hu-HU" sz="952" b="1" noProof="0" dirty="0">
+                <a:latin typeface="Arial"/>
+                <a:ea typeface="Arial"/>
+                <a:cs typeface="Arial"/>
+                <a:sym typeface="Arial"/>
+              </a:rPr>
+            </a:br>
+            <a:r>
+              <a:rPr lang="hu-HU" sz="952" noProof="0" dirty="0">
+                <a:latin typeface="Arial"/>
+                <a:ea typeface="Arial"/>
+                <a:cs typeface="Arial"/>
+                <a:sym typeface="Arial"/>
+              </a:rPr>
+              <a:t> A felhasználó megadja az indulási és érkezési helyet, majd az alkalmazás menetrend alapján megtervezi az utazást.</a:t>
+            </a:r>
+            <a:br>
+              <a:rPr lang="hu-HU" sz="952" noProof="0" dirty="0">
+                <a:latin typeface="Arial"/>
+                <a:ea typeface="Arial"/>
+                <a:cs typeface="Arial"/>
+                <a:sym typeface="Arial"/>
+              </a:rPr>
+            </a:br>
+            <a:endParaRPr lang="hu-HU" sz="952" noProof="0" dirty="0">
+              <a:latin typeface="Arial"/>
+              <a:ea typeface="Arial"/>
+              <a:cs typeface="Arial"/>
+              <a:sym typeface="Arial"/>
+            </a:endParaRPr>
+          </a:p>
+          <a:p>
+            <a:pPr marL="457200" lvl="0" indent="-289083" rtl="0">
+              <a:lnSpc>
+                <a:spcPct val="95000"/>
+              </a:lnSpc>
+              <a:spcBef>
+                <a:spcPts val="0"/>
+              </a:spcBef>
+              <a:spcAft>
+                <a:spcPts val="0"/>
+              </a:spcAft>
+              <a:buSzPts val="952"/>
+              <a:buFont typeface="Arial"/>
+              <a:buChar char="●"/>
+            </a:pPr>
+            <a:r>
+              <a:rPr lang="hu-HU" sz="952" b="1" noProof="0" dirty="0">
+                <a:latin typeface="Arial"/>
+                <a:ea typeface="Arial"/>
+                <a:cs typeface="Arial"/>
+                <a:sym typeface="Arial"/>
+              </a:rPr>
+              <a:t>Valós közlekedési adatokra épít</a:t>
+            </a:r>
+            <a:br>
+              <a:rPr lang="hu-HU" sz="952" b="1" noProof="0" dirty="0">
+                <a:latin typeface="Arial"/>
+                <a:ea typeface="Arial"/>
+                <a:cs typeface="Arial"/>
+                <a:sym typeface="Arial"/>
+              </a:rPr>
+            </a:br>
+            <a:r>
+              <a:rPr lang="hu-HU" sz="952" noProof="0" dirty="0">
+                <a:latin typeface="Arial"/>
+                <a:ea typeface="Arial"/>
+                <a:cs typeface="Arial"/>
+                <a:sym typeface="Arial"/>
+              </a:rPr>
+              <a:t> A tervezés tömegközlekedési menetrendek felhasználásával történik, így reális útvonalakat kínál.</a:t>
+            </a:r>
+            <a:br>
+              <a:rPr lang="hu-HU" sz="952" noProof="0" dirty="0">
+                <a:latin typeface="Arial"/>
+                <a:ea typeface="Arial"/>
+                <a:cs typeface="Arial"/>
+                <a:sym typeface="Arial"/>
+              </a:rPr>
+            </a:br>
+            <a:endParaRPr lang="hu-HU" sz="952" noProof="0" dirty="0">
+              <a:latin typeface="Arial"/>
+              <a:ea typeface="Arial"/>
+              <a:cs typeface="Arial"/>
+              <a:sym typeface="Arial"/>
+            </a:endParaRPr>
+          </a:p>
+          <a:p>
+            <a:pPr marL="457200" lvl="0" indent="-289083" rtl="0">
+              <a:lnSpc>
+                <a:spcPct val="95000"/>
+              </a:lnSpc>
+              <a:spcBef>
+                <a:spcPts val="0"/>
+              </a:spcBef>
+              <a:spcAft>
+                <a:spcPts val="0"/>
+              </a:spcAft>
+              <a:buSzPts val="952"/>
+              <a:buFont typeface="Arial"/>
+              <a:buChar char="●"/>
+            </a:pPr>
+            <a:r>
+              <a:rPr lang="hu-HU" sz="952" b="1" noProof="0" dirty="0">
+                <a:latin typeface="Arial"/>
+                <a:ea typeface="Arial"/>
+                <a:cs typeface="Arial"/>
+                <a:sym typeface="Arial"/>
+              </a:rPr>
+              <a:t>Böngészőből elérhető</a:t>
+            </a:r>
+            <a:br>
+              <a:rPr lang="hu-HU" sz="952" b="1" noProof="0" dirty="0">
+                <a:latin typeface="Arial"/>
+                <a:ea typeface="Arial"/>
+                <a:cs typeface="Arial"/>
+                <a:sym typeface="Arial"/>
+              </a:rPr>
+            </a:br>
+            <a:r>
+              <a:rPr lang="hu-HU" sz="952" noProof="0" dirty="0">
+                <a:latin typeface="Arial"/>
+                <a:ea typeface="Arial"/>
+                <a:cs typeface="Arial"/>
+                <a:sym typeface="Arial"/>
+              </a:rPr>
+              <a:t> Nem szükséges alkalmazást telepíteni, bármilyen modern böngészőből használható (JavaScript engedélyezése szükséges).</a:t>
+            </a:r>
+            <a:br>
+              <a:rPr lang="hu-HU" sz="952" noProof="0" dirty="0">
+                <a:latin typeface="Arial"/>
+                <a:ea typeface="Arial"/>
+                <a:cs typeface="Arial"/>
+                <a:sym typeface="Arial"/>
+              </a:rPr>
+            </a:br>
+            <a:endParaRPr lang="hu-HU" sz="952" noProof="0" dirty="0">
+              <a:latin typeface="Arial"/>
+              <a:ea typeface="Arial"/>
+              <a:cs typeface="Arial"/>
+              <a:sym typeface="Arial"/>
+            </a:endParaRPr>
+          </a:p>
+          <a:p>
+            <a:pPr marL="457200" lvl="0" indent="-289083" rtl="0">
+              <a:lnSpc>
+                <a:spcPct val="95000"/>
+              </a:lnSpc>
+              <a:spcBef>
+                <a:spcPts val="0"/>
+              </a:spcBef>
+              <a:spcAft>
+                <a:spcPts val="0"/>
+              </a:spcAft>
+              <a:buSzPts val="952"/>
+              <a:buFont typeface="Arial"/>
+              <a:buChar char="●"/>
+            </a:pPr>
+            <a:r>
+              <a:rPr lang="hu-HU" sz="952" b="1" noProof="0" dirty="0">
+                <a:latin typeface="Arial"/>
+                <a:ea typeface="Arial"/>
+                <a:cs typeface="Arial"/>
+                <a:sym typeface="Arial"/>
+              </a:rPr>
+              <a:t>Felhasználóbarát megoldás utazóknak</a:t>
+            </a:r>
+            <a:br>
+              <a:rPr lang="hu-HU" sz="952" b="1" noProof="0" dirty="0">
+                <a:latin typeface="Arial"/>
+                <a:ea typeface="Arial"/>
+                <a:cs typeface="Arial"/>
+                <a:sym typeface="Arial"/>
+              </a:rPr>
+            </a:br>
+            <a:r>
+              <a:rPr lang="hu-HU" sz="952" noProof="0" dirty="0">
+                <a:latin typeface="Arial"/>
+                <a:ea typeface="Arial"/>
+                <a:cs typeface="Arial"/>
+                <a:sym typeface="Arial"/>
+              </a:rPr>
+              <a:t> Különösen hasznos diákoknak, ingázóknak és alkalmi utazóknak, akik gyors megoldást keresnek.</a:t>
+            </a:r>
+            <a:endParaRPr lang="hu-HU" sz="1107" noProof="0" dirty="0"/>
+          </a:p>
+        </p:txBody>
+      </p:sp>
+      <p:pic>
+        <p:nvPicPr>
+          <p:cNvPr id="2" name="Google Shape;137;p13">
+            <a:extLst>
+              <a:ext uri="{FF2B5EF4-FFF2-40B4-BE49-F238E27FC236}">
+                <a16:creationId xmlns:a16="http://schemas.microsoft.com/office/drawing/2014/main" id="{B93DE867-7D45-7A10-875C-BD69510CC74C}"/>
+              </a:ext>
+            </a:extLst>
+          </p:cNvPr>
+          <p:cNvPicPr preferRelativeResize="0"/>
+          <p:nvPr/>
+        </p:nvPicPr>
+        <p:blipFill>
+          <a:blip r:embed="rId3">
+            <a:alphaModFix/>
+          </a:blip>
+          <a:stretch>
+            <a:fillRect/>
+          </a:stretch>
+        </p:blipFill>
+        <p:spPr>
+          <a:xfrm>
+            <a:off x="4197762" y="4001275"/>
+            <a:ext cx="748475" cy="748475"/>
+          </a:xfrm>
+          <a:prstGeom prst="rect">
+            <a:avLst/>
+          </a:prstGeom>
+          <a:noFill/>
+          <a:ln>
+            <a:noFill/>
+          </a:ln>
+        </p:spPr>
+      </p:pic>
+    </p:spTree>
+  </p:cSld>
+  <p:clrMapOvr>
+    <a:masterClrMapping/>
+  </p:clrMapOvr>
+  <mc:AlternateContent xmlns:mc="http://schemas.openxmlformats.org/markup-compatibility/2006" xmlns:p159="http://schemas.microsoft.com/office/powerpoint/2015/09/main">
+    <mc:Choice Requires="p159">
+      <p:transition xmlns:p14="http://schemas.microsoft.com/office/powerpoint/2010/main" spd="slow" p14:dur="2000">
+        <p159:morph option="byObject"/>
+      </p:transition>
+    </mc:Choice>
+    <mc:Fallback xmlns="">
+      <p:transition spd="slow">
+        <p:fade/>
+      </p:transition>
+    </mc:Fallback>
+  </mc:AlternateContent>
+</p:sld>
+</file>
+
+<file path=ppt/slides/slide8.xml><?xml version="1.0" encoding="utf-8"?>
 <p:sld xmlns:a="http://schemas.openxmlformats.org/drawingml/2006/main" xmlns:r="http://schemas.openxmlformats.org/officeDocument/2006/relationships" xmlns:p="http://schemas.openxmlformats.org/presentationml/2006/main">
   <p:cSld>
     <p:spTree>
@@ -13663,7 +16676,7 @@
               <a:buNone/>
             </a:pPr>
             <a:r>
-              <a:rPr lang="hu" b="1" dirty="0">
+              <a:rPr lang="hu-HU" b="1" noProof="0" dirty="0">
                 <a:solidFill>
                   <a:srgbClr val="F0F6FC"/>
                 </a:solidFill>
@@ -13674,15 +16687,6 @@
               </a:rPr>
               <a:t>Használt technológiák a fejlesztés során</a:t>
             </a:r>
-            <a:endParaRPr b="1" dirty="0">
-              <a:solidFill>
-                <a:srgbClr val="F0F6FC"/>
-              </a:solidFill>
-              <a:latin typeface="Arial"/>
-              <a:ea typeface="Arial"/>
-              <a:cs typeface="Arial"/>
-              <a:sym typeface="Arial"/>
-            </a:endParaRPr>
           </a:p>
           <a:p>
             <a:pPr marL="0" lvl="0" indent="0" algn="l" rtl="0">
@@ -13694,7 +16698,7 @@
               </a:spcAft>
               <a:buNone/>
             </a:pPr>
-            <a:endParaRPr dirty="0"/>
+            <a:endParaRPr lang="hu-HU" noProof="0" dirty="0"/>
           </a:p>
         </p:txBody>
       </p:sp>
@@ -13719,7 +16723,7 @@
         </p:spPr>
         <p:txBody>
           <a:bodyPr spcFirstLastPara="1" wrap="square" lIns="91425" tIns="91425" rIns="91425" bIns="91425" anchor="t" anchorCtr="0">
-            <a:normAutofit/>
+            <a:normAutofit lnSpcReduction="10000"/>
           </a:bodyPr>
           <a:lstStyle/>
           <a:p>
@@ -13741,7 +16745,7 @@
               <a:buChar char="●"/>
             </a:pPr>
             <a:r>
-              <a:rPr lang="hu" sz="1200" b="1" dirty="0">
+              <a:rPr lang="hu-HU" sz="1200" b="1" noProof="0" dirty="0">
                 <a:solidFill>
                   <a:srgbClr val="F0F6FC"/>
                 </a:solidFill>
@@ -13753,7 +16757,7 @@
               <a:t>Frontend: </a:t>
             </a:r>
             <a:r>
-              <a:rPr lang="hu" sz="1200" dirty="0">
+              <a:rPr lang="hu-HU" sz="1200" noProof="0" dirty="0" err="1">
                 <a:solidFill>
                   <a:srgbClr val="F0F6FC"/>
                 </a:solidFill>
@@ -13764,7 +16768,7 @@
               </a:rPr>
               <a:t>Angular</a:t>
             </a:r>
-            <a:endParaRPr sz="1200" dirty="0">
+            <a:endParaRPr lang="hu-HU" sz="1200" noProof="0" dirty="0">
               <a:solidFill>
                 <a:srgbClr val="F0F6FC"/>
               </a:solidFill>
@@ -13793,7 +16797,7 @@
               <a:buChar char="●"/>
             </a:pPr>
             <a:r>
-              <a:rPr lang="hu" sz="1200" b="1" dirty="0">
+              <a:rPr lang="hu-HU" sz="1200" b="1" noProof="0" dirty="0">
                 <a:solidFill>
                   <a:srgbClr val="F0F6FC"/>
                 </a:solidFill>
@@ -13805,7 +16809,7 @@
               <a:t>Backend:</a:t>
             </a:r>
             <a:r>
-              <a:rPr lang="hu" sz="1200" dirty="0">
+              <a:rPr lang="hu-HU" sz="1200" noProof="0" dirty="0">
                 <a:solidFill>
                   <a:srgbClr val="F0F6FC"/>
                 </a:solidFill>
@@ -13816,7 +16820,86 @@
               </a:rPr>
               <a:t> Node.js</a:t>
             </a:r>
-            <a:endParaRPr sz="1200" dirty="0">
+          </a:p>
+          <a:p>
+            <a:pPr marL="457200" lvl="0" indent="-304800" algn="l" rtl="0">
+              <a:lnSpc>
+                <a:spcPct val="150000"/>
+              </a:lnSpc>
+              <a:spcBef>
+                <a:spcPts val="0"/>
+              </a:spcBef>
+              <a:spcAft>
+                <a:spcPts val="0"/>
+              </a:spcAft>
+              <a:buClr>
+                <a:srgbClr val="F0F6FC"/>
+              </a:buClr>
+              <a:buSzPts val="1200"/>
+              <a:buFont typeface="Arial"/>
+              <a:buChar char="●"/>
+            </a:pPr>
+            <a:r>
+              <a:rPr lang="hu-HU" sz="1200" b="1" noProof="0" dirty="0">
+                <a:solidFill>
+                  <a:srgbClr val="F0F6FC"/>
+                </a:solidFill>
+                <a:latin typeface="Arial"/>
+                <a:ea typeface="Arial"/>
+                <a:cs typeface="Arial"/>
+                <a:sym typeface="Arial"/>
+              </a:rPr>
+              <a:t>Adatbázis:</a:t>
+            </a:r>
+            <a:r>
+              <a:rPr lang="hu-HU" sz="1200" noProof="0" dirty="0">
+                <a:solidFill>
+                  <a:srgbClr val="F0F6FC"/>
+                </a:solidFill>
+                <a:latin typeface="Arial"/>
+                <a:ea typeface="Arial"/>
+                <a:cs typeface="Arial"/>
+                <a:sym typeface="Arial"/>
+              </a:rPr>
+              <a:t> </a:t>
+            </a:r>
+            <a:r>
+              <a:rPr lang="hu-HU" sz="1200" noProof="0" dirty="0" err="1">
+                <a:solidFill>
+                  <a:srgbClr val="F0F6FC"/>
+                </a:solidFill>
+                <a:latin typeface="Arial"/>
+                <a:ea typeface="Arial"/>
+                <a:cs typeface="Arial"/>
+                <a:sym typeface="Arial"/>
+              </a:rPr>
+              <a:t>MySQL</a:t>
+            </a:r>
+            <a:r>
+              <a:rPr lang="hu-HU" sz="1200" noProof="0" dirty="0">
+                <a:solidFill>
+                  <a:srgbClr val="F0F6FC"/>
+                </a:solidFill>
+                <a:latin typeface="Arial"/>
+                <a:ea typeface="Arial"/>
+                <a:cs typeface="Arial"/>
+                <a:sym typeface="Arial"/>
+              </a:rPr>
+              <a:t>, </a:t>
+            </a:r>
+            <a:r>
+              <a:rPr lang="hu-HU" sz="1200" noProof="0" dirty="0" err="1">
+                <a:solidFill>
+                  <a:srgbClr val="F0F6FC"/>
+                </a:solidFill>
+                <a:latin typeface="Arial"/>
+                <a:ea typeface="Arial"/>
+                <a:cs typeface="Arial"/>
+                <a:sym typeface="Arial"/>
+              </a:rPr>
+              <a:t>phpMyAdmin</a:t>
+            </a:r>
+            <a:endParaRPr lang="hu-HU" sz="1200" noProof="0" dirty="0">
               <a:solidFill>
                 <a:srgbClr val="F0F6FC"/>
               </a:solidFill>
@@ -13845,7 +16928,7 @@
               <a:buChar char="●"/>
             </a:pPr>
             <a:r>
-              <a:rPr lang="hu" sz="1200" b="1" dirty="0">
+              <a:rPr lang="hu-HU" sz="1200" b="1" noProof="0" dirty="0">
                 <a:solidFill>
                   <a:srgbClr val="F0F6FC"/>
                 </a:solidFill>
@@ -13854,10 +16937,10 @@
                 <a:cs typeface="Arial"/>
                 <a:sym typeface="Arial"/>
               </a:rPr>
-              <a:t>Adatbázis:</a:t>
+              <a:t>Verziókezelő: </a:t>
             </a:r>
             <a:r>
-              <a:rPr lang="hu" sz="1200" dirty="0">
+              <a:rPr lang="hu-HU" sz="1200" noProof="0" dirty="0">
                 <a:solidFill>
                   <a:srgbClr val="F0F6FC"/>
                 </a:solidFill>
@@ -13866,9 +16949,52 @@
                 <a:cs typeface="Arial"/>
                 <a:sym typeface="Arial"/>
               </a:rPr>
-              <a:t> MySQL</a:t>
+              <a:t>GitHub</a:t>
             </a:r>
-            <a:endParaRPr sz="1200" dirty="0">
+          </a:p>
+          <a:p>
+            <a:pPr marL="457200" lvl="0" indent="-304800" algn="l" rtl="0">
+              <a:lnSpc>
+                <a:spcPct val="150000"/>
+              </a:lnSpc>
+              <a:spcBef>
+                <a:spcPts val="0"/>
+              </a:spcBef>
+              <a:spcAft>
+                <a:spcPts val="0"/>
+              </a:spcAft>
+              <a:buClr>
+                <a:srgbClr val="F0F6FC"/>
+              </a:buClr>
+              <a:buSzPts val="1200"/>
+              <a:buFont typeface="Arial"/>
+              <a:buChar char="●"/>
+            </a:pPr>
+            <a:r>
+              <a:rPr lang="hu-HU" sz="1200" b="1" noProof="0" dirty="0">
+                <a:solidFill>
+                  <a:srgbClr val="F0F6FC"/>
+                </a:solidFill>
+                <a:latin typeface="Arial"/>
+                <a:ea typeface="Arial"/>
+                <a:cs typeface="Arial"/>
+                <a:sym typeface="Arial"/>
+              </a:rPr>
+              <a:t>Dizájn: </a:t>
+            </a:r>
+            <a:r>
+              <a:rPr lang="hu-HU" sz="1200" noProof="0" dirty="0" err="1">
+                <a:solidFill>
+                  <a:srgbClr val="F0F6FC"/>
+                </a:solidFill>
+                <a:latin typeface="Arial"/>
+                <a:ea typeface="Arial"/>
+                <a:cs typeface="Arial"/>
+                <a:sym typeface="Arial"/>
+              </a:rPr>
+              <a:t>Figma</a:t>
+            </a:r>
+            <a:endParaRPr lang="hu-HU" sz="1200" noProof="0" dirty="0">
               <a:solidFill>
                 <a:srgbClr val="F0F6FC"/>
               </a:solidFill>
@@ -13897,7 +17023,7 @@
               <a:buChar char="●"/>
             </a:pPr>
             <a:r>
-              <a:rPr lang="hu" sz="1200" b="1" dirty="0">
+              <a:rPr lang="hu-HU" sz="1200" b="1" noProof="0" dirty="0">
                 <a:solidFill>
                   <a:srgbClr val="F0F6FC"/>
                 </a:solidFill>
@@ -13909,7 +17035,7 @@
               <a:t>API-k:</a:t>
             </a:r>
             <a:r>
-              <a:rPr lang="hu" sz="1200" dirty="0">
+              <a:rPr lang="hu-HU" sz="1200" noProof="0" dirty="0">
                 <a:solidFill>
                   <a:srgbClr val="F0F6FC"/>
                 </a:solidFill>
@@ -13921,7 +17047,7 @@
               <a:t> több külső API </a:t>
             </a:r>
             <a:r>
-              <a:rPr lang="hu" sz="1200" i="1" dirty="0">
+              <a:rPr lang="hu-HU" sz="1200" i="1" noProof="0" dirty="0">
                 <a:solidFill>
                   <a:srgbClr val="F0F6FC"/>
                 </a:solidFill>
@@ -13932,15 +17058,6 @@
               </a:rPr>
               <a:t>(menetrendek integrálásához, SQL adatbázis)</a:t>
             </a:r>
-            <a:endParaRPr sz="1200" i="1" dirty="0">
-              <a:solidFill>
-                <a:srgbClr val="F0F6FC"/>
-              </a:solidFill>
-              <a:latin typeface="Arial"/>
-              <a:ea typeface="Arial"/>
-              <a:cs typeface="Arial"/>
-              <a:sym typeface="Arial"/>
-            </a:endParaRPr>
           </a:p>
           <a:p>
             <a:pPr marL="0" lvl="0" indent="0" algn="l" rtl="0">
@@ -13955,7 +17072,7 @@
               </a:spcAft>
               <a:buNone/>
             </a:pPr>
-            <a:endParaRPr dirty="0"/>
+            <a:endParaRPr lang="hu-HU" noProof="0" dirty="0"/>
           </a:p>
         </p:txBody>
       </p:sp>
@@ -14024,7 +17141,7 @@
                 </a:spcAft>
                 <a:buNone/>
               </a:pPr>
-              <a:endParaRPr>
+              <a:endParaRPr lang="hu-HU" noProof="0" dirty="0">
                 <a:sym typeface="Lato"/>
               </a:endParaRPr>
             </a:p>
@@ -14075,7 +17192,7 @@
                 </a:spcAft>
                 <a:buNone/>
               </a:pPr>
-              <a:endParaRPr>
+              <a:endParaRPr lang="hu-HU" noProof="0" dirty="0">
                 <a:sym typeface="Lato"/>
               </a:endParaRPr>
             </a:p>
@@ -14126,7 +17243,7 @@
                 </a:spcAft>
                 <a:buNone/>
               </a:pPr>
-              <a:endParaRPr>
+              <a:endParaRPr lang="hu-HU" noProof="0" dirty="0">
                 <a:sym typeface="Lato"/>
               </a:endParaRPr>
             </a:p>
@@ -14138,13 +17255,13 @@
   <p:clrMapOvr>
     <a:masterClrMapping/>
   </p:clrMapOvr>
-  <mc:AlternateContent xmlns:mc="http://schemas.openxmlformats.org/markup-compatibility/2006">
-    <mc:Choice xmlns:p159="http://schemas.microsoft.com/office/powerpoint/2015/09/main" Requires="p159">
+  <mc:AlternateContent xmlns:mc="http://schemas.openxmlformats.org/markup-compatibility/2006" xmlns:p159="http://schemas.microsoft.com/office/powerpoint/2015/09/main">
+    <mc:Choice Requires="p159">
       <p:transition xmlns:p14="http://schemas.microsoft.com/office/powerpoint/2010/main" spd="slow" p14:dur="2000">
         <p159:morph option="byObject"/>
       </p:transition>
     </mc:Choice>
-    <mc:Fallback>
+    <mc:Fallback xmlns="">
       <p:transition spd="slow">
         <p:fade/>
       </p:transition>
@@ -14153,7 +17270,7 @@
 </p:sld>
 </file>
 
-<file path=ppt/slides/slide7.xml><?xml version="1.0" encoding="utf-8"?>
+<file path=ppt/slides/slide9.xml><?xml version="1.0" encoding="utf-8"?>
 <p:sld xmlns:a="http://schemas.openxmlformats.org/drawingml/2006/main" xmlns:r="http://schemas.openxmlformats.org/officeDocument/2006/relationships" xmlns:p="http://schemas.openxmlformats.org/presentationml/2006/main">
   <p:cSld>
     <p:spTree>
@@ -14205,10 +17322,21 @@
               <a:buNone/>
             </a:pPr>
             <a:r>
-              <a:rPr lang="hu" i="1" u="sng" dirty="0"/>
-              <a:t>Frontend és Backend kódrészlet</a:t>
+              <a:rPr lang="hu-HU" i="1" u="sng" noProof="0" dirty="0"/>
+              <a:t>Frontend és </a:t>
             </a:r>
-            <a:endParaRPr i="1" u="sng" dirty="0"/>
+            <a:r>
+              <a:rPr lang="en-US" i="1" u="sng" noProof="0" dirty="0"/>
+              <a:t>b</a:t>
+            </a:r>
+            <a:r>
+              <a:rPr lang="hu-HU" i="1" u="sng" noProof="0" dirty="0" err="1"/>
+              <a:t>ackend</a:t>
+            </a:r>
+            <a:r>
+              <a:rPr lang="hu-HU" i="1" u="sng" noProof="0" dirty="0"/>
+              <a:t> kódrészlet</a:t>
+            </a:r>
           </a:p>
         </p:txBody>
       </p:sp>
@@ -14323,7 +17451,7 @@
                 <a:buNone/>
               </a:pPr>
               <a:r>
-                <a:rPr lang="hu" sz="1300" dirty="0">
+                <a:rPr lang="hu-HU" sz="1300" noProof="0" dirty="0">
                   <a:solidFill>
                     <a:schemeClr val="lt1"/>
                   </a:solidFill>
@@ -14334,15 +17462,6 @@
                 </a:rPr>
                 <a:t>Frontend</a:t>
               </a:r>
-              <a:endParaRPr sz="1300" dirty="0">
-                <a:solidFill>
-                  <a:schemeClr val="lt1"/>
-                </a:solidFill>
-                <a:latin typeface="Lato"/>
-                <a:ea typeface="Lato"/>
-                <a:cs typeface="Lato"/>
-                <a:sym typeface="Lato"/>
-              </a:endParaRPr>
             </a:p>
           </p:txBody>
         </p:sp>
@@ -14381,7 +17500,7 @@
                 <a:buNone/>
               </a:pPr>
               <a:r>
-                <a:rPr lang="hu" sz="900" dirty="0">
+                <a:rPr lang="hu-HU" sz="900" noProof="0" dirty="0">
                   <a:solidFill>
                     <a:schemeClr val="lt1"/>
                   </a:solidFill>
@@ -14392,15 +17511,6 @@
                 </a:rPr>
                 <a:t>Főoldal kódrészlete és a navigációs panel kódrészlete egyrészben</a:t>
               </a:r>
-              <a:endParaRPr sz="900" dirty="0">
-                <a:solidFill>
-                  <a:schemeClr val="lt1"/>
-                </a:solidFill>
-                <a:latin typeface="Lato"/>
-                <a:ea typeface="Lato"/>
-                <a:cs typeface="Lato"/>
-                <a:sym typeface="Lato"/>
-              </a:endParaRPr>
             </a:p>
           </p:txBody>
         </p:sp>
@@ -14460,7 +17570,7 @@
                 <a:buNone/>
               </a:pPr>
               <a:r>
-                <a:rPr lang="hu" sz="1300">
+                <a:rPr lang="hu-HU" sz="1300" noProof="0" dirty="0">
                   <a:solidFill>
                     <a:schemeClr val="lt1"/>
                   </a:solidFill>
@@ -14471,15 +17581,6 @@
                 </a:rPr>
                 <a:t>Backend</a:t>
               </a:r>
-              <a:endParaRPr sz="1300" dirty="0">
-                <a:solidFill>
-                  <a:schemeClr val="lt1"/>
-                </a:solidFill>
-                <a:latin typeface="Lato"/>
-                <a:ea typeface="Lato"/>
-                <a:cs typeface="Lato"/>
-                <a:sym typeface="Lato"/>
-              </a:endParaRPr>
             </a:p>
           </p:txBody>
         </p:sp>
@@ -14518,7 +17619,7 @@
                 <a:buNone/>
               </a:pPr>
               <a:r>
-                <a:rPr lang="hu" sz="900" dirty="0">
+                <a:rPr lang="hu-HU" sz="900" noProof="0" dirty="0">
                   <a:solidFill>
                     <a:schemeClr val="lt1"/>
                   </a:solidFill>
@@ -14527,17 +17628,68 @@
                   <a:cs typeface="Lato"/>
                   <a:sym typeface="Lato"/>
                 </a:rPr>
-                <a:t>Állomás keresés fetch és rest apit használva, háttér kód</a:t>
+                <a:t>Állomás keresés </a:t>
               </a:r>
-              <a:endParaRPr sz="900" dirty="0">
-                <a:solidFill>
-                  <a:schemeClr val="lt1"/>
-                </a:solidFill>
-                <a:latin typeface="Lato"/>
-                <a:ea typeface="Lato"/>
-                <a:cs typeface="Lato"/>
-                <a:sym typeface="Lato"/>
-              </a:endParaRPr>
+              <a:r>
+                <a:rPr lang="en-US" sz="900" dirty="0">
+                  <a:solidFill>
+                    <a:schemeClr val="lt1"/>
+                  </a:solidFill>
+                  <a:latin typeface="Lato"/>
+                  <a:ea typeface="Lato"/>
+                  <a:cs typeface="Lato"/>
+                  <a:sym typeface="Lato"/>
+                </a:rPr>
+                <a:t>F</a:t>
+              </a:r>
+              <a:r>
+                <a:rPr lang="hu-HU" sz="900" noProof="0" dirty="0" err="1">
+                  <a:solidFill>
+                    <a:schemeClr val="lt1"/>
+                  </a:solidFill>
+                  <a:latin typeface="Lato"/>
+                  <a:ea typeface="Lato"/>
+                  <a:cs typeface="Lato"/>
+                  <a:sym typeface="Lato"/>
+                </a:rPr>
+                <a:t>etch</a:t>
+              </a:r>
+              <a:r>
+                <a:rPr lang="hu-HU" sz="900" noProof="0" dirty="0">
+                  <a:solidFill>
+                    <a:schemeClr val="lt1"/>
+                  </a:solidFill>
+                  <a:latin typeface="Lato"/>
+                  <a:ea typeface="Lato"/>
+                  <a:cs typeface="Lato"/>
+                  <a:sym typeface="Lato"/>
+                </a:rPr>
+                <a:t> és </a:t>
+              </a:r>
+              <a:r>
+                <a:rPr lang="en-US" sz="900" noProof="0" dirty="0">
+                  <a:solidFill>
+                    <a:schemeClr val="lt1"/>
+                  </a:solidFill>
+                  <a:latin typeface="Lato"/>
+                  <a:ea typeface="Lato"/>
+                  <a:cs typeface="Lato"/>
+                  <a:sym typeface="Lato"/>
+                </a:rPr>
+                <a:t>REST API-t </a:t>
+              </a:r>
+              <a:r>
+                <a:rPr lang="hu-HU" sz="900" noProof="0" dirty="0">
+                  <a:solidFill>
+                    <a:schemeClr val="lt1"/>
+                  </a:solidFill>
+                  <a:latin typeface="Lato"/>
+                  <a:ea typeface="Lato"/>
+                  <a:cs typeface="Lato"/>
+                  <a:sym typeface="Lato"/>
+                </a:rPr>
+                <a:t>használva, háttérkód</a:t>
+              </a:r>
             </a:p>
           </p:txBody>
         </p:sp>
@@ -14550,848 +17702,6 @@
   <p:transition spd="slow">
     <p:push dir="u"/>
   </p:transition>
-</p:sld>
-</file>
-
-<file path=ppt/slides/slide8.xml><?xml version="1.0" encoding="utf-8"?>
-<p:sld xmlns:a="http://schemas.openxmlformats.org/drawingml/2006/main" xmlns:r="http://schemas.openxmlformats.org/officeDocument/2006/relationships" xmlns:p="http://schemas.openxmlformats.org/presentationml/2006/main">
-  <p:cSld>
-    <p:spTree>
-      <p:nvGrpSpPr>
-        <p:cNvPr id="1" name="Shape 186"/>
-        <p:cNvGrpSpPr/>
-        <p:nvPr/>
-      </p:nvGrpSpPr>
-      <p:grpSpPr>
-        <a:xfrm>
-          <a:off x="0" y="0"/>
-          <a:ext cx="0" cy="0"/>
-          <a:chOff x="0" y="0"/>
-          <a:chExt cx="0" cy="0"/>
-        </a:xfrm>
-      </p:grpSpPr>
-      <p:sp>
-        <p:nvSpPr>
-          <p:cNvPr id="187" name="Google Shape;187;p20"/>
-          <p:cNvSpPr txBox="1">
-            <a:spLocks noGrp="1"/>
-          </p:cNvSpPr>
-          <p:nvPr>
-            <p:ph type="title"/>
-          </p:nvPr>
-        </p:nvSpPr>
-        <p:spPr>
-          <a:xfrm>
-            <a:off x="1297500" y="393750"/>
-            <a:ext cx="7038900" cy="914100"/>
-          </a:xfrm>
-          <a:prstGeom prst="rect">
-            <a:avLst/>
-          </a:prstGeom>
-        </p:spPr>
-        <p:txBody>
-          <a:bodyPr spcFirstLastPara="1" wrap="square" lIns="91425" tIns="91425" rIns="91425" bIns="91425" anchor="t" anchorCtr="0">
-            <a:noAutofit/>
-          </a:bodyPr>
-          <a:lstStyle/>
-          <a:p>
-            <a:pPr marL="0" lvl="0" indent="0" algn="l" rtl="0">
-              <a:lnSpc>
-                <a:spcPct val="125000"/>
-              </a:lnSpc>
-              <a:spcBef>
-                <a:spcPts val="1800"/>
-              </a:spcBef>
-              <a:spcAft>
-                <a:spcPts val="0"/>
-              </a:spcAft>
-              <a:buNone/>
-            </a:pPr>
-            <a:r>
-              <a:rPr lang="hu" b="1">
-                <a:solidFill>
-                  <a:srgbClr val="F0F6FC"/>
-                </a:solidFill>
-                <a:latin typeface="Arial"/>
-                <a:ea typeface="Arial"/>
-                <a:cs typeface="Arial"/>
-                <a:sym typeface="Arial"/>
-              </a:rPr>
-              <a:t>Továbbfejleszthetőség</a:t>
-            </a:r>
-            <a:endParaRPr b="1">
-              <a:solidFill>
-                <a:srgbClr val="F0F6FC"/>
-              </a:solidFill>
-              <a:latin typeface="Arial"/>
-              <a:ea typeface="Arial"/>
-              <a:cs typeface="Arial"/>
-              <a:sym typeface="Arial"/>
-            </a:endParaRPr>
-          </a:p>
-          <a:p>
-            <a:pPr marL="0" lvl="0" indent="0" algn="l" rtl="0">
-              <a:spcBef>
-                <a:spcPts val="1200"/>
-              </a:spcBef>
-              <a:spcAft>
-                <a:spcPts val="0"/>
-              </a:spcAft>
-              <a:buNone/>
-            </a:pPr>
-            <a:endParaRPr/>
-          </a:p>
-        </p:txBody>
-      </p:sp>
-      <p:sp>
-        <p:nvSpPr>
-          <p:cNvPr id="188" name="Google Shape;188;p20"/>
-          <p:cNvSpPr txBox="1">
-            <a:spLocks noGrp="1"/>
-          </p:cNvSpPr>
-          <p:nvPr>
-            <p:ph type="body" idx="1"/>
-          </p:nvPr>
-        </p:nvSpPr>
-        <p:spPr>
-          <a:xfrm>
-            <a:off x="1297500" y="1567550"/>
-            <a:ext cx="7038900" cy="2911200"/>
-          </a:xfrm>
-          <a:prstGeom prst="rect">
-            <a:avLst/>
-          </a:prstGeom>
-        </p:spPr>
-        <p:txBody>
-          <a:bodyPr spcFirstLastPara="1" wrap="square" lIns="91425" tIns="91425" rIns="91425" bIns="91425" anchor="t" anchorCtr="0">
-            <a:normAutofit/>
-          </a:bodyPr>
-          <a:lstStyle/>
-          <a:p>
-            <a:pPr marL="457200" lvl="0" indent="-298450" algn="l" rtl="0">
-              <a:spcBef>
-                <a:spcPts val="1200"/>
-              </a:spcBef>
-              <a:spcAft>
-                <a:spcPts val="0"/>
-              </a:spcAft>
-              <a:buClr>
-                <a:schemeClr val="lt1"/>
-              </a:buClr>
-              <a:buSzPts val="1100"/>
-              <a:buFont typeface="Arial"/>
-              <a:buChar char="●"/>
-            </a:pPr>
-            <a:r>
-              <a:rPr lang="hu" sz="1100" b="1" dirty="0">
-                <a:latin typeface="Arial"/>
-                <a:ea typeface="Arial"/>
-                <a:cs typeface="Arial"/>
-                <a:sym typeface="Arial"/>
-              </a:rPr>
-              <a:t>Közösségi funkciók</a:t>
-            </a:r>
-            <a:r>
-              <a:rPr lang="hu" sz="1100" dirty="0">
-                <a:latin typeface="Arial"/>
-                <a:ea typeface="Arial"/>
-                <a:cs typeface="Arial"/>
-                <a:sym typeface="Arial"/>
-              </a:rPr>
-              <a:t> – menetrendek megosztása</a:t>
-            </a:r>
-            <a:br>
-              <a:rPr lang="hu" sz="1100" dirty="0">
-                <a:latin typeface="Arial"/>
-                <a:ea typeface="Arial"/>
-                <a:cs typeface="Arial"/>
-                <a:sym typeface="Arial"/>
-              </a:rPr>
-            </a:br>
-            <a:endParaRPr sz="1100" dirty="0">
-              <a:latin typeface="Arial"/>
-              <a:ea typeface="Arial"/>
-              <a:cs typeface="Arial"/>
-              <a:sym typeface="Arial"/>
-            </a:endParaRPr>
-          </a:p>
-          <a:p>
-            <a:pPr marL="457200" lvl="0" indent="-298450" algn="l" rtl="0">
-              <a:spcBef>
-                <a:spcPts val="0"/>
-              </a:spcBef>
-              <a:spcAft>
-                <a:spcPts val="0"/>
-              </a:spcAft>
-              <a:buClr>
-                <a:schemeClr val="lt1"/>
-              </a:buClr>
-              <a:buSzPts val="1100"/>
-              <a:buFont typeface="Arial"/>
-              <a:buChar char="●"/>
-            </a:pPr>
-            <a:r>
-              <a:rPr lang="hu" sz="1100" b="1" dirty="0">
-                <a:latin typeface="Arial"/>
-                <a:ea typeface="Arial"/>
-                <a:cs typeface="Arial"/>
-                <a:sym typeface="Arial"/>
-              </a:rPr>
-              <a:t>Személyre szabott értesítések</a:t>
-            </a:r>
-            <a:r>
-              <a:rPr lang="hu" sz="1100" dirty="0">
-                <a:latin typeface="Arial"/>
-                <a:ea typeface="Arial"/>
-                <a:cs typeface="Arial"/>
-                <a:sym typeface="Arial"/>
-              </a:rPr>
-              <a:t> – késések, változások</a:t>
-            </a:r>
-            <a:br>
-              <a:rPr lang="hu" sz="1100" dirty="0">
-                <a:latin typeface="Arial"/>
-                <a:ea typeface="Arial"/>
-                <a:cs typeface="Arial"/>
-                <a:sym typeface="Arial"/>
-              </a:rPr>
-            </a:br>
-            <a:endParaRPr sz="1100" dirty="0">
-              <a:latin typeface="Arial"/>
-              <a:ea typeface="Arial"/>
-              <a:cs typeface="Arial"/>
-              <a:sym typeface="Arial"/>
-            </a:endParaRPr>
-          </a:p>
-          <a:p>
-            <a:pPr marL="457200" lvl="0" indent="-298450" algn="l" rtl="0">
-              <a:spcBef>
-                <a:spcPts val="0"/>
-              </a:spcBef>
-              <a:spcAft>
-                <a:spcPts val="0"/>
-              </a:spcAft>
-              <a:buClr>
-                <a:schemeClr val="lt1"/>
-              </a:buClr>
-              <a:buSzPts val="1100"/>
-              <a:buFont typeface="Arial"/>
-              <a:buChar char="●"/>
-            </a:pPr>
-            <a:r>
-              <a:rPr lang="hu" sz="1100" b="1" dirty="0">
-                <a:latin typeface="Arial"/>
-                <a:ea typeface="Arial"/>
-                <a:cs typeface="Arial"/>
-                <a:sym typeface="Arial"/>
-              </a:rPr>
-              <a:t>Alternatív közlekedés</a:t>
-            </a:r>
-            <a:r>
-              <a:rPr lang="hu" sz="1100" dirty="0">
-                <a:latin typeface="Arial"/>
-                <a:ea typeface="Arial"/>
-                <a:cs typeface="Arial"/>
-                <a:sym typeface="Arial"/>
-              </a:rPr>
-              <a:t> – bicikli, roller, gyalog</a:t>
-            </a:r>
-            <a:br>
-              <a:rPr lang="hu" sz="1100" dirty="0">
-                <a:latin typeface="Arial"/>
-                <a:ea typeface="Arial"/>
-                <a:cs typeface="Arial"/>
-                <a:sym typeface="Arial"/>
-              </a:rPr>
-            </a:br>
-            <a:endParaRPr sz="1100" dirty="0">
-              <a:latin typeface="Arial"/>
-              <a:ea typeface="Arial"/>
-              <a:cs typeface="Arial"/>
-              <a:sym typeface="Arial"/>
-            </a:endParaRPr>
-          </a:p>
-          <a:p>
-            <a:pPr marL="457200" lvl="0" indent="-298450" algn="l" rtl="0">
-              <a:spcBef>
-                <a:spcPts val="0"/>
-              </a:spcBef>
-              <a:spcAft>
-                <a:spcPts val="0"/>
-              </a:spcAft>
-              <a:buClr>
-                <a:schemeClr val="lt1"/>
-              </a:buClr>
-              <a:buSzPts val="1100"/>
-              <a:buFont typeface="Arial"/>
-              <a:buChar char="●"/>
-            </a:pPr>
-            <a:r>
-              <a:rPr lang="hu" sz="1100" b="1" dirty="0">
-                <a:latin typeface="Arial"/>
-                <a:ea typeface="Arial"/>
-                <a:cs typeface="Arial"/>
-                <a:sym typeface="Arial"/>
-              </a:rPr>
-              <a:t>Okos útvonalajánlás</a:t>
-            </a:r>
-            <a:r>
-              <a:rPr lang="hu" sz="1100" dirty="0">
-                <a:latin typeface="Arial"/>
-                <a:ea typeface="Arial"/>
-                <a:cs typeface="Arial"/>
-                <a:sym typeface="Arial"/>
-              </a:rPr>
-              <a:t> – felhasználói szokások alapján</a:t>
-            </a:r>
-            <a:br>
-              <a:rPr lang="hu" sz="1100" dirty="0">
-                <a:latin typeface="Arial"/>
-                <a:ea typeface="Arial"/>
-                <a:cs typeface="Arial"/>
-                <a:sym typeface="Arial"/>
-              </a:rPr>
-            </a:br>
-            <a:endParaRPr sz="1100" dirty="0">
-              <a:latin typeface="Arial"/>
-              <a:ea typeface="Arial"/>
-              <a:cs typeface="Arial"/>
-              <a:sym typeface="Arial"/>
-            </a:endParaRPr>
-          </a:p>
-          <a:p>
-            <a:pPr marL="457200" lvl="0" indent="-298450" algn="l" rtl="0">
-              <a:spcBef>
-                <a:spcPts val="0"/>
-              </a:spcBef>
-              <a:spcAft>
-                <a:spcPts val="0"/>
-              </a:spcAft>
-              <a:buClr>
-                <a:schemeClr val="lt1"/>
-              </a:buClr>
-              <a:buSzPts val="1100"/>
-              <a:buFont typeface="Arial"/>
-              <a:buChar char="●"/>
-            </a:pPr>
-            <a:r>
-              <a:rPr lang="hu" sz="1100" b="1" dirty="0">
-                <a:latin typeface="Arial"/>
-                <a:ea typeface="Arial"/>
-                <a:cs typeface="Arial"/>
-                <a:sym typeface="Arial"/>
-              </a:rPr>
-              <a:t>Mobilalkalmazás</a:t>
-            </a:r>
-            <a:r>
-              <a:rPr lang="hu" sz="1100" dirty="0">
-                <a:latin typeface="Arial"/>
-                <a:ea typeface="Arial"/>
-                <a:cs typeface="Arial"/>
-                <a:sym typeface="Arial"/>
-              </a:rPr>
-              <a:t> – Android és iOS verzió</a:t>
-            </a:r>
-            <a:br>
-              <a:rPr lang="hu" sz="1100" dirty="0">
-                <a:latin typeface="Arial"/>
-                <a:ea typeface="Arial"/>
-                <a:cs typeface="Arial"/>
-                <a:sym typeface="Arial"/>
-              </a:rPr>
-            </a:br>
-            <a:endParaRPr sz="1100" dirty="0">
-              <a:latin typeface="Arial"/>
-              <a:ea typeface="Arial"/>
-              <a:cs typeface="Arial"/>
-              <a:sym typeface="Arial"/>
-            </a:endParaRPr>
-          </a:p>
-          <a:p>
-            <a:pPr marL="0" lvl="0" indent="0" algn="l" rtl="0">
-              <a:spcBef>
-                <a:spcPts val="1200"/>
-              </a:spcBef>
-              <a:spcAft>
-                <a:spcPts val="1200"/>
-              </a:spcAft>
-              <a:buNone/>
-            </a:pPr>
-            <a:endParaRPr dirty="0"/>
-          </a:p>
-        </p:txBody>
-      </p:sp>
-      <p:pic>
-        <p:nvPicPr>
-          <p:cNvPr id="5122" name="Picture 2" descr="Development - Free miscellaneous icons">
-            <a:extLst>
-              <a:ext uri="{FF2B5EF4-FFF2-40B4-BE49-F238E27FC236}">
-                <a16:creationId xmlns:a16="http://schemas.microsoft.com/office/drawing/2014/main" id="{954DA233-05C0-C6C1-24D7-38D6AA95D827}"/>
-              </a:ext>
-            </a:extLst>
-          </p:cNvPr>
-          <p:cNvPicPr>
-            <a:picLocks noChangeAspect="1" noChangeArrowheads="1"/>
-          </p:cNvPicPr>
-          <p:nvPr/>
-        </p:nvPicPr>
-        <p:blipFill>
-          <a:blip r:embed="rId3">
-            <a:extLst>
-              <a:ext uri="{28A0092B-C50C-407E-A947-70E740481C1C}">
-                <a14:useLocalDpi xmlns:a14="http://schemas.microsoft.com/office/drawing/2010/main" val="0"/>
-              </a:ext>
-            </a:extLst>
-          </a:blip>
-          <a:srcRect/>
-          <a:stretch>
-            <a:fillRect/>
-          </a:stretch>
-        </p:blipFill>
-        <p:spPr bwMode="auto">
-          <a:xfrm>
-            <a:off x="5570220" y="927735"/>
-            <a:ext cx="3288030" cy="3288030"/>
-          </a:xfrm>
-          <a:prstGeom prst="rect">
-            <a:avLst/>
-          </a:prstGeom>
-          <a:noFill/>
-          <a:extLst>
-            <a:ext uri="{909E8E84-426E-40DD-AFC4-6F175D3DCCD1}">
-              <a14:hiddenFill xmlns:a14="http://schemas.microsoft.com/office/drawing/2010/main">
-                <a:solidFill>
-                  <a:srgbClr val="FFFFFF"/>
-                </a:solidFill>
-              </a14:hiddenFill>
-            </a:ext>
-          </a:extLst>
-        </p:spPr>
-      </p:pic>
-    </p:spTree>
-  </p:cSld>
-  <p:clrMapOvr>
-    <a:masterClrMapping/>
-  </p:clrMapOvr>
-  <mc:AlternateContent xmlns:mc="http://schemas.openxmlformats.org/markup-compatibility/2006">
-    <mc:Choice xmlns:p159="http://schemas.microsoft.com/office/powerpoint/2015/09/main" Requires="p159">
-      <p:transition xmlns:p14="http://schemas.microsoft.com/office/powerpoint/2010/main" spd="slow" p14:dur="2000">
-        <p159:morph option="byObject"/>
-      </p:transition>
-    </mc:Choice>
-    <mc:Fallback>
-      <p:transition spd="slow">
-        <p:fade/>
-      </p:transition>
-    </mc:Fallback>
-  </mc:AlternateContent>
-</p:sld>
-</file>
-
-<file path=ppt/slides/slide9.xml><?xml version="1.0" encoding="utf-8"?>
-<p:sld xmlns:a="http://schemas.openxmlformats.org/drawingml/2006/main" xmlns:r="http://schemas.openxmlformats.org/officeDocument/2006/relationships" xmlns:p="http://schemas.openxmlformats.org/presentationml/2006/main">
-  <p:cSld>
-    <p:spTree>
-      <p:nvGrpSpPr>
-        <p:cNvPr id="1" name="Shape 192"/>
-        <p:cNvGrpSpPr/>
-        <p:nvPr/>
-      </p:nvGrpSpPr>
-      <p:grpSpPr>
-        <a:xfrm>
-          <a:off x="0" y="0"/>
-          <a:ext cx="0" cy="0"/>
-          <a:chOff x="0" y="0"/>
-          <a:chExt cx="0" cy="0"/>
-        </a:xfrm>
-      </p:grpSpPr>
-      <p:sp>
-        <p:nvSpPr>
-          <p:cNvPr id="193" name="Google Shape;193;p21"/>
-          <p:cNvSpPr txBox="1">
-            <a:spLocks noGrp="1"/>
-          </p:cNvSpPr>
-          <p:nvPr>
-            <p:ph type="title"/>
-          </p:nvPr>
-        </p:nvSpPr>
-        <p:spPr>
-          <a:xfrm>
-            <a:off x="1297500" y="393750"/>
-            <a:ext cx="7038900" cy="914100"/>
-          </a:xfrm>
-          <a:prstGeom prst="rect">
-            <a:avLst/>
-          </a:prstGeom>
-        </p:spPr>
-        <p:txBody>
-          <a:bodyPr spcFirstLastPara="1" wrap="square" lIns="91425" tIns="91425" rIns="91425" bIns="91425" anchor="t" anchorCtr="0">
-            <a:noAutofit/>
-          </a:bodyPr>
-          <a:lstStyle/>
-          <a:p>
-            <a:pPr marL="0" lvl="0" indent="0" algn="l" rtl="0">
-              <a:spcBef>
-                <a:spcPts val="0"/>
-              </a:spcBef>
-              <a:spcAft>
-                <a:spcPts val="0"/>
-              </a:spcAft>
-              <a:buSzPts val="990"/>
-              <a:buNone/>
-            </a:pPr>
-            <a:r>
-              <a:rPr lang="hu" b="1"/>
-              <a:t>Felhasználói élmény / Hogyan használható a HovaTovább?</a:t>
-            </a:r>
-            <a:endParaRPr b="1"/>
-          </a:p>
-        </p:txBody>
-      </p:sp>
-      <p:sp>
-        <p:nvSpPr>
-          <p:cNvPr id="194" name="Google Shape;194;p21"/>
-          <p:cNvSpPr txBox="1">
-            <a:spLocks noGrp="1"/>
-          </p:cNvSpPr>
-          <p:nvPr>
-            <p:ph type="body" idx="1"/>
-          </p:nvPr>
-        </p:nvSpPr>
-        <p:spPr>
-          <a:xfrm>
-            <a:off x="1297500" y="1567550"/>
-            <a:ext cx="7038900" cy="2911200"/>
-          </a:xfrm>
-          <a:prstGeom prst="rect">
-            <a:avLst/>
-          </a:prstGeom>
-        </p:spPr>
-        <p:txBody>
-          <a:bodyPr spcFirstLastPara="1" wrap="square" lIns="91425" tIns="91425" rIns="91425" bIns="91425" anchor="t" anchorCtr="0">
-            <a:noAutofit/>
-          </a:bodyPr>
-          <a:lstStyle/>
-          <a:p>
-            <a:pPr marL="457200" lvl="0" indent="-289083" rtl="0">
-              <a:lnSpc>
-                <a:spcPct val="95000"/>
-              </a:lnSpc>
-              <a:spcBef>
-                <a:spcPts val="0"/>
-              </a:spcBef>
-              <a:spcAft>
-                <a:spcPts val="0"/>
-              </a:spcAft>
-              <a:buSzPts val="952"/>
-              <a:buFont typeface="Arial"/>
-              <a:buChar char="●"/>
-            </a:pPr>
-            <a:r>
-              <a:rPr lang="hu" sz="952" b="1" dirty="0">
-                <a:latin typeface="Arial"/>
-                <a:ea typeface="Arial"/>
-                <a:cs typeface="Arial"/>
-                <a:sym typeface="Arial"/>
-              </a:rPr>
-              <a:t>Egyszerű, letisztult felület</a:t>
-            </a:r>
-            <a:br>
-              <a:rPr lang="hu" sz="952" b="1" dirty="0">
-                <a:latin typeface="Arial"/>
-                <a:ea typeface="Arial"/>
-                <a:cs typeface="Arial"/>
-                <a:sym typeface="Arial"/>
-              </a:rPr>
-            </a:br>
-            <a:r>
-              <a:rPr lang="hu" sz="952" dirty="0">
-                <a:latin typeface="Arial"/>
-                <a:ea typeface="Arial"/>
-                <a:cs typeface="Arial"/>
-                <a:sym typeface="Arial"/>
-              </a:rPr>
-              <a:t> A weboldal minimalista kialakítású, a felhasználó gyorsan megtalálja az útvonaltervezéshez szükséges mezőket.</a:t>
-            </a:r>
-            <a:br>
-              <a:rPr lang="hu" sz="952" dirty="0">
-                <a:latin typeface="Arial"/>
-                <a:ea typeface="Arial"/>
-                <a:cs typeface="Arial"/>
-                <a:sym typeface="Arial"/>
-              </a:rPr>
-            </a:br>
-            <a:endParaRPr sz="952" dirty="0">
-              <a:latin typeface="Arial"/>
-              <a:ea typeface="Arial"/>
-              <a:cs typeface="Arial"/>
-              <a:sym typeface="Arial"/>
-            </a:endParaRPr>
-          </a:p>
-          <a:p>
-            <a:pPr marL="457200" lvl="0" indent="-289083" rtl="0">
-              <a:lnSpc>
-                <a:spcPct val="95000"/>
-              </a:lnSpc>
-              <a:spcBef>
-                <a:spcPts val="0"/>
-              </a:spcBef>
-              <a:spcAft>
-                <a:spcPts val="0"/>
-              </a:spcAft>
-              <a:buSzPts val="952"/>
-              <a:buFont typeface="Arial"/>
-              <a:buChar char="●"/>
-            </a:pPr>
-            <a:r>
-              <a:rPr lang="hu" sz="952" b="1" dirty="0">
-                <a:latin typeface="Arial"/>
-                <a:ea typeface="Arial"/>
-                <a:cs typeface="Arial"/>
-                <a:sym typeface="Arial"/>
-              </a:rPr>
-              <a:t>Gyors útvonaltervezés</a:t>
-            </a:r>
-            <a:br>
-              <a:rPr lang="hu" sz="952" b="1" dirty="0">
-                <a:latin typeface="Arial"/>
-                <a:ea typeface="Arial"/>
-                <a:cs typeface="Arial"/>
-                <a:sym typeface="Arial"/>
-              </a:rPr>
-            </a:br>
-            <a:r>
-              <a:rPr lang="hu" sz="952" dirty="0">
-                <a:latin typeface="Arial"/>
-                <a:ea typeface="Arial"/>
-                <a:cs typeface="Arial"/>
-                <a:sym typeface="Arial"/>
-              </a:rPr>
-              <a:t> A felhasználó megadja az indulási és érkezési helyet, majd az alkalmazás menetrend alapján megtervezi az utazást.</a:t>
-            </a:r>
-            <a:br>
-              <a:rPr lang="hu" sz="952" dirty="0">
-                <a:latin typeface="Arial"/>
-                <a:ea typeface="Arial"/>
-                <a:cs typeface="Arial"/>
-                <a:sym typeface="Arial"/>
-              </a:rPr>
-            </a:br>
-            <a:endParaRPr sz="952" dirty="0">
-              <a:latin typeface="Arial"/>
-              <a:ea typeface="Arial"/>
-              <a:cs typeface="Arial"/>
-              <a:sym typeface="Arial"/>
-            </a:endParaRPr>
-          </a:p>
-          <a:p>
-            <a:pPr marL="457200" lvl="0" indent="-289083" rtl="0">
-              <a:lnSpc>
-                <a:spcPct val="95000"/>
-              </a:lnSpc>
-              <a:spcBef>
-                <a:spcPts val="0"/>
-              </a:spcBef>
-              <a:spcAft>
-                <a:spcPts val="0"/>
-              </a:spcAft>
-              <a:buSzPts val="952"/>
-              <a:buFont typeface="Arial"/>
-              <a:buChar char="●"/>
-            </a:pPr>
-            <a:r>
-              <a:rPr lang="hu" sz="952" b="1" dirty="0">
-                <a:latin typeface="Arial"/>
-                <a:ea typeface="Arial"/>
-                <a:cs typeface="Arial"/>
-                <a:sym typeface="Arial"/>
-              </a:rPr>
-              <a:t>Valós közlekedési adatokra épít</a:t>
-            </a:r>
-            <a:br>
-              <a:rPr lang="hu" sz="952" b="1" dirty="0">
-                <a:latin typeface="Arial"/>
-                <a:ea typeface="Arial"/>
-                <a:cs typeface="Arial"/>
-                <a:sym typeface="Arial"/>
-              </a:rPr>
-            </a:br>
-            <a:r>
-              <a:rPr lang="hu" sz="952" dirty="0">
-                <a:latin typeface="Arial"/>
-                <a:ea typeface="Arial"/>
-                <a:cs typeface="Arial"/>
-                <a:sym typeface="Arial"/>
-              </a:rPr>
-              <a:t> A tervezés tömegközlekedési menetrendek felhasználásával történik, így reális útvonalakat kínál.</a:t>
-            </a:r>
-            <a:br>
-              <a:rPr lang="hu" sz="952" dirty="0">
-                <a:latin typeface="Arial"/>
-                <a:ea typeface="Arial"/>
-                <a:cs typeface="Arial"/>
-                <a:sym typeface="Arial"/>
-              </a:rPr>
-            </a:br>
-            <a:endParaRPr sz="952" dirty="0">
-              <a:latin typeface="Arial"/>
-              <a:ea typeface="Arial"/>
-              <a:cs typeface="Arial"/>
-              <a:sym typeface="Arial"/>
-            </a:endParaRPr>
-          </a:p>
-          <a:p>
-            <a:pPr marL="457200" lvl="0" indent="-289083" rtl="0">
-              <a:lnSpc>
-                <a:spcPct val="95000"/>
-              </a:lnSpc>
-              <a:spcBef>
-                <a:spcPts val="0"/>
-              </a:spcBef>
-              <a:spcAft>
-                <a:spcPts val="0"/>
-              </a:spcAft>
-              <a:buSzPts val="952"/>
-              <a:buFont typeface="Arial"/>
-              <a:buChar char="●"/>
-            </a:pPr>
-            <a:r>
-              <a:rPr lang="hu" sz="952" b="1" dirty="0">
-                <a:latin typeface="Arial"/>
-                <a:ea typeface="Arial"/>
-                <a:cs typeface="Arial"/>
-                <a:sym typeface="Arial"/>
-              </a:rPr>
-              <a:t>Böngészőből elérhető</a:t>
-            </a:r>
-            <a:br>
-              <a:rPr lang="hu" sz="952" b="1" dirty="0">
-                <a:latin typeface="Arial"/>
-                <a:ea typeface="Arial"/>
-                <a:cs typeface="Arial"/>
-                <a:sym typeface="Arial"/>
-              </a:rPr>
-            </a:br>
-            <a:r>
-              <a:rPr lang="hu" sz="952" dirty="0">
-                <a:latin typeface="Arial"/>
-                <a:ea typeface="Arial"/>
-                <a:cs typeface="Arial"/>
-                <a:sym typeface="Arial"/>
-              </a:rPr>
-              <a:t> Nem szükséges alkalmazást telepíteni, bármilyen modern böngészőből használható (JavaScript engedélyezése szükséges).</a:t>
-            </a:r>
-            <a:br>
-              <a:rPr lang="hu" sz="952" dirty="0">
-                <a:latin typeface="Arial"/>
-                <a:ea typeface="Arial"/>
-                <a:cs typeface="Arial"/>
-                <a:sym typeface="Arial"/>
-              </a:rPr>
-            </a:br>
-            <a:endParaRPr sz="952" dirty="0">
-              <a:latin typeface="Arial"/>
-              <a:ea typeface="Arial"/>
-              <a:cs typeface="Arial"/>
-              <a:sym typeface="Arial"/>
-            </a:endParaRPr>
-          </a:p>
-          <a:p>
-            <a:pPr marL="457200" lvl="0" indent="-289083" rtl="0">
-              <a:lnSpc>
-                <a:spcPct val="95000"/>
-              </a:lnSpc>
-              <a:spcBef>
-                <a:spcPts val="0"/>
-              </a:spcBef>
-              <a:spcAft>
-                <a:spcPts val="0"/>
-              </a:spcAft>
-              <a:buSzPts val="952"/>
-              <a:buFont typeface="Arial"/>
-              <a:buChar char="●"/>
-            </a:pPr>
-            <a:r>
-              <a:rPr lang="hu" sz="952" b="1" dirty="0">
-                <a:latin typeface="Arial"/>
-                <a:ea typeface="Arial"/>
-                <a:cs typeface="Arial"/>
-                <a:sym typeface="Arial"/>
-              </a:rPr>
-              <a:t>Felhasználóbarát megoldás utazóknak</a:t>
-            </a:r>
-            <a:br>
-              <a:rPr lang="hu" sz="952" b="1" dirty="0">
-                <a:latin typeface="Arial"/>
-                <a:ea typeface="Arial"/>
-                <a:cs typeface="Arial"/>
-                <a:sym typeface="Arial"/>
-              </a:rPr>
-            </a:br>
-            <a:r>
-              <a:rPr lang="hu" sz="952" dirty="0">
-                <a:latin typeface="Arial"/>
-                <a:ea typeface="Arial"/>
-                <a:cs typeface="Arial"/>
-                <a:sym typeface="Arial"/>
-              </a:rPr>
-              <a:t> Különösen hasznos diákoknak, ingázóknak és alkalmi utazóknak, akik gyors megoldást keresnek.</a:t>
-            </a:r>
-            <a:endParaRPr sz="1107" dirty="0"/>
-          </a:p>
-        </p:txBody>
-      </p:sp>
-      <p:pic>
-        <p:nvPicPr>
-          <p:cNvPr id="2" name="Google Shape;137;p13">
-            <a:extLst>
-              <a:ext uri="{FF2B5EF4-FFF2-40B4-BE49-F238E27FC236}">
-                <a16:creationId xmlns:a16="http://schemas.microsoft.com/office/drawing/2014/main" id="{B93DE867-7D45-7A10-875C-BD69510CC74C}"/>
-              </a:ext>
-            </a:extLst>
-          </p:cNvPr>
-          <p:cNvPicPr preferRelativeResize="0"/>
-          <p:nvPr/>
-        </p:nvPicPr>
-        <p:blipFill>
-          <a:blip r:embed="rId3">
-            <a:alphaModFix/>
-          </a:blip>
-          <a:stretch>
-            <a:fillRect/>
-          </a:stretch>
-        </p:blipFill>
-        <p:spPr>
-          <a:xfrm>
-            <a:off x="4197762" y="4001275"/>
-            <a:ext cx="748475" cy="748475"/>
-          </a:xfrm>
-          <a:prstGeom prst="rect">
-            <a:avLst/>
-          </a:prstGeom>
-          <a:noFill/>
-          <a:ln>
-            <a:noFill/>
-          </a:ln>
-        </p:spPr>
-      </p:pic>
-    </p:spTree>
-  </p:cSld>
-  <p:clrMapOvr>
-    <a:masterClrMapping/>
-  </p:clrMapOvr>
-  <mc:AlternateContent xmlns:mc="http://schemas.openxmlformats.org/markup-compatibility/2006">
-    <mc:Choice xmlns:p159="http://schemas.microsoft.com/office/powerpoint/2015/09/main" Requires="p159">
-      <p:transition xmlns:p14="http://schemas.microsoft.com/office/powerpoint/2010/main" spd="slow" p14:dur="2000">
-        <p159:morph option="byObject"/>
-      </p:transition>
-    </mc:Choice>
-    <mc:Fallback>
-      <p:transition spd="slow">
-        <p:fade/>
-      </p:transition>
-    </mc:Fallback>
-  </mc:AlternateContent>
 </p:sld>
 </file>
 

--- a/prezi/hovatovabb.pptx
+++ b/prezi/hovatovabb.pptx
@@ -27,14 +27,14 @@
   <p:notesSz cx="6858000" cy="9144000"/>
   <p:embeddedFontLst>
     <p:embeddedFont>
-      <p:font typeface="Lato" panose="020F0502020204030203" pitchFamily="34" charset="0"/>
+      <p:font typeface="Lato" panose="020B0604020202020204" pitchFamily="34" charset="0"/>
       <p:regular r:id="rId17"/>
       <p:bold r:id="rId18"/>
       <p:italic r:id="rId19"/>
       <p:boldItalic r:id="rId20"/>
     </p:embeddedFont>
     <p:embeddedFont>
-      <p:font typeface="Montserrat" pitchFamily="2" charset="0"/>
+      <p:font typeface="Montserrat" panose="00000500000000000000" pitchFamily="2" charset="-18"/>
       <p:regular r:id="rId21"/>
       <p:bold r:id="rId22"/>
       <p:italic r:id="rId23"/>
@@ -10583,8 +10583,12 @@
               <a:buNone/>
             </a:pPr>
             <a:r>
+              <a:rPr lang="hu-HU" b="1" u="sng" noProof="0" dirty="0"/>
+              <a:t>Készítette</a:t>
+            </a:r>
+            <a:r>
               <a:rPr lang="hu-HU" u="sng" noProof="0" dirty="0"/>
-              <a:t>Készítette: Deák Levente és Stonawski Benjamin</a:t>
+              <a:t>: Deák Levente és Stonawski Benjamin</a:t>
             </a:r>
           </a:p>
         </p:txBody>
@@ -15245,13 +15249,13 @@
   <p:clrMapOvr>
     <a:masterClrMapping/>
   </p:clrMapOvr>
-  <mc:AlternateContent xmlns:mc="http://schemas.openxmlformats.org/markup-compatibility/2006">
-    <mc:Choice xmlns:p159="http://schemas.microsoft.com/office/powerpoint/2015/09/main" Requires="p159">
+  <mc:AlternateContent xmlns:mc="http://schemas.openxmlformats.org/markup-compatibility/2006" xmlns:p159="http://schemas.microsoft.com/office/powerpoint/2015/09/main">
+    <mc:Choice Requires="p159">
       <p:transition xmlns:p14="http://schemas.microsoft.com/office/powerpoint/2010/main" spd="slow" p14:dur="2000">
         <p159:morph option="byObject"/>
       </p:transition>
     </mc:Choice>
-    <mc:Fallback>
+    <mc:Fallback xmlns="">
       <p:transition spd="slow">
         <p:fade/>
       </p:transition>
@@ -16741,8 +16745,9 @@
                 <a:srgbClr val="F0F6FC"/>
               </a:buClr>
               <a:buSzPts val="1200"/>
-              <a:buFont typeface="Arial"/>
-              <a:buChar char="●"/>
+              <a:buBlip>
+                <a:blip r:embed="rId3"/>
+              </a:buBlip>
             </a:pPr>
             <a:r>
               <a:rPr lang="hu-HU" sz="1200" b="1" noProof="0" dirty="0">
@@ -16793,8 +16798,9 @@
                 <a:srgbClr val="F0F6FC"/>
               </a:buClr>
               <a:buSzPts val="1200"/>
-              <a:buFont typeface="Arial"/>
-              <a:buChar char="●"/>
+              <a:buBlip>
+                <a:blip r:embed="rId4"/>
+              </a:buBlip>
             </a:pPr>
             <a:r>
               <a:rPr lang="hu-HU" sz="1200" b="1" noProof="0" dirty="0">
@@ -16836,8 +16842,15 @@
                 <a:srgbClr val="F0F6FC"/>
               </a:buClr>
               <a:buSzPts val="1200"/>
-              <a:buFont typeface="Arial"/>
-              <a:buChar char="●"/>
+              <a:buBlip>
+                <a:blip r:embed="rId5">
+                  <a:extLst>
+                    <a:ext uri="{96DAC541-7B7A-43D3-8B79-37D633B846F1}">
+                      <asvg:svgBlip xmlns:asvg="http://schemas.microsoft.com/office/drawing/2016/SVG/main" r:embed="rId6"/>
+                    </a:ext>
+                  </a:extLst>
+                </a:blip>
+              </a:buBlip>
             </a:pPr>
             <a:r>
               <a:rPr lang="hu-HU" sz="1200" b="1" noProof="0" dirty="0">
@@ -16924,8 +16937,9 @@
                 <a:srgbClr val="F0F6FC"/>
               </a:buClr>
               <a:buSzPts val="1200"/>
-              <a:buFont typeface="Arial"/>
-              <a:buChar char="●"/>
+              <a:buBlip>
+                <a:blip r:embed="rId7"/>
+              </a:buBlip>
             </a:pPr>
             <a:r>
               <a:rPr lang="hu-HU" sz="1200" b="1" noProof="0" dirty="0">
@@ -16967,8 +16981,9 @@
                 <a:srgbClr val="F0F6FC"/>
               </a:buClr>
               <a:buSzPts val="1200"/>
-              <a:buFont typeface="Arial"/>
-              <a:buChar char="●"/>
+              <a:buBlip>
+                <a:blip r:embed="rId8"/>
+              </a:buBlip>
             </a:pPr>
             <a:r>
               <a:rPr lang="hu-HU" sz="1200" b="1" noProof="0" dirty="0">
@@ -17019,8 +17034,9 @@
                 <a:srgbClr val="F0F6FC"/>
               </a:buClr>
               <a:buSzPts val="1200"/>
-              <a:buFont typeface="Arial"/>
-              <a:buChar char="●"/>
+              <a:buBlip>
+                <a:blip r:embed="rId9"/>
+              </a:buBlip>
             </a:pPr>
             <a:r>
               <a:rPr lang="hu-HU" sz="1200" b="1" noProof="0" dirty="0">
